--- a/Src/Demo Script.pptx
+++ b/Src/Demo Script.pptx
@@ -11,22 +11,23 @@
     <p:sldId id="277" r:id="rId5"/>
     <p:sldId id="278" r:id="rId6"/>
     <p:sldId id="259" r:id="rId7"/>
-    <p:sldId id="260" r:id="rId8"/>
-    <p:sldId id="262" r:id="rId9"/>
-    <p:sldId id="263" r:id="rId10"/>
-    <p:sldId id="264" r:id="rId11"/>
-    <p:sldId id="265" r:id="rId12"/>
-    <p:sldId id="279" r:id="rId13"/>
-    <p:sldId id="267" r:id="rId14"/>
-    <p:sldId id="270" r:id="rId15"/>
-    <p:sldId id="280" r:id="rId16"/>
-    <p:sldId id="274" r:id="rId17"/>
-    <p:sldId id="275" r:id="rId18"/>
-    <p:sldId id="268" r:id="rId19"/>
-    <p:sldId id="282" r:id="rId20"/>
-    <p:sldId id="285" r:id="rId21"/>
-    <p:sldId id="286" r:id="rId22"/>
-    <p:sldId id="281" r:id="rId23"/>
+    <p:sldId id="287" r:id="rId8"/>
+    <p:sldId id="260" r:id="rId9"/>
+    <p:sldId id="262" r:id="rId10"/>
+    <p:sldId id="263" r:id="rId11"/>
+    <p:sldId id="264" r:id="rId12"/>
+    <p:sldId id="265" r:id="rId13"/>
+    <p:sldId id="279" r:id="rId14"/>
+    <p:sldId id="267" r:id="rId15"/>
+    <p:sldId id="270" r:id="rId16"/>
+    <p:sldId id="280" r:id="rId17"/>
+    <p:sldId id="274" r:id="rId18"/>
+    <p:sldId id="275" r:id="rId19"/>
+    <p:sldId id="268" r:id="rId20"/>
+    <p:sldId id="282" r:id="rId21"/>
+    <p:sldId id="285" r:id="rId22"/>
+    <p:sldId id="286" r:id="rId23"/>
+    <p:sldId id="281" r:id="rId24"/>
   </p:sldIdLst>
   <p:sldSz cx="12192000" cy="6858000"/>
   <p:notesSz cx="6858000" cy="9144000"/>
@@ -144,6 +145,7 @@
             <p14:sldId id="277"/>
             <p14:sldId id="278"/>
             <p14:sldId id="259"/>
+            <p14:sldId id="287"/>
             <p14:sldId id="260"/>
             <p14:sldId id="262"/>
             <p14:sldId id="263"/>
@@ -316,7 +318,7 @@
           <a:p>
             <a:fld id="{49CF1097-5897-4723-9833-9D245DB06627}" type="datetimeFigureOut">
               <a:rPr lang="zh-CN" altLang="en-US" smtClean="0"/>
-              <a:t>2016/9/21</a:t>
+              <a:t>2016/9/23</a:t>
             </a:fld>
             <a:endParaRPr lang="zh-CN" altLang="en-US"/>
           </a:p>
@@ -484,7 +486,7 @@
           <a:p>
             <a:fld id="{49CF1097-5897-4723-9833-9D245DB06627}" type="datetimeFigureOut">
               <a:rPr lang="zh-CN" altLang="en-US" smtClean="0"/>
-              <a:t>2016/9/21</a:t>
+              <a:t>2016/9/23</a:t>
             </a:fld>
             <a:endParaRPr lang="zh-CN" altLang="en-US"/>
           </a:p>
@@ -662,7 +664,7 @@
           <a:p>
             <a:fld id="{49CF1097-5897-4723-9833-9D245DB06627}" type="datetimeFigureOut">
               <a:rPr lang="zh-CN" altLang="en-US" smtClean="0"/>
-              <a:t>2016/9/21</a:t>
+              <a:t>2016/9/23</a:t>
             </a:fld>
             <a:endParaRPr lang="zh-CN" altLang="en-US"/>
           </a:p>
@@ -830,7 +832,7 @@
           <a:p>
             <a:fld id="{49CF1097-5897-4723-9833-9D245DB06627}" type="datetimeFigureOut">
               <a:rPr lang="zh-CN" altLang="en-US" smtClean="0"/>
-              <a:t>2016/9/21</a:t>
+              <a:t>2016/9/23</a:t>
             </a:fld>
             <a:endParaRPr lang="zh-CN" altLang="en-US"/>
           </a:p>
@@ -1075,7 +1077,7 @@
           <a:p>
             <a:fld id="{49CF1097-5897-4723-9833-9D245DB06627}" type="datetimeFigureOut">
               <a:rPr lang="zh-CN" altLang="en-US" smtClean="0"/>
-              <a:t>2016/9/21</a:t>
+              <a:t>2016/9/23</a:t>
             </a:fld>
             <a:endParaRPr lang="zh-CN" altLang="en-US"/>
           </a:p>
@@ -1304,7 +1306,7 @@
           <a:p>
             <a:fld id="{49CF1097-5897-4723-9833-9D245DB06627}" type="datetimeFigureOut">
               <a:rPr lang="zh-CN" altLang="en-US" smtClean="0"/>
-              <a:t>2016/9/21</a:t>
+              <a:t>2016/9/23</a:t>
             </a:fld>
             <a:endParaRPr lang="zh-CN" altLang="en-US"/>
           </a:p>
@@ -1668,7 +1670,7 @@
           <a:p>
             <a:fld id="{49CF1097-5897-4723-9833-9D245DB06627}" type="datetimeFigureOut">
               <a:rPr lang="zh-CN" altLang="en-US" smtClean="0"/>
-              <a:t>2016/9/21</a:t>
+              <a:t>2016/9/23</a:t>
             </a:fld>
             <a:endParaRPr lang="zh-CN" altLang="en-US"/>
           </a:p>
@@ -1785,7 +1787,7 @@
           <a:p>
             <a:fld id="{49CF1097-5897-4723-9833-9D245DB06627}" type="datetimeFigureOut">
               <a:rPr lang="zh-CN" altLang="en-US" smtClean="0"/>
-              <a:t>2016/9/21</a:t>
+              <a:t>2016/9/23</a:t>
             </a:fld>
             <a:endParaRPr lang="zh-CN" altLang="en-US"/>
           </a:p>
@@ -1880,7 +1882,7 @@
           <a:p>
             <a:fld id="{49CF1097-5897-4723-9833-9D245DB06627}" type="datetimeFigureOut">
               <a:rPr lang="zh-CN" altLang="en-US" smtClean="0"/>
-              <a:t>2016/9/21</a:t>
+              <a:t>2016/9/23</a:t>
             </a:fld>
             <a:endParaRPr lang="zh-CN" altLang="en-US"/>
           </a:p>
@@ -2155,7 +2157,7 @@
           <a:p>
             <a:fld id="{49CF1097-5897-4723-9833-9D245DB06627}" type="datetimeFigureOut">
               <a:rPr lang="zh-CN" altLang="en-US" smtClean="0"/>
-              <a:t>2016/9/21</a:t>
+              <a:t>2016/9/23</a:t>
             </a:fld>
             <a:endParaRPr lang="zh-CN" altLang="en-US"/>
           </a:p>
@@ -2407,7 +2409,7 @@
           <a:p>
             <a:fld id="{49CF1097-5897-4723-9833-9D245DB06627}" type="datetimeFigureOut">
               <a:rPr lang="zh-CN" altLang="en-US" smtClean="0"/>
-              <a:t>2016/9/21</a:t>
+              <a:t>2016/9/23</a:t>
             </a:fld>
             <a:endParaRPr lang="zh-CN" altLang="en-US"/>
           </a:p>
@@ -2618,7 +2620,7 @@
           <a:p>
             <a:fld id="{49CF1097-5897-4723-9833-9D245DB06627}" type="datetimeFigureOut">
               <a:rPr lang="zh-CN" altLang="en-US" smtClean="0"/>
-              <a:t>2016/9/21</a:t>
+              <a:t>2016/9/23</a:t>
             </a:fld>
             <a:endParaRPr lang="zh-CN" altLang="en-US"/>
           </a:p>
@@ -3461,6 +3463,356 @@
       </p:grpSpPr>
       <p:sp>
         <p:nvSpPr>
+          <p:cNvPr id="8" name="Rectangle 7"/>
+          <p:cNvSpPr>
+            <a:spLocks noGrp="1" noRot="1" noChangeAspect="1" noMove="1" noResize="1" noEditPoints="1" noAdjustHandles="1" noChangeArrowheads="1" noChangeShapeType="1" noTextEdit="1"/>
+          </p:cNvSpPr>
+          <p:nvPr>
+            <p:extLst>
+              <p:ext uri="{386F3935-93C4-4BCD-93E2-E3B085C9AB24}">
+                <p16:designElem xmlns:p16="http://schemas.microsoft.com/office/powerpoint/2015/main" val="1"/>
+              </p:ext>
+            </p:extLst>
+          </p:nvPr>
+        </p:nvSpPr>
+        <p:spPr bwMode="white">
+          <a:xfrm>
+            <a:off x="0" y="0"/>
+            <a:ext cx="12192000" cy="6858000"/>
+          </a:xfrm>
+          <a:prstGeom prst="rect">
+            <a:avLst/>
+          </a:prstGeom>
+          <a:solidFill>
+            <a:schemeClr val="bg1"/>
+          </a:solidFill>
+          <a:ln>
+            <a:noFill/>
+          </a:ln>
+          <a:effectLst/>
+        </p:spPr>
+      </p:sp>
+      <p:sp>
+        <p:nvSpPr>
+          <p:cNvPr id="9" name="Rectangle 8"/>
+          <p:cNvSpPr>
+            <a:spLocks noGrp="1" noRot="1" noChangeAspect="1" noMove="1" noResize="1" noEditPoints="1" noAdjustHandles="1" noChangeArrowheads="1" noChangeShapeType="1" noTextEdit="1"/>
+          </p:cNvSpPr>
+          <p:nvPr>
+            <p:extLst>
+              <p:ext uri="{386F3935-93C4-4BCD-93E2-E3B085C9AB24}">
+                <p16:designElem xmlns:p16="http://schemas.microsoft.com/office/powerpoint/2015/main" val="1"/>
+              </p:ext>
+            </p:extLst>
+          </p:nvPr>
+        </p:nvSpPr>
+        <p:spPr bwMode="ltGray">
+          <a:xfrm>
+            <a:off x="378068" y="4633546"/>
+            <a:ext cx="11438793" cy="1844256"/>
+          </a:xfrm>
+          <a:prstGeom prst="rect">
+            <a:avLst/>
+          </a:prstGeom>
+          <a:solidFill>
+            <a:schemeClr val="tx1">
+              <a:lumMod val="75000"/>
+              <a:lumOff val="25000"/>
+            </a:schemeClr>
+          </a:solidFill>
+          <a:ln w="127000" cap="sq" cmpd="thinThick">
+            <a:solidFill>
+              <a:schemeClr val="tx1">
+                <a:lumMod val="75000"/>
+                <a:lumOff val="25000"/>
+              </a:schemeClr>
+            </a:solidFill>
+          </a:ln>
+        </p:spPr>
+        <p:style>
+          <a:lnRef idx="2">
+            <a:schemeClr val="accent1">
+              <a:shade val="50000"/>
+            </a:schemeClr>
+          </a:lnRef>
+          <a:fillRef idx="1">
+            <a:schemeClr val="accent1"/>
+          </a:fillRef>
+          <a:effectRef idx="0">
+            <a:schemeClr val="accent1"/>
+          </a:effectRef>
+          <a:fontRef idx="minor">
+            <a:schemeClr val="lt1"/>
+          </a:fontRef>
+        </p:style>
+        <p:txBody>
+          <a:bodyPr rtlCol="0" anchor="ctr"/>
+          <a:lstStyle/>
+          <a:p>
+            <a:pPr algn="ctr"/>
+            <a:endParaRPr lang="en-US"/>
+          </a:p>
+        </p:txBody>
+      </p:sp>
+      <p:cxnSp>
+        <p:nvCxnSpPr>
+          <p:cNvPr id="10" name="Straight Connector 9"/>
+          <p:cNvCxnSpPr>
+            <a:cxnSpLocks noGrp="1" noRot="1" noChangeAspect="1" noMove="1" noResize="1" noEditPoints="1" noAdjustHandles="1" noChangeArrowheads="1" noChangeShapeType="1"/>
+          </p:cNvCxnSpPr>
+          <p:nvPr>
+            <p:extLst>
+              <p:ext uri="{386F3935-93C4-4BCD-93E2-E3B085C9AB24}">
+                <p16:designElem xmlns:p16="http://schemas.microsoft.com/office/powerpoint/2015/main" val="1"/>
+              </p:ext>
+            </p:extLst>
+          </p:nvPr>
+        </p:nvCxnSpPr>
+        <p:spPr>
+          <a:xfrm>
+            <a:off x="2209800" y="5738691"/>
+            <a:ext cx="7772400" cy="0"/>
+          </a:xfrm>
+          <a:prstGeom prst="line">
+            <a:avLst/>
+          </a:prstGeom>
+          <a:ln w="22225">
+            <a:solidFill>
+              <a:schemeClr val="bg1">
+                <a:lumMod val="85000"/>
+              </a:schemeClr>
+            </a:solidFill>
+          </a:ln>
+        </p:spPr>
+        <p:style>
+          <a:lnRef idx="1">
+            <a:schemeClr val="accent1"/>
+          </a:lnRef>
+          <a:fillRef idx="0">
+            <a:schemeClr val="accent1"/>
+          </a:fillRef>
+          <a:effectRef idx="0">
+            <a:schemeClr val="accent1"/>
+          </a:effectRef>
+          <a:fontRef idx="minor">
+            <a:schemeClr val="tx1"/>
+          </a:fontRef>
+        </p:style>
+      </p:cxnSp>
+      <p:cxnSp>
+        <p:nvCxnSpPr>
+          <p:cNvPr id="11" name="Straight Connector 10"/>
+          <p:cNvCxnSpPr>
+            <a:cxnSpLocks noGrp="1" noRot="1" noChangeAspect="1" noMove="1" noResize="1" noEditPoints="1" noAdjustHandles="1" noChangeArrowheads="1" noChangeShapeType="1"/>
+          </p:cNvCxnSpPr>
+          <p:nvPr>
+            <p:extLst>
+              <p:ext uri="{386F3935-93C4-4BCD-93E2-E3B085C9AB24}">
+                <p16:designElem xmlns:p16="http://schemas.microsoft.com/office/powerpoint/2015/main" val="1"/>
+              </p:ext>
+            </p:extLst>
+          </p:nvPr>
+        </p:nvCxnSpPr>
+        <p:spPr>
+          <a:xfrm>
+            <a:off x="6096000" y="477749"/>
+            <a:ext cx="0" cy="3657600"/>
+          </a:xfrm>
+          <a:prstGeom prst="line">
+            <a:avLst/>
+          </a:prstGeom>
+          <a:ln w="101600" cmpd="dbl">
+            <a:solidFill>
+              <a:schemeClr val="tx1">
+                <a:lumMod val="65000"/>
+                <a:lumOff val="35000"/>
+              </a:schemeClr>
+            </a:solidFill>
+          </a:ln>
+        </p:spPr>
+        <p:style>
+          <a:lnRef idx="1">
+            <a:schemeClr val="accent1"/>
+          </a:lnRef>
+          <a:fillRef idx="0">
+            <a:schemeClr val="accent1"/>
+          </a:fillRef>
+          <a:effectRef idx="0">
+            <a:schemeClr val="accent1"/>
+          </a:effectRef>
+          <a:fontRef idx="minor">
+            <a:schemeClr val="tx1"/>
+          </a:fontRef>
+        </p:style>
+      </p:cxnSp>
+      <p:pic>
+        <p:nvPicPr>
+          <p:cNvPr id="5" name="图片 4"/>
+          <p:cNvPicPr>
+            <a:picLocks noChangeAspect="1"/>
+          </p:cNvPicPr>
+          <p:nvPr/>
+        </p:nvPicPr>
+        <p:blipFill>
+          <a:blip r:embed="rId2" cstate="print">
+            <a:extLst>
+              <a:ext uri="{28A0092B-C50C-407E-A947-70E740481C1C}">
+                <a14:useLocalDpi xmlns:a14="http://schemas.microsoft.com/office/drawing/2010/main" val="0"/>
+              </a:ext>
+            </a:extLst>
+          </a:blip>
+          <a:stretch>
+            <a:fillRect/>
+          </a:stretch>
+        </p:blipFill>
+        <p:spPr>
+          <a:xfrm>
+            <a:off x="1923663" y="307731"/>
+            <a:ext cx="2248670" cy="3997637"/>
+          </a:xfrm>
+          <a:prstGeom prst="rect">
+            <a:avLst/>
+          </a:prstGeom>
+        </p:spPr>
+      </p:pic>
+      <p:sp>
+        <p:nvSpPr>
+          <p:cNvPr id="2" name="标题 1"/>
+          <p:cNvSpPr>
+            <a:spLocks noGrp="1"/>
+          </p:cNvSpPr>
+          <p:nvPr>
+            <p:ph type="title"/>
+          </p:nvPr>
+        </p:nvSpPr>
+        <p:spPr>
+          <a:xfrm>
+            <a:off x="527538" y="4756638"/>
+            <a:ext cx="11139854" cy="930447"/>
+          </a:xfrm>
+        </p:spPr>
+        <p:txBody>
+          <a:bodyPr vert="horz" lIns="91440" tIns="45720" rIns="91440" bIns="45720" rtlCol="0" anchor="b">
+            <a:normAutofit/>
+          </a:bodyPr>
+          <a:lstStyle/>
+          <a:p>
+            <a:pPr algn="ctr">
+              <a:lnSpc>
+                <a:spcPct val="70000"/>
+              </a:lnSpc>
+            </a:pPr>
+            <a:r>
+              <a:rPr lang="en-US" altLang="zh-CN" sz="2600" dirty="0">
+                <a:solidFill>
+                  <a:schemeClr val="bg1"/>
+                </a:solidFill>
+              </a:rPr>
+              <a:t>Click the camera button and select the 2</a:t>
+            </a:r>
+            <a:r>
+              <a:rPr lang="en-US" altLang="zh-CN" sz="2600" baseline="30000" dirty="0">
+                <a:solidFill>
+                  <a:schemeClr val="bg1"/>
+                </a:solidFill>
+              </a:rPr>
+              <a:t>nd</a:t>
+            </a:r>
+            <a:r>
+              <a:rPr lang="en-US" altLang="zh-CN" sz="2600" dirty="0">
+                <a:solidFill>
+                  <a:schemeClr val="bg1"/>
+                </a:solidFill>
+              </a:rPr>
+              <a:t> party insurance card. </a:t>
+            </a:r>
+            <a:br>
+              <a:rPr lang="en-US" altLang="zh-CN" sz="2600" dirty="0">
+                <a:solidFill>
+                  <a:schemeClr val="bg1"/>
+                </a:solidFill>
+              </a:rPr>
+            </a:br>
+            <a:br>
+              <a:rPr lang="en-US" altLang="zh-CN" sz="2600" dirty="0">
+                <a:solidFill>
+                  <a:schemeClr val="bg1"/>
+                </a:solidFill>
+              </a:rPr>
+            </a:br>
+            <a:r>
+              <a:rPr lang="en-US" altLang="zh-CN" sz="2600" dirty="0">
+                <a:solidFill>
+                  <a:schemeClr val="bg1"/>
+                </a:solidFill>
+              </a:rPr>
+              <a:t>Click the next icon.</a:t>
+            </a:r>
+          </a:p>
+        </p:txBody>
+      </p:sp>
+      <p:pic>
+        <p:nvPicPr>
+          <p:cNvPr id="3" name="Picture 2"/>
+          <p:cNvPicPr>
+            <a:picLocks noChangeAspect="1"/>
+          </p:cNvPicPr>
+          <p:nvPr/>
+        </p:nvPicPr>
+        <p:blipFill>
+          <a:blip r:embed="rId3" cstate="print">
+            <a:extLst>
+              <a:ext uri="{28A0092B-C50C-407E-A947-70E740481C1C}">
+                <a14:useLocalDpi xmlns:a14="http://schemas.microsoft.com/office/drawing/2010/main" val="0"/>
+              </a:ext>
+            </a:extLst>
+          </a:blip>
+          <a:stretch>
+            <a:fillRect/>
+          </a:stretch>
+        </p:blipFill>
+        <p:spPr>
+          <a:xfrm>
+            <a:off x="8018776" y="301010"/>
+            <a:ext cx="2250449" cy="4004358"/>
+          </a:xfrm>
+          <a:prstGeom prst="rect">
+            <a:avLst/>
+          </a:prstGeom>
+        </p:spPr>
+      </p:pic>
+    </p:spTree>
+    <p:extLst>
+      <p:ext uri="{BB962C8B-B14F-4D97-AF65-F5344CB8AC3E}">
+        <p14:creationId xmlns:p14="http://schemas.microsoft.com/office/powerpoint/2010/main" val="1338658586"/>
+      </p:ext>
+    </p:extLst>
+  </p:cSld>
+  <p:clrMapOvr>
+    <a:masterClrMapping/>
+  </p:clrMapOvr>
+</p:sld>
+</file>
+
+<file path=ppt/slides/slide11.xml><?xml version="1.0" encoding="utf-8"?>
+<p:sld xmlns:a="http://schemas.openxmlformats.org/drawingml/2006/main" xmlns:r="http://schemas.openxmlformats.org/officeDocument/2006/relationships" xmlns:p="http://schemas.openxmlformats.org/presentationml/2006/main">
+  <p:cSld>
+    <p:spTree>
+      <p:nvGrpSpPr>
+        <p:cNvPr id="1" name=""/>
+        <p:cNvGrpSpPr/>
+        <p:nvPr/>
+      </p:nvGrpSpPr>
+      <p:grpSpPr>
+        <a:xfrm>
+          <a:off x="0" y="0"/>
+          <a:ext cx="0" cy="0"/>
+          <a:chOff x="0" y="0"/>
+          <a:chExt cx="0" cy="0"/>
+        </a:xfrm>
+      </p:grpSpPr>
+      <p:sp>
+        <p:nvSpPr>
           <p:cNvPr id="6" name="Rectangle 5"/>
           <p:cNvSpPr>
             <a:spLocks noGrp="1" noRot="1" noChangeAspect="1" noMove="1" noResize="1" noEditPoints="1" noAdjustHandles="1" noChangeArrowheads="1" noChangeShapeType="1" noTextEdit="1"/>
@@ -3792,7 +4144,7 @@
 </p:sld>
 </file>
 
-<file path=ppt/slides/slide11.xml><?xml version="1.0" encoding="utf-8"?>
+<file path=ppt/slides/slide12.xml><?xml version="1.0" encoding="utf-8"?>
 <p:sld xmlns:a="http://schemas.openxmlformats.org/drawingml/2006/main" xmlns:r="http://schemas.openxmlformats.org/officeDocument/2006/relationships" xmlns:p="http://schemas.openxmlformats.org/presentationml/2006/main">
   <p:cSld>
     <p:spTree>
@@ -4094,21 +4446,8 @@
                   <a:schemeClr val="bg1"/>
                 </a:solidFill>
               </a:rPr>
-              <a:t>Click the next </a:t>
-            </a:r>
-            <a:r>
-              <a:rPr lang="en-US" altLang="zh-CN" sz="2600">
-                <a:solidFill>
-                  <a:schemeClr val="bg1"/>
-                </a:solidFill>
-              </a:rPr>
-              <a:t>icon.</a:t>
-            </a:r>
-            <a:endParaRPr lang="en-US" altLang="zh-CN" sz="2600">
-              <a:solidFill>
-                <a:schemeClr val="bg1"/>
-              </a:solidFill>
-            </a:endParaRPr>
+              <a:t>Click the next icon.</a:t>
+            </a:r>
           </a:p>
         </p:txBody>
       </p:sp>
@@ -4146,347 +4485,6 @@
     <p:extLst>
       <p:ext uri="{BB962C8B-B14F-4D97-AF65-F5344CB8AC3E}">
         <p14:creationId xmlns:p14="http://schemas.microsoft.com/office/powerpoint/2010/main" val="1647352443"/>
-      </p:ext>
-    </p:extLst>
-  </p:cSld>
-  <p:clrMapOvr>
-    <a:masterClrMapping/>
-  </p:clrMapOvr>
-</p:sld>
-</file>
-
-<file path=ppt/slides/slide12.xml><?xml version="1.0" encoding="utf-8"?>
-<p:sld xmlns:a="http://schemas.openxmlformats.org/drawingml/2006/main" xmlns:r="http://schemas.openxmlformats.org/officeDocument/2006/relationships" xmlns:p="http://schemas.openxmlformats.org/presentationml/2006/main">
-  <p:cSld>
-    <p:spTree>
-      <p:nvGrpSpPr>
-        <p:cNvPr id="1" name=""/>
-        <p:cNvGrpSpPr/>
-        <p:nvPr/>
-      </p:nvGrpSpPr>
-      <p:grpSpPr>
-        <a:xfrm>
-          <a:off x="0" y="0"/>
-          <a:ext cx="0" cy="0"/>
-          <a:chOff x="0" y="0"/>
-          <a:chExt cx="0" cy="0"/>
-        </a:xfrm>
-      </p:grpSpPr>
-      <p:sp>
-        <p:nvSpPr>
-          <p:cNvPr id="6" name="Rectangle 5"/>
-          <p:cNvSpPr>
-            <a:spLocks noGrp="1" noRot="1" noChangeAspect="1" noMove="1" noResize="1" noEditPoints="1" noAdjustHandles="1" noChangeArrowheads="1" noChangeShapeType="1" noTextEdit="1"/>
-          </p:cNvSpPr>
-          <p:nvPr>
-            <p:extLst>
-              <p:ext uri="{386F3935-93C4-4BCD-93E2-E3B085C9AB24}">
-                <p16:designElem xmlns:p16="http://schemas.microsoft.com/office/powerpoint/2015/main" val="1"/>
-              </p:ext>
-            </p:extLst>
-          </p:nvPr>
-        </p:nvSpPr>
-        <p:spPr bwMode="white">
-          <a:xfrm>
-            <a:off x="0" y="0"/>
-            <a:ext cx="12192000" cy="6858000"/>
-          </a:xfrm>
-          <a:prstGeom prst="rect">
-            <a:avLst/>
-          </a:prstGeom>
-          <a:solidFill>
-            <a:schemeClr val="bg1"/>
-          </a:solidFill>
-          <a:ln>
-            <a:noFill/>
-          </a:ln>
-          <a:effectLst/>
-        </p:spPr>
-      </p:sp>
-      <p:sp>
-        <p:nvSpPr>
-          <p:cNvPr id="7" name="Rectangle 6"/>
-          <p:cNvSpPr>
-            <a:spLocks noGrp="1" noRot="1" noChangeAspect="1" noMove="1" noResize="1" noEditPoints="1" noAdjustHandles="1" noChangeArrowheads="1" noChangeShapeType="1" noTextEdit="1"/>
-          </p:cNvSpPr>
-          <p:nvPr>
-            <p:extLst>
-              <p:ext uri="{386F3935-93C4-4BCD-93E2-E3B085C9AB24}">
-                <p16:designElem xmlns:p16="http://schemas.microsoft.com/office/powerpoint/2015/main" val="1"/>
-              </p:ext>
-            </p:extLst>
-          </p:nvPr>
-        </p:nvSpPr>
-        <p:spPr bwMode="ltGray">
-          <a:xfrm>
-            <a:off x="378068" y="4633546"/>
-            <a:ext cx="11438793" cy="1844256"/>
-          </a:xfrm>
-          <a:prstGeom prst="rect">
-            <a:avLst/>
-          </a:prstGeom>
-          <a:solidFill>
-            <a:schemeClr val="tx1">
-              <a:lumMod val="75000"/>
-              <a:lumOff val="25000"/>
-            </a:schemeClr>
-          </a:solidFill>
-          <a:ln w="127000" cap="sq" cmpd="thinThick">
-            <a:solidFill>
-              <a:schemeClr val="tx1">
-                <a:lumMod val="75000"/>
-                <a:lumOff val="25000"/>
-              </a:schemeClr>
-            </a:solidFill>
-          </a:ln>
-        </p:spPr>
-        <p:style>
-          <a:lnRef idx="2">
-            <a:schemeClr val="accent1">
-              <a:shade val="50000"/>
-            </a:schemeClr>
-          </a:lnRef>
-          <a:fillRef idx="1">
-            <a:schemeClr val="accent1"/>
-          </a:fillRef>
-          <a:effectRef idx="0">
-            <a:schemeClr val="accent1"/>
-          </a:effectRef>
-          <a:fontRef idx="minor">
-            <a:schemeClr val="lt1"/>
-          </a:fontRef>
-        </p:style>
-        <p:txBody>
-          <a:bodyPr rtlCol="0" anchor="ctr"/>
-          <a:lstStyle/>
-          <a:p>
-            <a:pPr algn="ctr"/>
-            <a:endParaRPr lang="en-US"/>
-          </a:p>
-        </p:txBody>
-      </p:sp>
-      <p:cxnSp>
-        <p:nvCxnSpPr>
-          <p:cNvPr id="8" name="Straight Connector 7"/>
-          <p:cNvCxnSpPr>
-            <a:cxnSpLocks noGrp="1" noRot="1" noChangeAspect="1" noMove="1" noResize="1" noEditPoints="1" noAdjustHandles="1" noChangeArrowheads="1" noChangeShapeType="1"/>
-          </p:cNvCxnSpPr>
-          <p:nvPr>
-            <p:extLst>
-              <p:ext uri="{386F3935-93C4-4BCD-93E2-E3B085C9AB24}">
-                <p16:designElem xmlns:p16="http://schemas.microsoft.com/office/powerpoint/2015/main" val="1"/>
-              </p:ext>
-            </p:extLst>
-          </p:nvPr>
-        </p:nvCxnSpPr>
-        <p:spPr>
-          <a:xfrm>
-            <a:off x="2209800" y="5738691"/>
-            <a:ext cx="7772400" cy="0"/>
-          </a:xfrm>
-          <a:prstGeom prst="line">
-            <a:avLst/>
-          </a:prstGeom>
-          <a:ln w="22225">
-            <a:solidFill>
-              <a:schemeClr val="bg1">
-                <a:lumMod val="85000"/>
-              </a:schemeClr>
-            </a:solidFill>
-          </a:ln>
-        </p:spPr>
-        <p:style>
-          <a:lnRef idx="1">
-            <a:schemeClr val="accent1"/>
-          </a:lnRef>
-          <a:fillRef idx="0">
-            <a:schemeClr val="accent1"/>
-          </a:fillRef>
-          <a:effectRef idx="0">
-            <a:schemeClr val="accent1"/>
-          </a:effectRef>
-          <a:fontRef idx="minor">
-            <a:schemeClr val="tx1"/>
-          </a:fontRef>
-        </p:style>
-      </p:cxnSp>
-      <p:cxnSp>
-        <p:nvCxnSpPr>
-          <p:cNvPr id="9" name="Straight Connector 8"/>
-          <p:cNvCxnSpPr>
-            <a:cxnSpLocks noGrp="1" noRot="1" noChangeAspect="1" noMove="1" noResize="1" noEditPoints="1" noAdjustHandles="1" noChangeArrowheads="1" noChangeShapeType="1"/>
-          </p:cNvCxnSpPr>
-          <p:nvPr>
-            <p:extLst>
-              <p:ext uri="{386F3935-93C4-4BCD-93E2-E3B085C9AB24}">
-                <p16:designElem xmlns:p16="http://schemas.microsoft.com/office/powerpoint/2015/main" val="1"/>
-              </p:ext>
-            </p:extLst>
-          </p:nvPr>
-        </p:nvCxnSpPr>
-        <p:spPr>
-          <a:xfrm>
-            <a:off x="6096000" y="477749"/>
-            <a:ext cx="0" cy="3657600"/>
-          </a:xfrm>
-          <a:prstGeom prst="line">
-            <a:avLst/>
-          </a:prstGeom>
-          <a:ln w="101600" cmpd="dbl">
-            <a:solidFill>
-              <a:schemeClr val="tx1">
-                <a:lumMod val="65000"/>
-                <a:lumOff val="35000"/>
-              </a:schemeClr>
-            </a:solidFill>
-          </a:ln>
-        </p:spPr>
-        <p:style>
-          <a:lnRef idx="1">
-            <a:schemeClr val="accent1"/>
-          </a:lnRef>
-          <a:fillRef idx="0">
-            <a:schemeClr val="accent1"/>
-          </a:fillRef>
-          <a:effectRef idx="0">
-            <a:schemeClr val="accent1"/>
-          </a:effectRef>
-          <a:fontRef idx="minor">
-            <a:schemeClr val="tx1"/>
-          </a:fontRef>
-        </p:style>
-      </p:cxnSp>
-      <p:sp>
-        <p:nvSpPr>
-          <p:cNvPr id="2" name="标题 1"/>
-          <p:cNvSpPr>
-            <a:spLocks noGrp="1"/>
-          </p:cNvSpPr>
-          <p:nvPr>
-            <p:ph type="title"/>
-          </p:nvPr>
-        </p:nvSpPr>
-        <p:spPr>
-          <a:xfrm>
-            <a:off x="527538" y="4756638"/>
-            <a:ext cx="11139854" cy="930447"/>
-          </a:xfrm>
-        </p:spPr>
-        <p:txBody>
-          <a:bodyPr vert="horz" lIns="91440" tIns="45720" rIns="91440" bIns="45720" rtlCol="0" anchor="b">
-            <a:noAutofit/>
-          </a:bodyPr>
-          <a:lstStyle/>
-          <a:p>
-            <a:pPr algn="ctr">
-              <a:lnSpc>
-                <a:spcPct val="70000"/>
-              </a:lnSpc>
-            </a:pPr>
-            <a:r>
-              <a:rPr lang="en-US" altLang="zh-CN" sz="2800" dirty="0">
-                <a:solidFill>
-                  <a:schemeClr val="bg1"/>
-                </a:solidFill>
-              </a:rPr>
-              <a:t>Click the plus button, click the camera button and select a claim image. </a:t>
-            </a:r>
-            <a:br>
-              <a:rPr lang="en-US" altLang="zh-CN" sz="2800" dirty="0">
-                <a:solidFill>
-                  <a:schemeClr val="bg1"/>
-                </a:solidFill>
-              </a:rPr>
-            </a:br>
-            <a:r>
-              <a:rPr lang="en-US" altLang="zh-CN" sz="2800" dirty="0">
-                <a:solidFill>
-                  <a:schemeClr val="bg1"/>
-                </a:solidFill>
-              </a:rPr>
-              <a:t>Repeat this to add multiple claim images.</a:t>
-            </a:r>
-            <a:br>
-              <a:rPr lang="en-US" altLang="zh-CN" sz="2800" dirty="0">
-                <a:solidFill>
-                  <a:schemeClr val="bg1"/>
-                </a:solidFill>
-              </a:rPr>
-            </a:br>
-            <a:r>
-              <a:rPr lang="en-US" altLang="zh-CN" sz="2800" dirty="0">
-                <a:solidFill>
-                  <a:schemeClr val="bg1"/>
-                </a:solidFill>
-              </a:rPr>
-              <a:t>Click the next icon.</a:t>
-            </a:r>
-          </a:p>
-        </p:txBody>
-      </p:sp>
-      <p:pic>
-        <p:nvPicPr>
-          <p:cNvPr id="11" name="Picture 10"/>
-          <p:cNvPicPr>
-            <a:picLocks noChangeAspect="1"/>
-          </p:cNvPicPr>
-          <p:nvPr/>
-        </p:nvPicPr>
-        <p:blipFill>
-          <a:blip r:embed="rId2" cstate="print">
-            <a:extLst>
-              <a:ext uri="{28A0092B-C50C-407E-A947-70E740481C1C}">
-                <a14:useLocalDpi xmlns:a14="http://schemas.microsoft.com/office/drawing/2010/main" val="0"/>
-              </a:ext>
-            </a:extLst>
-          </a:blip>
-          <a:stretch>
-            <a:fillRect/>
-          </a:stretch>
-        </p:blipFill>
-        <p:spPr>
-          <a:xfrm>
-            <a:off x="8017840" y="314708"/>
-            <a:ext cx="2250493" cy="4000877"/>
-          </a:xfrm>
-          <a:prstGeom prst="rect">
-            <a:avLst/>
-          </a:prstGeom>
-        </p:spPr>
-      </p:pic>
-      <p:pic>
-        <p:nvPicPr>
-          <p:cNvPr id="12" name="图片 2"/>
-          <p:cNvPicPr>
-            <a:picLocks noChangeAspect="1"/>
-          </p:cNvPicPr>
-          <p:nvPr/>
-        </p:nvPicPr>
-        <p:blipFill rotWithShape="1">
-          <a:blip r:embed="rId3" cstate="print">
-            <a:extLst>
-              <a:ext uri="{28A0092B-C50C-407E-A947-70E740481C1C}">
-                <a14:useLocalDpi xmlns:a14="http://schemas.microsoft.com/office/drawing/2010/main" val="0"/>
-              </a:ext>
-            </a:extLst>
-          </a:blip>
-          <a:srcRect/>
-          <a:stretch/>
-        </p:blipFill>
-        <p:spPr>
-          <a:xfrm>
-            <a:off x="1921840" y="314708"/>
-            <a:ext cx="2252321" cy="4004130"/>
-          </a:xfrm>
-          <a:prstGeom prst="rect">
-            <a:avLst/>
-          </a:prstGeom>
-        </p:spPr>
-      </p:pic>
-    </p:spTree>
-    <p:extLst>
-      <p:ext uri="{BB962C8B-B14F-4D97-AF65-F5344CB8AC3E}">
-        <p14:creationId xmlns:p14="http://schemas.microsoft.com/office/powerpoint/2010/main" val="833168774"/>
       </p:ext>
     </p:extLst>
   </p:cSld>
@@ -4697,9 +4695,77 @@
           </a:fontRef>
         </p:style>
       </p:cxnSp>
+      <p:sp>
+        <p:nvSpPr>
+          <p:cNvPr id="2" name="标题 1"/>
+          <p:cNvSpPr>
+            <a:spLocks noGrp="1"/>
+          </p:cNvSpPr>
+          <p:nvPr>
+            <p:ph type="title"/>
+          </p:nvPr>
+        </p:nvSpPr>
+        <p:spPr>
+          <a:xfrm>
+            <a:off x="527538" y="4756638"/>
+            <a:ext cx="11139854" cy="930447"/>
+          </a:xfrm>
+        </p:spPr>
+        <p:txBody>
+          <a:bodyPr vert="horz" lIns="91440" tIns="45720" rIns="91440" bIns="45720" rtlCol="0" anchor="b">
+            <a:noAutofit/>
+          </a:bodyPr>
+          <a:lstStyle/>
+          <a:p>
+            <a:pPr algn="ctr">
+              <a:lnSpc>
+                <a:spcPct val="70000"/>
+              </a:lnSpc>
+            </a:pPr>
+            <a:r>
+              <a:rPr lang="en-US" altLang="zh-CN" sz="2800" dirty="0">
+                <a:solidFill>
+                  <a:schemeClr val="bg1"/>
+                </a:solidFill>
+              </a:rPr>
+              <a:t>Click the plus button, click the camera button and select a claim image. </a:t>
+            </a:r>
+            <a:br>
+              <a:rPr lang="en-US" altLang="zh-CN" sz="2800" dirty="0">
+                <a:solidFill>
+                  <a:schemeClr val="bg1"/>
+                </a:solidFill>
+              </a:rPr>
+            </a:br>
+            <a:r>
+              <a:rPr lang="en-US" altLang="zh-CN" sz="2800" dirty="0">
+                <a:solidFill>
+                  <a:schemeClr val="bg1"/>
+                </a:solidFill>
+              </a:rPr>
+              <a:t>Repeat this to add multiple claim images.</a:t>
+            </a:r>
+            <a:br>
+              <a:rPr lang="en-US" altLang="zh-CN" sz="2800" dirty="0">
+                <a:solidFill>
+                  <a:schemeClr val="bg1"/>
+                </a:solidFill>
+              </a:rPr>
+            </a:br>
+            <a:r>
+              <a:rPr lang="en-US" altLang="zh-CN" sz="2800" dirty="0">
+                <a:solidFill>
+                  <a:schemeClr val="bg1"/>
+                </a:solidFill>
+              </a:rPr>
+              <a:t>Click the next icon.</a:t>
+            </a:r>
+          </a:p>
+        </p:txBody>
+      </p:sp>
       <p:pic>
         <p:nvPicPr>
-          <p:cNvPr id="3" name="图片 2"/>
+          <p:cNvPr id="11" name="Picture 10"/>
           <p:cNvPicPr>
             <a:picLocks noChangeAspect="1"/>
           </p:cNvPicPr>
@@ -4719,72 +4785,23 @@
         </p:blipFill>
         <p:spPr>
           <a:xfrm>
-            <a:off x="1923663" y="307731"/>
-            <a:ext cx="2248670" cy="3997637"/>
+            <a:off x="8017840" y="314708"/>
+            <a:ext cx="2250493" cy="4000877"/>
           </a:xfrm>
           <a:prstGeom prst="rect">
             <a:avLst/>
           </a:prstGeom>
         </p:spPr>
       </p:pic>
-      <p:sp>
-        <p:nvSpPr>
-          <p:cNvPr id="2" name="标题 1"/>
-          <p:cNvSpPr>
-            <a:spLocks noGrp="1"/>
-          </p:cNvSpPr>
-          <p:nvPr>
-            <p:ph type="title"/>
-          </p:nvPr>
-        </p:nvSpPr>
-        <p:spPr>
-          <a:xfrm>
-            <a:off x="527538" y="4756638"/>
-            <a:ext cx="11139854" cy="930447"/>
-          </a:xfrm>
-        </p:spPr>
-        <p:txBody>
-          <a:bodyPr vert="horz" lIns="91440" tIns="45720" rIns="91440" bIns="45720" rtlCol="0" anchor="b">
-            <a:noAutofit/>
-          </a:bodyPr>
-          <a:lstStyle/>
-          <a:p>
-            <a:pPr algn="ctr"/>
-            <a:r>
-              <a:rPr lang="en-US" altLang="zh-CN" sz="3600" dirty="0">
-                <a:solidFill>
-                  <a:schemeClr val="bg1"/>
-                </a:solidFill>
-              </a:rPr>
-              <a:t>Add a Claim Description. </a:t>
-            </a:r>
-            <a:br>
-              <a:rPr lang="en-US" altLang="zh-CN" sz="3600" dirty="0">
-                <a:solidFill>
-                  <a:schemeClr val="bg1"/>
-                </a:solidFill>
-              </a:rPr>
-            </a:br>
-            <a:r>
-              <a:rPr lang="en-US" altLang="zh-CN" sz="3600" dirty="0">
-                <a:solidFill>
-                  <a:schemeClr val="bg1"/>
-                </a:solidFill>
-              </a:rPr>
-              <a:t>Click Done.</a:t>
-            </a:r>
-          </a:p>
-        </p:txBody>
-      </p:sp>
       <p:pic>
         <p:nvPicPr>
-          <p:cNvPr id="5" name="Picture 4"/>
+          <p:cNvPr id="12" name="图片 2"/>
           <p:cNvPicPr>
             <a:picLocks noChangeAspect="1"/>
           </p:cNvPicPr>
           <p:nvPr/>
         </p:nvPicPr>
-        <p:blipFill>
+        <p:blipFill rotWithShape="1">
           <a:blip r:embed="rId3" cstate="print">
             <a:extLst>
               <a:ext uri="{28A0092B-C50C-407E-A947-70E740481C1C}">
@@ -4792,14 +4809,13 @@
               </a:ext>
             </a:extLst>
           </a:blip>
-          <a:stretch>
-            <a:fillRect/>
-          </a:stretch>
+          <a:srcRect/>
+          <a:stretch/>
         </p:blipFill>
         <p:spPr>
           <a:xfrm>
-            <a:off x="8019668" y="307731"/>
-            <a:ext cx="2244429" cy="3993646"/>
+            <a:off x="1921840" y="314708"/>
+            <a:ext cx="2252321" cy="4004130"/>
           </a:xfrm>
           <a:prstGeom prst="rect">
             <a:avLst/>
@@ -4809,7 +4825,7 @@
     </p:spTree>
     <p:extLst>
       <p:ext uri="{BB962C8B-B14F-4D97-AF65-F5344CB8AC3E}">
-        <p14:creationId xmlns:p14="http://schemas.microsoft.com/office/powerpoint/2010/main" val="3460153180"/>
+        <p14:creationId xmlns:p14="http://schemas.microsoft.com/office/powerpoint/2010/main" val="833168774"/>
       </p:ext>
     </p:extLst>
   </p:cSld>
@@ -4838,7 +4854,7 @@
       </p:grpSpPr>
       <p:sp>
         <p:nvSpPr>
-          <p:cNvPr id="11" name="Rectangle 10"/>
+          <p:cNvPr id="6" name="Rectangle 5"/>
           <p:cNvSpPr>
             <a:spLocks noGrp="1" noRot="1" noChangeAspect="1" noMove="1" noResize="1" noEditPoints="1" noAdjustHandles="1" noChangeArrowheads="1" noChangeShapeType="1" noTextEdit="1"/>
           </p:cNvSpPr>
@@ -4867,39 +4883,9 @@
           <a:effectLst/>
         </p:spPr>
       </p:sp>
-      <p:pic>
-        <p:nvPicPr>
-          <p:cNvPr id="3" name="Picture 2"/>
-          <p:cNvPicPr>
-            <a:picLocks noChangeAspect="1"/>
-          </p:cNvPicPr>
-          <p:nvPr/>
-        </p:nvPicPr>
-        <p:blipFill>
-          <a:blip r:embed="rId2">
-            <a:extLst>
-              <a:ext uri="{28A0092B-C50C-407E-A947-70E740481C1C}">
-                <a14:useLocalDpi xmlns:a14="http://schemas.microsoft.com/office/drawing/2010/main" val="0"/>
-              </a:ext>
-            </a:extLst>
-          </a:blip>
-          <a:stretch>
-            <a:fillRect/>
-          </a:stretch>
-        </p:blipFill>
-        <p:spPr>
-          <a:xfrm>
-            <a:off x="6776621" y="492573"/>
-            <a:ext cx="3307947" cy="5880796"/>
-          </a:xfrm>
-          <a:prstGeom prst="rect">
-            <a:avLst/>
-          </a:prstGeom>
-        </p:spPr>
-      </p:pic>
-      <p:sp>
-        <p:nvSpPr>
-          <p:cNvPr id="12" name="Rectangle 11"/>
+      <p:sp>
+        <p:nvSpPr>
+          <p:cNvPr id="7" name="Rectangle 6"/>
           <p:cNvSpPr>
             <a:spLocks noGrp="1" noRot="1" noChangeAspect="1" noMove="1" noResize="1" noEditPoints="1" noAdjustHandles="1" noChangeArrowheads="1" noChangeShapeType="1" noTextEdit="1"/>
           </p:cNvSpPr>
@@ -4913,8 +4899,8 @@
         </p:nvSpPr>
         <p:spPr bwMode="ltGray">
           <a:xfrm>
-            <a:off x="336884" y="311449"/>
-            <a:ext cx="4332307" cy="6179552"/>
+            <a:off x="378068" y="4633546"/>
+            <a:ext cx="11438793" cy="1844256"/>
           </a:xfrm>
           <a:prstGeom prst="rect">
             <a:avLst/>
@@ -4959,6 +4945,127 @@
           </a:p>
         </p:txBody>
       </p:sp>
+      <p:cxnSp>
+        <p:nvCxnSpPr>
+          <p:cNvPr id="8" name="Straight Connector 7"/>
+          <p:cNvCxnSpPr>
+            <a:cxnSpLocks noGrp="1" noRot="1" noChangeAspect="1" noMove="1" noResize="1" noEditPoints="1" noAdjustHandles="1" noChangeArrowheads="1" noChangeShapeType="1"/>
+          </p:cNvCxnSpPr>
+          <p:nvPr>
+            <p:extLst>
+              <p:ext uri="{386F3935-93C4-4BCD-93E2-E3B085C9AB24}">
+                <p16:designElem xmlns:p16="http://schemas.microsoft.com/office/powerpoint/2015/main" val="1"/>
+              </p:ext>
+            </p:extLst>
+          </p:nvPr>
+        </p:nvCxnSpPr>
+        <p:spPr>
+          <a:xfrm>
+            <a:off x="2209800" y="5738691"/>
+            <a:ext cx="7772400" cy="0"/>
+          </a:xfrm>
+          <a:prstGeom prst="line">
+            <a:avLst/>
+          </a:prstGeom>
+          <a:ln w="22225">
+            <a:solidFill>
+              <a:schemeClr val="bg1">
+                <a:lumMod val="85000"/>
+              </a:schemeClr>
+            </a:solidFill>
+          </a:ln>
+        </p:spPr>
+        <p:style>
+          <a:lnRef idx="1">
+            <a:schemeClr val="accent1"/>
+          </a:lnRef>
+          <a:fillRef idx="0">
+            <a:schemeClr val="accent1"/>
+          </a:fillRef>
+          <a:effectRef idx="0">
+            <a:schemeClr val="accent1"/>
+          </a:effectRef>
+          <a:fontRef idx="minor">
+            <a:schemeClr val="tx1"/>
+          </a:fontRef>
+        </p:style>
+      </p:cxnSp>
+      <p:cxnSp>
+        <p:nvCxnSpPr>
+          <p:cNvPr id="9" name="Straight Connector 8"/>
+          <p:cNvCxnSpPr>
+            <a:cxnSpLocks noGrp="1" noRot="1" noChangeAspect="1" noMove="1" noResize="1" noEditPoints="1" noAdjustHandles="1" noChangeArrowheads="1" noChangeShapeType="1"/>
+          </p:cNvCxnSpPr>
+          <p:nvPr>
+            <p:extLst>
+              <p:ext uri="{386F3935-93C4-4BCD-93E2-E3B085C9AB24}">
+                <p16:designElem xmlns:p16="http://schemas.microsoft.com/office/powerpoint/2015/main" val="1"/>
+              </p:ext>
+            </p:extLst>
+          </p:nvPr>
+        </p:nvCxnSpPr>
+        <p:spPr>
+          <a:xfrm>
+            <a:off x="6096000" y="477749"/>
+            <a:ext cx="0" cy="3657600"/>
+          </a:xfrm>
+          <a:prstGeom prst="line">
+            <a:avLst/>
+          </a:prstGeom>
+          <a:ln w="101600" cmpd="dbl">
+            <a:solidFill>
+              <a:schemeClr val="tx1">
+                <a:lumMod val="65000"/>
+                <a:lumOff val="35000"/>
+              </a:schemeClr>
+            </a:solidFill>
+          </a:ln>
+        </p:spPr>
+        <p:style>
+          <a:lnRef idx="1">
+            <a:schemeClr val="accent1"/>
+          </a:lnRef>
+          <a:fillRef idx="0">
+            <a:schemeClr val="accent1"/>
+          </a:fillRef>
+          <a:effectRef idx="0">
+            <a:schemeClr val="accent1"/>
+          </a:effectRef>
+          <a:fontRef idx="minor">
+            <a:schemeClr val="tx1"/>
+          </a:fontRef>
+        </p:style>
+      </p:cxnSp>
+      <p:pic>
+        <p:nvPicPr>
+          <p:cNvPr id="3" name="图片 2"/>
+          <p:cNvPicPr>
+            <a:picLocks noChangeAspect="1"/>
+          </p:cNvPicPr>
+          <p:nvPr/>
+        </p:nvPicPr>
+        <p:blipFill>
+          <a:blip r:embed="rId2" cstate="print">
+            <a:extLst>
+              <a:ext uri="{28A0092B-C50C-407E-A947-70E740481C1C}">
+                <a14:useLocalDpi xmlns:a14="http://schemas.microsoft.com/office/drawing/2010/main" val="0"/>
+              </a:ext>
+            </a:extLst>
+          </a:blip>
+          <a:stretch>
+            <a:fillRect/>
+          </a:stretch>
+        </p:blipFill>
+        <p:spPr>
+          <a:xfrm>
+            <a:off x="1923663" y="307731"/>
+            <a:ext cx="2248670" cy="3997637"/>
+          </a:xfrm>
+          <a:prstGeom prst="rect">
+            <a:avLst/>
+          </a:prstGeom>
+        </p:spPr>
+      </p:pic>
       <p:sp>
         <p:nvSpPr>
           <p:cNvPr id="2" name="标题 1"/>
@@ -4971,32 +5078,77 @@
         </p:nvSpPr>
         <p:spPr>
           <a:xfrm>
-            <a:off x="742950" y="742951"/>
-            <a:ext cx="3476625" cy="4962524"/>
-          </a:xfrm>
-        </p:spPr>
-        <p:txBody>
-          <a:bodyPr vert="horz" lIns="91440" tIns="45720" rIns="91440" bIns="45720" rtlCol="0" anchor="ctr">
-            <a:normAutofit/>
+            <a:off x="527538" y="4756638"/>
+            <a:ext cx="11139854" cy="930447"/>
+          </a:xfrm>
+        </p:spPr>
+        <p:txBody>
+          <a:bodyPr vert="horz" lIns="91440" tIns="45720" rIns="91440" bIns="45720" rtlCol="0" anchor="b">
+            <a:noAutofit/>
           </a:bodyPr>
           <a:lstStyle/>
           <a:p>
             <a:pPr algn="ctr"/>
             <a:r>
-              <a:rPr lang="en-US" altLang="zh-CN" sz="4800">
+              <a:rPr lang="en-US" altLang="zh-CN" sz="3600" dirty="0">
                 <a:solidFill>
                   <a:schemeClr val="bg1"/>
                 </a:solidFill>
               </a:rPr>
-              <a:t>Click the next icon to submit the claim.</a:t>
-            </a:r>
-          </a:p>
-        </p:txBody>
-      </p:sp>
+              <a:t>Add a Claim Description. </a:t>
+            </a:r>
+            <a:br>
+              <a:rPr lang="en-US" altLang="zh-CN" sz="3600" dirty="0">
+                <a:solidFill>
+                  <a:schemeClr val="bg1"/>
+                </a:solidFill>
+              </a:rPr>
+            </a:br>
+            <a:r>
+              <a:rPr lang="en-US" altLang="zh-CN" sz="3600" dirty="0">
+                <a:solidFill>
+                  <a:schemeClr val="bg1"/>
+                </a:solidFill>
+              </a:rPr>
+              <a:t>Click Done.</a:t>
+            </a:r>
+          </a:p>
+        </p:txBody>
+      </p:sp>
+      <p:pic>
+        <p:nvPicPr>
+          <p:cNvPr id="5" name="Picture 4"/>
+          <p:cNvPicPr>
+            <a:picLocks noChangeAspect="1"/>
+          </p:cNvPicPr>
+          <p:nvPr/>
+        </p:nvPicPr>
+        <p:blipFill>
+          <a:blip r:embed="rId3" cstate="print">
+            <a:extLst>
+              <a:ext uri="{28A0092B-C50C-407E-A947-70E740481C1C}">
+                <a14:useLocalDpi xmlns:a14="http://schemas.microsoft.com/office/drawing/2010/main" val="0"/>
+              </a:ext>
+            </a:extLst>
+          </a:blip>
+          <a:stretch>
+            <a:fillRect/>
+          </a:stretch>
+        </p:blipFill>
+        <p:spPr>
+          <a:xfrm>
+            <a:off x="8019668" y="307731"/>
+            <a:ext cx="2244429" cy="3993646"/>
+          </a:xfrm>
+          <a:prstGeom prst="rect">
+            <a:avLst/>
+          </a:prstGeom>
+        </p:spPr>
+      </p:pic>
     </p:spTree>
     <p:extLst>
       <p:ext uri="{BB962C8B-B14F-4D97-AF65-F5344CB8AC3E}">
-        <p14:creationId xmlns:p14="http://schemas.microsoft.com/office/powerpoint/2010/main" val="4157172236"/>
+        <p14:creationId xmlns:p14="http://schemas.microsoft.com/office/powerpoint/2010/main" val="3460153180"/>
       </p:ext>
     </p:extLst>
   </p:cSld>
@@ -5025,6 +5177,193 @@
       </p:grpSpPr>
       <p:sp>
         <p:nvSpPr>
+          <p:cNvPr id="11" name="Rectangle 10"/>
+          <p:cNvSpPr>
+            <a:spLocks noGrp="1" noRot="1" noChangeAspect="1" noMove="1" noResize="1" noEditPoints="1" noAdjustHandles="1" noChangeArrowheads="1" noChangeShapeType="1" noTextEdit="1"/>
+          </p:cNvSpPr>
+          <p:nvPr>
+            <p:extLst>
+              <p:ext uri="{386F3935-93C4-4BCD-93E2-E3B085C9AB24}">
+                <p16:designElem xmlns:p16="http://schemas.microsoft.com/office/powerpoint/2015/main" val="1"/>
+              </p:ext>
+            </p:extLst>
+          </p:nvPr>
+        </p:nvSpPr>
+        <p:spPr bwMode="white">
+          <a:xfrm>
+            <a:off x="0" y="0"/>
+            <a:ext cx="12192000" cy="6858000"/>
+          </a:xfrm>
+          <a:prstGeom prst="rect">
+            <a:avLst/>
+          </a:prstGeom>
+          <a:solidFill>
+            <a:schemeClr val="bg1"/>
+          </a:solidFill>
+          <a:ln>
+            <a:noFill/>
+          </a:ln>
+          <a:effectLst/>
+        </p:spPr>
+      </p:sp>
+      <p:pic>
+        <p:nvPicPr>
+          <p:cNvPr id="3" name="Picture 2"/>
+          <p:cNvPicPr>
+            <a:picLocks noChangeAspect="1"/>
+          </p:cNvPicPr>
+          <p:nvPr/>
+        </p:nvPicPr>
+        <p:blipFill>
+          <a:blip r:embed="rId2">
+            <a:extLst>
+              <a:ext uri="{28A0092B-C50C-407E-A947-70E740481C1C}">
+                <a14:useLocalDpi xmlns:a14="http://schemas.microsoft.com/office/drawing/2010/main" val="0"/>
+              </a:ext>
+            </a:extLst>
+          </a:blip>
+          <a:stretch>
+            <a:fillRect/>
+          </a:stretch>
+        </p:blipFill>
+        <p:spPr>
+          <a:xfrm>
+            <a:off x="6776621" y="492573"/>
+            <a:ext cx="3307947" cy="5880796"/>
+          </a:xfrm>
+          <a:prstGeom prst="rect">
+            <a:avLst/>
+          </a:prstGeom>
+        </p:spPr>
+      </p:pic>
+      <p:sp>
+        <p:nvSpPr>
+          <p:cNvPr id="12" name="Rectangle 11"/>
+          <p:cNvSpPr>
+            <a:spLocks noGrp="1" noRot="1" noChangeAspect="1" noMove="1" noResize="1" noEditPoints="1" noAdjustHandles="1" noChangeArrowheads="1" noChangeShapeType="1" noTextEdit="1"/>
+          </p:cNvSpPr>
+          <p:nvPr>
+            <p:extLst>
+              <p:ext uri="{386F3935-93C4-4BCD-93E2-E3B085C9AB24}">
+                <p16:designElem xmlns:p16="http://schemas.microsoft.com/office/powerpoint/2015/main" val="1"/>
+              </p:ext>
+            </p:extLst>
+          </p:nvPr>
+        </p:nvSpPr>
+        <p:spPr bwMode="ltGray">
+          <a:xfrm>
+            <a:off x="336884" y="311449"/>
+            <a:ext cx="4332307" cy="6179552"/>
+          </a:xfrm>
+          <a:prstGeom prst="rect">
+            <a:avLst/>
+          </a:prstGeom>
+          <a:solidFill>
+            <a:schemeClr val="tx1">
+              <a:lumMod val="75000"/>
+              <a:lumOff val="25000"/>
+            </a:schemeClr>
+          </a:solidFill>
+          <a:ln w="127000" cap="sq" cmpd="thinThick">
+            <a:solidFill>
+              <a:schemeClr val="tx1">
+                <a:lumMod val="75000"/>
+                <a:lumOff val="25000"/>
+              </a:schemeClr>
+            </a:solidFill>
+          </a:ln>
+        </p:spPr>
+        <p:style>
+          <a:lnRef idx="2">
+            <a:schemeClr val="accent1">
+              <a:shade val="50000"/>
+            </a:schemeClr>
+          </a:lnRef>
+          <a:fillRef idx="1">
+            <a:schemeClr val="accent1"/>
+          </a:fillRef>
+          <a:effectRef idx="0">
+            <a:schemeClr val="accent1"/>
+          </a:effectRef>
+          <a:fontRef idx="minor">
+            <a:schemeClr val="lt1"/>
+          </a:fontRef>
+        </p:style>
+        <p:txBody>
+          <a:bodyPr rtlCol="0" anchor="ctr"/>
+          <a:lstStyle/>
+          <a:p>
+            <a:pPr algn="ctr"/>
+            <a:endParaRPr lang="en-US"/>
+          </a:p>
+        </p:txBody>
+      </p:sp>
+      <p:sp>
+        <p:nvSpPr>
+          <p:cNvPr id="2" name="标题 1"/>
+          <p:cNvSpPr>
+            <a:spLocks noGrp="1"/>
+          </p:cNvSpPr>
+          <p:nvPr>
+            <p:ph type="title"/>
+          </p:nvPr>
+        </p:nvSpPr>
+        <p:spPr>
+          <a:xfrm>
+            <a:off x="742950" y="742951"/>
+            <a:ext cx="3476625" cy="4962524"/>
+          </a:xfrm>
+        </p:spPr>
+        <p:txBody>
+          <a:bodyPr vert="horz" lIns="91440" tIns="45720" rIns="91440" bIns="45720" rtlCol="0" anchor="ctr">
+            <a:normAutofit/>
+          </a:bodyPr>
+          <a:lstStyle/>
+          <a:p>
+            <a:pPr algn="ctr"/>
+            <a:r>
+              <a:rPr lang="en-US" altLang="zh-CN" sz="4800">
+                <a:solidFill>
+                  <a:schemeClr val="bg1"/>
+                </a:solidFill>
+              </a:rPr>
+              <a:t>Click the next icon to submit the claim.</a:t>
+            </a:r>
+          </a:p>
+        </p:txBody>
+      </p:sp>
+    </p:spTree>
+    <p:extLst>
+      <p:ext uri="{BB962C8B-B14F-4D97-AF65-F5344CB8AC3E}">
+        <p14:creationId xmlns:p14="http://schemas.microsoft.com/office/powerpoint/2010/main" val="4157172236"/>
+      </p:ext>
+    </p:extLst>
+  </p:cSld>
+  <p:clrMapOvr>
+    <a:masterClrMapping/>
+  </p:clrMapOvr>
+</p:sld>
+</file>
+
+<file path=ppt/slides/slide16.xml><?xml version="1.0" encoding="utf-8"?>
+<p:sld xmlns:a="http://schemas.openxmlformats.org/drawingml/2006/main" xmlns:r="http://schemas.openxmlformats.org/officeDocument/2006/relationships" xmlns:p="http://schemas.openxmlformats.org/presentationml/2006/main">
+  <p:cSld>
+    <p:spTree>
+      <p:nvGrpSpPr>
+        <p:cNvPr id="1" name=""/>
+        <p:cNvGrpSpPr/>
+        <p:nvPr/>
+      </p:nvGrpSpPr>
+      <p:grpSpPr>
+        <a:xfrm>
+          <a:off x="0" y="0"/>
+          <a:ext cx="0" cy="0"/>
+          <a:chOff x="0" y="0"/>
+          <a:chExt cx="0" cy="0"/>
+        </a:xfrm>
+      </p:grpSpPr>
+      <p:sp>
+        <p:nvSpPr>
           <p:cNvPr id="14" name="Rectangle 13"/>
           <p:cNvSpPr>
             <a:spLocks noGrp="1" noRot="1" noChangeAspect="1" noMove="1" noResize="1" noEditPoints="1" noAdjustHandles="1" noChangeArrowheads="1" noChangeShapeType="1" noTextEdit="1"/>
@@ -5381,478 +5720,6 @@
     <p:extLst>
       <p:ext uri="{BB962C8B-B14F-4D97-AF65-F5344CB8AC3E}">
         <p14:creationId xmlns:p14="http://schemas.microsoft.com/office/powerpoint/2010/main" val="2502920161"/>
-      </p:ext>
-    </p:extLst>
-  </p:cSld>
-  <p:clrMapOvr>
-    <a:overrideClrMapping bg1="dk1" tx1="lt1" bg2="dk2" tx2="lt2" accent1="accent1" accent2="accent2" accent3="accent3" accent4="accent4" accent5="accent5" accent6="accent6" hlink="hlink" folHlink="folHlink"/>
-  </p:clrMapOvr>
-</p:sld>
-</file>
-
-<file path=ppt/slides/slide16.xml><?xml version="1.0" encoding="utf-8"?>
-<p:sld xmlns:a="http://schemas.openxmlformats.org/drawingml/2006/main" xmlns:r="http://schemas.openxmlformats.org/officeDocument/2006/relationships" xmlns:p="http://schemas.openxmlformats.org/presentationml/2006/main">
-  <p:cSld>
-    <p:spTree>
-      <p:nvGrpSpPr>
-        <p:cNvPr id="1" name=""/>
-        <p:cNvGrpSpPr/>
-        <p:nvPr/>
-      </p:nvGrpSpPr>
-      <p:grpSpPr>
-        <a:xfrm>
-          <a:off x="0" y="0"/>
-          <a:ext cx="0" cy="0"/>
-          <a:chOff x="0" y="0"/>
-          <a:chExt cx="0" cy="0"/>
-        </a:xfrm>
-      </p:grpSpPr>
-      <p:sp>
-        <p:nvSpPr>
-          <p:cNvPr id="5" name="Rectangle 4"/>
-          <p:cNvSpPr>
-            <a:spLocks noGrp="1" noRot="1" noChangeAspect="1" noMove="1" noResize="1" noEditPoints="1" noAdjustHandles="1" noChangeArrowheads="1" noChangeShapeType="1" noTextEdit="1"/>
-          </p:cNvSpPr>
-          <p:nvPr>
-            <p:extLst>
-              <p:ext uri="{386F3935-93C4-4BCD-93E2-E3B085C9AB24}">
-                <p16:designElem xmlns:p16="http://schemas.microsoft.com/office/powerpoint/2015/main" val="1"/>
-              </p:ext>
-            </p:extLst>
-          </p:nvPr>
-        </p:nvSpPr>
-        <p:spPr>
-          <a:xfrm>
-            <a:off x="0" y="-3324"/>
-            <a:ext cx="12192000" cy="6861324"/>
-          </a:xfrm>
-          <a:prstGeom prst="rect">
-            <a:avLst/>
-          </a:prstGeom>
-          <a:solidFill>
-            <a:srgbClr val="404040"/>
-          </a:solidFill>
-          <a:ln>
-            <a:noFill/>
-          </a:ln>
-        </p:spPr>
-        <p:style>
-          <a:lnRef idx="2">
-            <a:schemeClr val="accent1">
-              <a:shade val="50000"/>
-            </a:schemeClr>
-          </a:lnRef>
-          <a:fillRef idx="1">
-            <a:schemeClr val="accent1"/>
-          </a:fillRef>
-          <a:effectRef idx="0">
-            <a:schemeClr val="accent1"/>
-          </a:effectRef>
-          <a:fontRef idx="minor">
-            <a:schemeClr val="lt1"/>
-          </a:fontRef>
-        </p:style>
-        <p:txBody>
-          <a:bodyPr rtlCol="0" anchor="ctr"/>
-          <a:lstStyle/>
-          <a:p>
-            <a:pPr algn="ctr"/>
-            <a:endParaRPr lang="en-US"/>
-          </a:p>
-        </p:txBody>
-      </p:sp>
-      <p:sp>
-        <p:nvSpPr>
-          <p:cNvPr id="6" name="Freeform 13"/>
-          <p:cNvSpPr>
-            <a:spLocks noGrp="1" noRot="1" noChangeAspect="1" noMove="1" noResize="1" noEditPoints="1" noAdjustHandles="1" noChangeArrowheads="1" noChangeShapeType="1" noTextEdit="1"/>
-          </p:cNvSpPr>
-          <p:nvPr>
-            <p:extLst>
-              <p:ext uri="{386F3935-93C4-4BCD-93E2-E3B085C9AB24}">
-                <p16:designElem xmlns:p16="http://schemas.microsoft.com/office/powerpoint/2015/main" val="1"/>
-              </p:ext>
-            </p:extLst>
-          </p:nvPr>
-        </p:nvSpPr>
-        <p:spPr>
-          <a:xfrm>
-            <a:off x="0" y="0"/>
-            <a:ext cx="11786754" cy="6858000"/>
-          </a:xfrm>
-          <a:custGeom>
-            <a:avLst/>
-            <a:gdLst>
-              <a:gd name="connsiteX0" fmla="*/ 0 w 11786754"/>
-              <a:gd name="connsiteY0" fmla="*/ 0 h 6858000"/>
-              <a:gd name="connsiteX1" fmla="*/ 8610600 w 11786754"/>
-              <a:gd name="connsiteY1" fmla="*/ 0 h 6858000"/>
-              <a:gd name="connsiteX2" fmla="*/ 11786754 w 11786754"/>
-              <a:gd name="connsiteY2" fmla="*/ 6858000 h 6858000"/>
-              <a:gd name="connsiteX3" fmla="*/ 0 w 11786754"/>
-              <a:gd name="connsiteY3" fmla="*/ 6858000 h 6858000"/>
-            </a:gdLst>
-            <a:ahLst/>
-            <a:cxnLst>
-              <a:cxn ang="0">
-                <a:pos x="connsiteX0" y="connsiteY0"/>
-              </a:cxn>
-              <a:cxn ang="0">
-                <a:pos x="connsiteX1" y="connsiteY1"/>
-              </a:cxn>
-              <a:cxn ang="0">
-                <a:pos x="connsiteX2" y="connsiteY2"/>
-              </a:cxn>
-              <a:cxn ang="0">
-                <a:pos x="connsiteX3" y="connsiteY3"/>
-              </a:cxn>
-            </a:cxnLst>
-            <a:rect l="l" t="t" r="r" b="b"/>
-            <a:pathLst>
-              <a:path w="11786754" h="6858000">
-                <a:moveTo>
-                  <a:pt x="0" y="0"/>
-                </a:moveTo>
-                <a:lnTo>
-                  <a:pt x="8610600" y="0"/>
-                </a:lnTo>
-                <a:lnTo>
-                  <a:pt x="11786754" y="6858000"/>
-                </a:lnTo>
-                <a:lnTo>
-                  <a:pt x="0" y="6858000"/>
-                </a:lnTo>
-                <a:close/>
-              </a:path>
-            </a:pathLst>
-          </a:custGeom>
-          <a:solidFill>
-            <a:schemeClr val="bg1">
-              <a:alpha val="30000"/>
-            </a:schemeClr>
-          </a:solidFill>
-          <a:ln>
-            <a:noFill/>
-          </a:ln>
-        </p:spPr>
-        <p:style>
-          <a:lnRef idx="2">
-            <a:schemeClr val="accent1">
-              <a:shade val="50000"/>
-            </a:schemeClr>
-          </a:lnRef>
-          <a:fillRef idx="1">
-            <a:schemeClr val="accent1"/>
-          </a:fillRef>
-          <a:effectRef idx="0">
-            <a:schemeClr val="accent1"/>
-          </a:effectRef>
-          <a:fontRef idx="minor">
-            <a:schemeClr val="lt1"/>
-          </a:fontRef>
-        </p:style>
-        <p:txBody>
-          <a:bodyPr rtlCol="0" anchor="ctr"/>
-          <a:lstStyle/>
-          <a:p>
-            <a:pPr algn="ctr"/>
-            <a:endParaRPr lang="en-US"/>
-          </a:p>
-        </p:txBody>
-      </p:sp>
-      <p:sp>
-        <p:nvSpPr>
-          <p:cNvPr id="7" name="Freeform 11"/>
-          <p:cNvSpPr>
-            <a:spLocks noGrp="1" noRot="1" noChangeAspect="1" noMove="1" noResize="1" noEditPoints="1" noAdjustHandles="1" noChangeArrowheads="1" noChangeShapeType="1" noTextEdit="1"/>
-          </p:cNvSpPr>
-          <p:nvPr>
-            <p:extLst>
-              <p:ext uri="{386F3935-93C4-4BCD-93E2-E3B085C9AB24}">
-                <p16:designElem xmlns:p16="http://schemas.microsoft.com/office/powerpoint/2015/main" val="1"/>
-              </p:ext>
-            </p:extLst>
-          </p:nvPr>
-        </p:nvSpPr>
-        <p:spPr>
-          <a:xfrm>
-            <a:off x="0" y="0"/>
-            <a:ext cx="3581400" cy="6858000"/>
-          </a:xfrm>
-          <a:custGeom>
-            <a:avLst/>
-            <a:gdLst>
-              <a:gd name="connsiteX0" fmla="*/ 0 w 3581400"/>
-              <a:gd name="connsiteY0" fmla="*/ 0 h 6858000"/>
-              <a:gd name="connsiteX1" fmla="*/ 405246 w 3581400"/>
-              <a:gd name="connsiteY1" fmla="*/ 0 h 6858000"/>
-              <a:gd name="connsiteX2" fmla="*/ 3581400 w 3581400"/>
-              <a:gd name="connsiteY2" fmla="*/ 6858000 h 6858000"/>
-              <a:gd name="connsiteX3" fmla="*/ 0 w 3581400"/>
-              <a:gd name="connsiteY3" fmla="*/ 6858000 h 6858000"/>
-            </a:gdLst>
-            <a:ahLst/>
-            <a:cxnLst>
-              <a:cxn ang="0">
-                <a:pos x="connsiteX0" y="connsiteY0"/>
-              </a:cxn>
-              <a:cxn ang="0">
-                <a:pos x="connsiteX1" y="connsiteY1"/>
-              </a:cxn>
-              <a:cxn ang="0">
-                <a:pos x="connsiteX2" y="connsiteY2"/>
-              </a:cxn>
-              <a:cxn ang="0">
-                <a:pos x="connsiteX3" y="connsiteY3"/>
-              </a:cxn>
-            </a:cxnLst>
-            <a:rect l="l" t="t" r="r" b="b"/>
-            <a:pathLst>
-              <a:path w="3581400" h="6858000">
-                <a:moveTo>
-                  <a:pt x="0" y="0"/>
-                </a:moveTo>
-                <a:lnTo>
-                  <a:pt x="405246" y="0"/>
-                </a:lnTo>
-                <a:lnTo>
-                  <a:pt x="3581400" y="6858000"/>
-                </a:lnTo>
-                <a:lnTo>
-                  <a:pt x="0" y="6858000"/>
-                </a:lnTo>
-                <a:close/>
-              </a:path>
-            </a:pathLst>
-          </a:custGeom>
-          <a:solidFill>
-            <a:schemeClr val="bg1">
-              <a:alpha val="30000"/>
-            </a:schemeClr>
-          </a:solidFill>
-          <a:ln>
-            <a:noFill/>
-          </a:ln>
-        </p:spPr>
-        <p:style>
-          <a:lnRef idx="2">
-            <a:schemeClr val="accent1">
-              <a:shade val="50000"/>
-            </a:schemeClr>
-          </a:lnRef>
-          <a:fillRef idx="1">
-            <a:schemeClr val="accent1"/>
-          </a:fillRef>
-          <a:effectRef idx="0">
-            <a:schemeClr val="accent1"/>
-          </a:effectRef>
-          <a:fontRef idx="minor">
-            <a:schemeClr val="lt1"/>
-          </a:fontRef>
-        </p:style>
-        <p:txBody>
-          <a:bodyPr wrap="square" rtlCol="0" anchor="ctr">
-            <a:noAutofit/>
-          </a:bodyPr>
-          <a:lstStyle/>
-          <a:p>
-            <a:pPr algn="ctr"/>
-            <a:endParaRPr lang="en-US"/>
-          </a:p>
-        </p:txBody>
-      </p:sp>
-      <p:sp>
-        <p:nvSpPr>
-          <p:cNvPr id="2" name="Title 1"/>
-          <p:cNvSpPr>
-            <a:spLocks noGrp="1"/>
-          </p:cNvSpPr>
-          <p:nvPr>
-            <p:ph type="title"/>
-          </p:nvPr>
-        </p:nvSpPr>
-        <p:spPr>
-          <a:xfrm>
-            <a:off x="833002" y="365125"/>
-            <a:ext cx="10520702" cy="1325563"/>
-          </a:xfrm>
-        </p:spPr>
-        <p:txBody>
-          <a:bodyPr>
-            <a:normAutofit/>
-          </a:bodyPr>
-          <a:lstStyle/>
-          <a:p>
-            <a:r>
-              <a:rPr lang="en-US" dirty="0"/>
-              <a:t>View Customer Email</a:t>
-            </a:r>
-          </a:p>
-        </p:txBody>
-      </p:sp>
-      <p:sp>
-        <p:nvSpPr>
-          <p:cNvPr id="3" name="Content Placeholder 2"/>
-          <p:cNvSpPr>
-            <a:spLocks noGrp="1"/>
-          </p:cNvSpPr>
-          <p:nvPr>
-            <p:ph idx="1"/>
-          </p:nvPr>
-        </p:nvSpPr>
-        <p:spPr>
-          <a:xfrm>
-            <a:off x="838201" y="2022601"/>
-            <a:ext cx="10515598" cy="4154361"/>
-          </a:xfrm>
-        </p:spPr>
-        <p:txBody>
-          <a:bodyPr>
-            <a:normAutofit/>
-          </a:bodyPr>
-          <a:lstStyle/>
-          <a:p>
-            <a:pPr marL="0" indent="0">
-              <a:lnSpc>
-                <a:spcPct val="80000"/>
-              </a:lnSpc>
-              <a:buNone/>
-            </a:pPr>
-            <a:r>
-              <a:rPr lang="en-US" sz="2000"/>
-              <a:t>In a web browser, open the email Inbox for the customer’s Microsoft Account you logged into the mobile app with. </a:t>
-            </a:r>
-          </a:p>
-          <a:p>
-            <a:pPr marL="0" indent="0">
-              <a:lnSpc>
-                <a:spcPct val="80000"/>
-              </a:lnSpc>
-              <a:buNone/>
-            </a:pPr>
-            <a:endParaRPr lang="en-US" sz="2000"/>
-          </a:p>
-          <a:p>
-            <a:pPr marL="0" indent="0">
-              <a:lnSpc>
-                <a:spcPct val="80000"/>
-              </a:lnSpc>
-              <a:buNone/>
-            </a:pPr>
-            <a:r>
-              <a:rPr lang="en-US" sz="2000"/>
-              <a:t>(Ex: </a:t>
-            </a:r>
-            <a:r>
-              <a:rPr lang="en-US" sz="2000">
-                <a:hlinkClick r:id="rId2"/>
-              </a:rPr>
-              <a:t>https://www.outlook.com</a:t>
-            </a:r>
-            <a:r>
-              <a:rPr lang="en-US" sz="2000"/>
-              <a:t> )</a:t>
-            </a:r>
-          </a:p>
-          <a:p>
-            <a:pPr marL="0" indent="0">
-              <a:lnSpc>
-                <a:spcPct val="80000"/>
-              </a:lnSpc>
-              <a:buNone/>
-            </a:pPr>
-            <a:endParaRPr lang="en-US" sz="2000"/>
-          </a:p>
-          <a:p>
-            <a:pPr marL="0" indent="0">
-              <a:lnSpc>
-                <a:spcPct val="80000"/>
-              </a:lnSpc>
-              <a:buNone/>
-            </a:pPr>
-            <a:r>
-              <a:rPr lang="en-US" sz="2000"/>
-              <a:t>View the email sent to the customer.</a:t>
-            </a:r>
-          </a:p>
-          <a:p>
-            <a:pPr marL="0" indent="0">
-              <a:lnSpc>
-                <a:spcPct val="80000"/>
-              </a:lnSpc>
-              <a:buNone/>
-            </a:pPr>
-            <a:endParaRPr lang="en-US" sz="2000"/>
-          </a:p>
-          <a:p>
-            <a:pPr>
-              <a:lnSpc>
-                <a:spcPct val="80000"/>
-              </a:lnSpc>
-            </a:pPr>
-            <a:r>
-              <a:rPr lang="en-US" sz="2000" b="1"/>
-              <a:t>If this is the first time you have submitted a claim for the customer </a:t>
-            </a:r>
-            <a:r>
-              <a:rPr lang="en-US" sz="2000"/>
-              <a:t>their claim will be </a:t>
-            </a:r>
-            <a:r>
-              <a:rPr lang="en-US" sz="2000" b="1"/>
-              <a:t>auto approved </a:t>
-            </a:r>
-            <a:r>
-              <a:rPr lang="en-US" sz="2000"/>
-              <a:t>and the email will state that.</a:t>
-            </a:r>
-          </a:p>
-          <a:p>
-            <a:pPr>
-              <a:lnSpc>
-                <a:spcPct val="80000"/>
-              </a:lnSpc>
-            </a:pPr>
-            <a:endParaRPr lang="en-US" sz="2000"/>
-          </a:p>
-          <a:p>
-            <a:pPr>
-              <a:lnSpc>
-                <a:spcPct val="80000"/>
-              </a:lnSpc>
-            </a:pPr>
-            <a:r>
-              <a:rPr lang="en-US" sz="2000" b="1"/>
-              <a:t>If this is not the first time you have submitted a claim for the customer </a:t>
-            </a:r>
-            <a:r>
-              <a:rPr lang="en-US" sz="2000"/>
-              <a:t>their claim will </a:t>
-            </a:r>
-            <a:r>
-              <a:rPr lang="en-US" sz="2000" b="1"/>
-              <a:t>not be auto approved </a:t>
-            </a:r>
-            <a:r>
-              <a:rPr lang="en-US" sz="2000"/>
-              <a:t>and the email will state that.</a:t>
-            </a:r>
-          </a:p>
-          <a:p>
-            <a:pPr marL="0" indent="0">
-              <a:lnSpc>
-                <a:spcPct val="80000"/>
-              </a:lnSpc>
-              <a:buNone/>
-            </a:pPr>
-            <a:endParaRPr lang="en-US" sz="2000"/>
-          </a:p>
-        </p:txBody>
-      </p:sp>
-    </p:spTree>
-    <p:extLst>
-      <p:ext uri="{BB962C8B-B14F-4D97-AF65-F5344CB8AC3E}">
-        <p14:creationId xmlns:p14="http://schemas.microsoft.com/office/powerpoint/2010/main" val="844553338"/>
       </p:ext>
     </p:extLst>
   </p:cSld>
@@ -6157,7 +6024,7 @@
           <a:p>
             <a:r>
               <a:rPr lang="en-US" dirty="0"/>
-              <a:t>View Claims Adjuster Email</a:t>
+              <a:t>View Customer Email</a:t>
             </a:r>
           </a:p>
         </p:txBody>
@@ -6192,7 +6059,7 @@
             </a:pPr>
             <a:r>
               <a:rPr lang="en-US" sz="2000"/>
-              <a:t>In a web browser, open the email Inbox for the claim adjuster’s Organizational Account. </a:t>
+              <a:t>In a web browser, open the email Inbox for the customer’s Microsoft Account you logged into the mobile app with. </a:t>
             </a:r>
           </a:p>
           <a:p>
@@ -6219,7 +6086,7 @@
               <a:rPr lang="en-US" sz="2000">
                 <a:hlinkClick r:id="rId2"/>
               </a:rPr>
-              <a:t>https://portal.office.com</a:t>
+              <a:t>https://www.outlook.com</a:t>
             </a:r>
             <a:r>
               <a:rPr lang="en-US" sz="2000"/>
@@ -6244,7 +6111,7 @@
             </a:pPr>
             <a:r>
               <a:rPr lang="en-US" sz="2000"/>
-              <a:t>View the email sent to the claims adjuster and click the link in the email to open the web app and view the claim detail.</a:t>
+              <a:t>View the email sent to the customer.</a:t>
             </a:r>
           </a:p>
           <a:p>
@@ -6276,15 +6143,7 @@
             </a:r>
             <a:r>
               <a:rPr lang="en-US" sz="2000"/>
-              <a:t>and the </a:t>
-            </a:r>
-            <a:r>
-              <a:rPr lang="en-US" sz="2000" b="1"/>
-              <a:t>claims adjuster will not receive an email</a:t>
-            </a:r>
-            <a:r>
-              <a:rPr lang="en-US" sz="2000"/>
-              <a:t>.</a:t>
+              <a:t>and the email will state that.</a:t>
             </a:r>
           </a:p>
           <a:p>
@@ -6315,15 +6174,7 @@
             </a:r>
             <a:r>
               <a:rPr lang="en-US" sz="2000"/>
-              <a:t>and the </a:t>
-            </a:r>
-            <a:r>
-              <a:rPr lang="en-US" sz="2000" b="1"/>
-              <a:t>claims adjuster will receive an email</a:t>
-            </a:r>
-            <a:r>
-              <a:rPr lang="en-US" sz="2000"/>
-              <a:t>.</a:t>
+              <a:t>and the email will state that.</a:t>
             </a:r>
           </a:p>
           <a:p>
@@ -6340,7 +6191,7 @@
     </p:spTree>
     <p:extLst>
       <p:ext uri="{BB962C8B-B14F-4D97-AF65-F5344CB8AC3E}">
-        <p14:creationId xmlns:p14="http://schemas.microsoft.com/office/powerpoint/2010/main" val="2242880519"/>
+        <p14:creationId xmlns:p14="http://schemas.microsoft.com/office/powerpoint/2010/main" val="844553338"/>
       </p:ext>
     </p:extLst>
   </p:cSld>
@@ -6369,7 +6220,7 @@
       </p:grpSpPr>
       <p:sp>
         <p:nvSpPr>
-          <p:cNvPr id="11" name="Rectangle 10"/>
+          <p:cNvPr id="5" name="Rectangle 4"/>
           <p:cNvSpPr>
             <a:spLocks noGrp="1" noRot="1" noChangeAspect="1" noMove="1" noResize="1" noEditPoints="1" noAdjustHandles="1" noChangeArrowheads="1" noChangeShapeType="1" noTextEdit="1"/>
           </p:cNvSpPr>
@@ -6381,82 +6232,19 @@
             </p:extLst>
           </p:nvPr>
         </p:nvSpPr>
-        <p:spPr bwMode="white">
-          <a:xfrm>
-            <a:off x="0" y="0"/>
-            <a:ext cx="12192000" cy="6858000"/>
+        <p:spPr>
+          <a:xfrm>
+            <a:off x="0" y="-3324"/>
+            <a:ext cx="12192000" cy="6861324"/>
           </a:xfrm>
           <a:prstGeom prst="rect">
             <a:avLst/>
           </a:prstGeom>
           <a:solidFill>
-            <a:schemeClr val="bg1"/>
+            <a:srgbClr val="404040"/>
           </a:solidFill>
           <a:ln>
             <a:noFill/>
-          </a:ln>
-          <a:effectLst/>
-        </p:spPr>
-      </p:sp>
-      <p:pic>
-        <p:nvPicPr>
-          <p:cNvPr id="4" name="Picture 3"/>
-          <p:cNvPicPr>
-            <a:picLocks noChangeAspect="1"/>
-          </p:cNvPicPr>
-          <p:nvPr/>
-        </p:nvPicPr>
-        <p:blipFill>
-          <a:blip r:embed="rId2"/>
-          <a:stretch>
-            <a:fillRect/>
-          </a:stretch>
-        </p:blipFill>
-        <p:spPr>
-          <a:xfrm>
-            <a:off x="5153822" y="1098271"/>
-            <a:ext cx="6553545" cy="4669399"/>
-          </a:xfrm>
-          <a:prstGeom prst="rect">
-            <a:avLst/>
-          </a:prstGeom>
-        </p:spPr>
-      </p:pic>
-      <p:sp>
-        <p:nvSpPr>
-          <p:cNvPr id="12" name="Rectangle 11"/>
-          <p:cNvSpPr>
-            <a:spLocks noGrp="1" noRot="1" noChangeAspect="1" noMove="1" noResize="1" noEditPoints="1" noAdjustHandles="1" noChangeArrowheads="1" noChangeShapeType="1" noTextEdit="1"/>
-          </p:cNvSpPr>
-          <p:nvPr>
-            <p:extLst>
-              <p:ext uri="{386F3935-93C4-4BCD-93E2-E3B085C9AB24}">
-                <p16:designElem xmlns:p16="http://schemas.microsoft.com/office/powerpoint/2015/main" val="1"/>
-              </p:ext>
-            </p:extLst>
-          </p:nvPr>
-        </p:nvSpPr>
-        <p:spPr bwMode="ltGray">
-          <a:xfrm>
-            <a:off x="336884" y="311449"/>
-            <a:ext cx="4332307" cy="6179552"/>
-          </a:xfrm>
-          <a:prstGeom prst="rect">
-            <a:avLst/>
-          </a:prstGeom>
-          <a:solidFill>
-            <a:schemeClr val="tx1">
-              <a:lumMod val="75000"/>
-              <a:lumOff val="25000"/>
-            </a:schemeClr>
-          </a:solidFill>
-          <a:ln w="127000" cap="sq" cmpd="thinThick">
-            <a:solidFill>
-              <a:schemeClr val="tx1">
-                <a:lumMod val="75000"/>
-                <a:lumOff val="25000"/>
-              </a:schemeClr>
-            </a:solidFill>
           </a:ln>
         </p:spPr>
         <p:style>
@@ -6486,7 +6274,207 @@
       </p:sp>
       <p:sp>
         <p:nvSpPr>
-          <p:cNvPr id="2" name="标题 1"/>
+          <p:cNvPr id="6" name="Freeform 13"/>
+          <p:cNvSpPr>
+            <a:spLocks noGrp="1" noRot="1" noChangeAspect="1" noMove="1" noResize="1" noEditPoints="1" noAdjustHandles="1" noChangeArrowheads="1" noChangeShapeType="1" noTextEdit="1"/>
+          </p:cNvSpPr>
+          <p:nvPr>
+            <p:extLst>
+              <p:ext uri="{386F3935-93C4-4BCD-93E2-E3B085C9AB24}">
+                <p16:designElem xmlns:p16="http://schemas.microsoft.com/office/powerpoint/2015/main" val="1"/>
+              </p:ext>
+            </p:extLst>
+          </p:nvPr>
+        </p:nvSpPr>
+        <p:spPr>
+          <a:xfrm>
+            <a:off x="0" y="0"/>
+            <a:ext cx="11786754" cy="6858000"/>
+          </a:xfrm>
+          <a:custGeom>
+            <a:avLst/>
+            <a:gdLst>
+              <a:gd name="connsiteX0" fmla="*/ 0 w 11786754"/>
+              <a:gd name="connsiteY0" fmla="*/ 0 h 6858000"/>
+              <a:gd name="connsiteX1" fmla="*/ 8610600 w 11786754"/>
+              <a:gd name="connsiteY1" fmla="*/ 0 h 6858000"/>
+              <a:gd name="connsiteX2" fmla="*/ 11786754 w 11786754"/>
+              <a:gd name="connsiteY2" fmla="*/ 6858000 h 6858000"/>
+              <a:gd name="connsiteX3" fmla="*/ 0 w 11786754"/>
+              <a:gd name="connsiteY3" fmla="*/ 6858000 h 6858000"/>
+            </a:gdLst>
+            <a:ahLst/>
+            <a:cxnLst>
+              <a:cxn ang="0">
+                <a:pos x="connsiteX0" y="connsiteY0"/>
+              </a:cxn>
+              <a:cxn ang="0">
+                <a:pos x="connsiteX1" y="connsiteY1"/>
+              </a:cxn>
+              <a:cxn ang="0">
+                <a:pos x="connsiteX2" y="connsiteY2"/>
+              </a:cxn>
+              <a:cxn ang="0">
+                <a:pos x="connsiteX3" y="connsiteY3"/>
+              </a:cxn>
+            </a:cxnLst>
+            <a:rect l="l" t="t" r="r" b="b"/>
+            <a:pathLst>
+              <a:path w="11786754" h="6858000">
+                <a:moveTo>
+                  <a:pt x="0" y="0"/>
+                </a:moveTo>
+                <a:lnTo>
+                  <a:pt x="8610600" y="0"/>
+                </a:lnTo>
+                <a:lnTo>
+                  <a:pt x="11786754" y="6858000"/>
+                </a:lnTo>
+                <a:lnTo>
+                  <a:pt x="0" y="6858000"/>
+                </a:lnTo>
+                <a:close/>
+              </a:path>
+            </a:pathLst>
+          </a:custGeom>
+          <a:solidFill>
+            <a:schemeClr val="bg1">
+              <a:alpha val="30000"/>
+            </a:schemeClr>
+          </a:solidFill>
+          <a:ln>
+            <a:noFill/>
+          </a:ln>
+        </p:spPr>
+        <p:style>
+          <a:lnRef idx="2">
+            <a:schemeClr val="accent1">
+              <a:shade val="50000"/>
+            </a:schemeClr>
+          </a:lnRef>
+          <a:fillRef idx="1">
+            <a:schemeClr val="accent1"/>
+          </a:fillRef>
+          <a:effectRef idx="0">
+            <a:schemeClr val="accent1"/>
+          </a:effectRef>
+          <a:fontRef idx="minor">
+            <a:schemeClr val="lt1"/>
+          </a:fontRef>
+        </p:style>
+        <p:txBody>
+          <a:bodyPr rtlCol="0" anchor="ctr"/>
+          <a:lstStyle/>
+          <a:p>
+            <a:pPr algn="ctr"/>
+            <a:endParaRPr lang="en-US"/>
+          </a:p>
+        </p:txBody>
+      </p:sp>
+      <p:sp>
+        <p:nvSpPr>
+          <p:cNvPr id="7" name="Freeform 11"/>
+          <p:cNvSpPr>
+            <a:spLocks noGrp="1" noRot="1" noChangeAspect="1" noMove="1" noResize="1" noEditPoints="1" noAdjustHandles="1" noChangeArrowheads="1" noChangeShapeType="1" noTextEdit="1"/>
+          </p:cNvSpPr>
+          <p:nvPr>
+            <p:extLst>
+              <p:ext uri="{386F3935-93C4-4BCD-93E2-E3B085C9AB24}">
+                <p16:designElem xmlns:p16="http://schemas.microsoft.com/office/powerpoint/2015/main" val="1"/>
+              </p:ext>
+            </p:extLst>
+          </p:nvPr>
+        </p:nvSpPr>
+        <p:spPr>
+          <a:xfrm>
+            <a:off x="0" y="0"/>
+            <a:ext cx="3581400" cy="6858000"/>
+          </a:xfrm>
+          <a:custGeom>
+            <a:avLst/>
+            <a:gdLst>
+              <a:gd name="connsiteX0" fmla="*/ 0 w 3581400"/>
+              <a:gd name="connsiteY0" fmla="*/ 0 h 6858000"/>
+              <a:gd name="connsiteX1" fmla="*/ 405246 w 3581400"/>
+              <a:gd name="connsiteY1" fmla="*/ 0 h 6858000"/>
+              <a:gd name="connsiteX2" fmla="*/ 3581400 w 3581400"/>
+              <a:gd name="connsiteY2" fmla="*/ 6858000 h 6858000"/>
+              <a:gd name="connsiteX3" fmla="*/ 0 w 3581400"/>
+              <a:gd name="connsiteY3" fmla="*/ 6858000 h 6858000"/>
+            </a:gdLst>
+            <a:ahLst/>
+            <a:cxnLst>
+              <a:cxn ang="0">
+                <a:pos x="connsiteX0" y="connsiteY0"/>
+              </a:cxn>
+              <a:cxn ang="0">
+                <a:pos x="connsiteX1" y="connsiteY1"/>
+              </a:cxn>
+              <a:cxn ang="0">
+                <a:pos x="connsiteX2" y="connsiteY2"/>
+              </a:cxn>
+              <a:cxn ang="0">
+                <a:pos x="connsiteX3" y="connsiteY3"/>
+              </a:cxn>
+            </a:cxnLst>
+            <a:rect l="l" t="t" r="r" b="b"/>
+            <a:pathLst>
+              <a:path w="3581400" h="6858000">
+                <a:moveTo>
+                  <a:pt x="0" y="0"/>
+                </a:moveTo>
+                <a:lnTo>
+                  <a:pt x="405246" y="0"/>
+                </a:lnTo>
+                <a:lnTo>
+                  <a:pt x="3581400" y="6858000"/>
+                </a:lnTo>
+                <a:lnTo>
+                  <a:pt x="0" y="6858000"/>
+                </a:lnTo>
+                <a:close/>
+              </a:path>
+            </a:pathLst>
+          </a:custGeom>
+          <a:solidFill>
+            <a:schemeClr val="bg1">
+              <a:alpha val="30000"/>
+            </a:schemeClr>
+          </a:solidFill>
+          <a:ln>
+            <a:noFill/>
+          </a:ln>
+        </p:spPr>
+        <p:style>
+          <a:lnRef idx="2">
+            <a:schemeClr val="accent1">
+              <a:shade val="50000"/>
+            </a:schemeClr>
+          </a:lnRef>
+          <a:fillRef idx="1">
+            <a:schemeClr val="accent1"/>
+          </a:fillRef>
+          <a:effectRef idx="0">
+            <a:schemeClr val="accent1"/>
+          </a:effectRef>
+          <a:fontRef idx="minor">
+            <a:schemeClr val="lt1"/>
+          </a:fontRef>
+        </p:style>
+        <p:txBody>
+          <a:bodyPr wrap="square" rtlCol="0" anchor="ctr">
+            <a:noAutofit/>
+          </a:bodyPr>
+          <a:lstStyle/>
+          <a:p>
+            <a:pPr algn="ctr"/>
+            <a:endParaRPr lang="en-US"/>
+          </a:p>
+        </p:txBody>
+      </p:sp>
+      <p:sp>
+        <p:nvSpPr>
+          <p:cNvPr id="2" name="Title 1"/>
           <p:cNvSpPr>
             <a:spLocks noGrp="1"/>
           </p:cNvSpPr>
@@ -6496,37 +6484,207 @@
         </p:nvSpPr>
         <p:spPr>
           <a:xfrm>
-            <a:off x="742950" y="742951"/>
-            <a:ext cx="3476625" cy="4962524"/>
-          </a:xfrm>
-        </p:spPr>
-        <p:txBody>
-          <a:bodyPr vert="horz" lIns="91440" tIns="45720" rIns="91440" bIns="45720" rtlCol="0" anchor="ctr">
+            <a:off x="833002" y="365125"/>
+            <a:ext cx="10520702" cy="1325563"/>
+          </a:xfrm>
+        </p:spPr>
+        <p:txBody>
+          <a:bodyPr>
             <a:normAutofit/>
           </a:bodyPr>
           <a:lstStyle/>
           <a:p>
-            <a:pPr algn="ctr"/>
-            <a:r>
-              <a:rPr lang="en-US" altLang="zh-CN" sz="4800" dirty="0">
-                <a:solidFill>
-                  <a:schemeClr val="bg1"/>
-                </a:solidFill>
+            <a:r>
+              <a:rPr lang="en-US" dirty="0"/>
+              <a:t>View Claims Adjuster Email</a:t>
+            </a:r>
+          </a:p>
+        </p:txBody>
+      </p:sp>
+      <p:sp>
+        <p:nvSpPr>
+          <p:cNvPr id="3" name="Content Placeholder 2"/>
+          <p:cNvSpPr>
+            <a:spLocks noGrp="1"/>
+          </p:cNvSpPr>
+          <p:nvPr>
+            <p:ph idx="1"/>
+          </p:nvPr>
+        </p:nvSpPr>
+        <p:spPr>
+          <a:xfrm>
+            <a:off x="838201" y="2022601"/>
+            <a:ext cx="10515598" cy="4154361"/>
+          </a:xfrm>
+        </p:spPr>
+        <p:txBody>
+          <a:bodyPr>
+            <a:normAutofit/>
+          </a:bodyPr>
+          <a:lstStyle/>
+          <a:p>
+            <a:pPr marL="0" indent="0">
+              <a:lnSpc>
+                <a:spcPct val="80000"/>
+              </a:lnSpc>
+              <a:buNone/>
+            </a:pPr>
+            <a:r>
+              <a:rPr lang="en-US" sz="2000"/>
+              <a:t>In a web browser, open the email Inbox for the claim adjuster’s Organizational Account. </a:t>
+            </a:r>
+          </a:p>
+          <a:p>
+            <a:pPr marL="0" indent="0">
+              <a:lnSpc>
+                <a:spcPct val="80000"/>
+              </a:lnSpc>
+              <a:buNone/>
+            </a:pPr>
+            <a:endParaRPr lang="en-US" sz="2000"/>
+          </a:p>
+          <a:p>
+            <a:pPr marL="0" indent="0">
+              <a:lnSpc>
+                <a:spcPct val="80000"/>
+              </a:lnSpc>
+              <a:buNone/>
+            </a:pPr>
+            <a:r>
+              <a:rPr lang="en-US" sz="2000"/>
+              <a:t>(Ex: </a:t>
+            </a:r>
+            <a:r>
+              <a:rPr lang="en-US" sz="2000">
+                <a:hlinkClick r:id="rId2"/>
               </a:rPr>
-              <a:t>Open the web app and view the data in the DETAILS tab.</a:t>
-            </a:r>
+              <a:t>https://portal.office.com</a:t>
+            </a:r>
+            <a:r>
+              <a:rPr lang="en-US" sz="2000"/>
+              <a:t> )</a:t>
+            </a:r>
+          </a:p>
+          <a:p>
+            <a:pPr marL="0" indent="0">
+              <a:lnSpc>
+                <a:spcPct val="80000"/>
+              </a:lnSpc>
+              <a:buNone/>
+            </a:pPr>
+            <a:endParaRPr lang="en-US" sz="2000"/>
+          </a:p>
+          <a:p>
+            <a:pPr marL="0" indent="0">
+              <a:lnSpc>
+                <a:spcPct val="80000"/>
+              </a:lnSpc>
+              <a:buNone/>
+            </a:pPr>
+            <a:r>
+              <a:rPr lang="en-US" sz="2000"/>
+              <a:t>View the email sent to the claims adjuster and click the link in the email to open the web app and view the claim detail.</a:t>
+            </a:r>
+          </a:p>
+          <a:p>
+            <a:pPr marL="0" indent="0">
+              <a:lnSpc>
+                <a:spcPct val="80000"/>
+              </a:lnSpc>
+              <a:buNone/>
+            </a:pPr>
+            <a:endParaRPr lang="en-US" sz="2000"/>
+          </a:p>
+          <a:p>
+            <a:pPr>
+              <a:lnSpc>
+                <a:spcPct val="80000"/>
+              </a:lnSpc>
+            </a:pPr>
+            <a:r>
+              <a:rPr lang="en-US" sz="2000" b="1"/>
+              <a:t>If this is the first time you have submitted a claim for the customer </a:t>
+            </a:r>
+            <a:r>
+              <a:rPr lang="en-US" sz="2000"/>
+              <a:t>their claim will be </a:t>
+            </a:r>
+            <a:r>
+              <a:rPr lang="en-US" sz="2000" b="1"/>
+              <a:t>auto approved </a:t>
+            </a:r>
+            <a:r>
+              <a:rPr lang="en-US" sz="2000"/>
+              <a:t>and the </a:t>
+            </a:r>
+            <a:r>
+              <a:rPr lang="en-US" sz="2000" b="1"/>
+              <a:t>claims adjuster will not receive an email</a:t>
+            </a:r>
+            <a:r>
+              <a:rPr lang="en-US" sz="2000"/>
+              <a:t>.</a:t>
+            </a:r>
+          </a:p>
+          <a:p>
+            <a:pPr>
+              <a:lnSpc>
+                <a:spcPct val="80000"/>
+              </a:lnSpc>
+            </a:pPr>
+            <a:endParaRPr lang="en-US" sz="2000"/>
+          </a:p>
+          <a:p>
+            <a:pPr>
+              <a:lnSpc>
+                <a:spcPct val="80000"/>
+              </a:lnSpc>
+            </a:pPr>
+            <a:r>
+              <a:rPr lang="en-US" sz="2000" b="1"/>
+              <a:t>If this is not the first time you have submitted a claim for the customer </a:t>
+            </a:r>
+            <a:r>
+              <a:rPr lang="en-US" sz="2000"/>
+              <a:t>their claim will </a:t>
+            </a:r>
+            <a:r>
+              <a:rPr lang="en-US" sz="2000" b="1"/>
+              <a:t>not be auto approved </a:t>
+            </a:r>
+            <a:r>
+              <a:rPr lang="en-US" sz="2000"/>
+              <a:t>and the </a:t>
+            </a:r>
+            <a:r>
+              <a:rPr lang="en-US" sz="2000" b="1"/>
+              <a:t>claims adjuster will receive an email</a:t>
+            </a:r>
+            <a:r>
+              <a:rPr lang="en-US" sz="2000"/>
+              <a:t>.</a:t>
+            </a:r>
+          </a:p>
+          <a:p>
+            <a:pPr marL="0" indent="0">
+              <a:lnSpc>
+                <a:spcPct val="80000"/>
+              </a:lnSpc>
+              <a:buNone/>
+            </a:pPr>
+            <a:endParaRPr lang="en-US" sz="2000"/>
           </a:p>
         </p:txBody>
       </p:sp>
     </p:spTree>
     <p:extLst>
       <p:ext uri="{BB962C8B-B14F-4D97-AF65-F5344CB8AC3E}">
-        <p14:creationId xmlns:p14="http://schemas.microsoft.com/office/powerpoint/2010/main" val="1630379644"/>
+        <p14:creationId xmlns:p14="http://schemas.microsoft.com/office/powerpoint/2010/main" val="2242880519"/>
       </p:ext>
     </p:extLst>
   </p:cSld>
   <p:clrMapOvr>
-    <a:masterClrMapping/>
+    <a:overrideClrMapping bg1="dk1" tx1="lt1" bg2="dk2" tx2="lt2" accent1="accent1" accent2="accent2" accent3="accent3" accent4="accent4" accent5="accent5" accent6="accent6" hlink="hlink" folHlink="folHlink"/>
   </p:clrMapOvr>
 </p:sld>
 </file>
@@ -6581,7 +6739,7 @@
       </p:sp>
       <p:pic>
         <p:nvPicPr>
-          <p:cNvPr id="3" name="Picture 2"/>
+          <p:cNvPr id="4" name="Picture 3"/>
           <p:cNvPicPr>
             <a:picLocks noChangeAspect="1"/>
           </p:cNvPicPr>
@@ -6595,8 +6753,8 @@
         </p:blipFill>
         <p:spPr>
           <a:xfrm>
-            <a:off x="5153822" y="500260"/>
-            <a:ext cx="6553545" cy="5865422"/>
+            <a:off x="5153822" y="1098271"/>
+            <a:ext cx="6553545" cy="4669399"/>
           </a:xfrm>
           <a:prstGeom prst="rect">
             <a:avLst/>
@@ -6694,23 +6852,7 @@
                   <a:schemeClr val="bg1"/>
                 </a:solidFill>
               </a:rPr>
-              <a:t>Open the web app and view the data in the 2</a:t>
-            </a:r>
-            <a:r>
-              <a:rPr lang="en-US" altLang="zh-CN" sz="4800" baseline="30000" dirty="0">
-                <a:solidFill>
-                  <a:schemeClr val="bg1"/>
-                </a:solidFill>
-              </a:rPr>
-              <a:t>nd</a:t>
-            </a:r>
-            <a:r>
-              <a:rPr lang="en-US" altLang="zh-CN" sz="4800" dirty="0">
-                <a:solidFill>
-                  <a:schemeClr val="bg1"/>
-                </a:solidFill>
-              </a:rPr>
-              <a:t> PARTY tab. </a:t>
+              <a:t>Open the web app and view the data in the DETAILS tab.</a:t>
             </a:r>
           </a:p>
         </p:txBody>
@@ -6718,7 +6860,7 @@
     </p:spTree>
     <p:extLst>
       <p:ext uri="{BB962C8B-B14F-4D97-AF65-F5344CB8AC3E}">
-        <p14:creationId xmlns:p14="http://schemas.microsoft.com/office/powerpoint/2010/main" val="4122867900"/>
+        <p14:creationId xmlns:p14="http://schemas.microsoft.com/office/powerpoint/2010/main" val="1630379644"/>
       </p:ext>
     </p:extLst>
   </p:cSld>
@@ -7115,7 +7257,7 @@
       </p:grpSpPr>
       <p:sp>
         <p:nvSpPr>
-          <p:cNvPr id="6" name="Rectangle 5"/>
+          <p:cNvPr id="11" name="Rectangle 10"/>
           <p:cNvSpPr>
             <a:spLocks noGrp="1" noRot="1" noChangeAspect="1" noMove="1" noResize="1" noEditPoints="1" noAdjustHandles="1" noChangeArrowheads="1" noChangeShapeType="1" noTextEdit="1"/>
           </p:cNvSpPr>
@@ -7144,9 +7286,33 @@
           <a:effectLst/>
         </p:spPr>
       </p:sp>
-      <p:sp>
-        <p:nvSpPr>
-          <p:cNvPr id="7" name="Rectangle 6"/>
+      <p:pic>
+        <p:nvPicPr>
+          <p:cNvPr id="3" name="Picture 2"/>
+          <p:cNvPicPr>
+            <a:picLocks noChangeAspect="1"/>
+          </p:cNvPicPr>
+          <p:nvPr/>
+        </p:nvPicPr>
+        <p:blipFill>
+          <a:blip r:embed="rId2"/>
+          <a:stretch>
+            <a:fillRect/>
+          </a:stretch>
+        </p:blipFill>
+        <p:spPr>
+          <a:xfrm>
+            <a:off x="5153822" y="500260"/>
+            <a:ext cx="6553545" cy="5865422"/>
+          </a:xfrm>
+          <a:prstGeom prst="rect">
+            <a:avLst/>
+          </a:prstGeom>
+        </p:spPr>
+      </p:pic>
+      <p:sp>
+        <p:nvSpPr>
+          <p:cNvPr id="12" name="Rectangle 11"/>
           <p:cNvSpPr>
             <a:spLocks noGrp="1" noRot="1" noChangeAspect="1" noMove="1" noResize="1" noEditPoints="1" noAdjustHandles="1" noChangeArrowheads="1" noChangeShapeType="1" noTextEdit="1"/>
           </p:cNvSpPr>
@@ -7160,8 +7326,8 @@
         </p:nvSpPr>
         <p:spPr bwMode="ltGray">
           <a:xfrm>
-            <a:off x="378068" y="4633546"/>
-            <a:ext cx="11438793" cy="1844256"/>
+            <a:off x="336884" y="311449"/>
+            <a:ext cx="4332307" cy="6179552"/>
           </a:xfrm>
           <a:prstGeom prst="rect">
             <a:avLst/>
@@ -7206,97 +7372,6 @@
           </a:p>
         </p:txBody>
       </p:sp>
-      <p:cxnSp>
-        <p:nvCxnSpPr>
-          <p:cNvPr id="8" name="Straight Connector 7"/>
-          <p:cNvCxnSpPr>
-            <a:cxnSpLocks noGrp="1" noRot="1" noChangeAspect="1" noMove="1" noResize="1" noEditPoints="1" noAdjustHandles="1" noChangeArrowheads="1" noChangeShapeType="1"/>
-          </p:cNvCxnSpPr>
-          <p:nvPr>
-            <p:extLst>
-              <p:ext uri="{386F3935-93C4-4BCD-93E2-E3B085C9AB24}">
-                <p16:designElem xmlns:p16="http://schemas.microsoft.com/office/powerpoint/2015/main" val="1"/>
-              </p:ext>
-            </p:extLst>
-          </p:nvPr>
-        </p:nvCxnSpPr>
-        <p:spPr>
-          <a:xfrm>
-            <a:off x="2209800" y="5738691"/>
-            <a:ext cx="7772400" cy="0"/>
-          </a:xfrm>
-          <a:prstGeom prst="line">
-            <a:avLst/>
-          </a:prstGeom>
-          <a:ln w="22225">
-            <a:solidFill>
-              <a:schemeClr val="bg1">
-                <a:lumMod val="85000"/>
-              </a:schemeClr>
-            </a:solidFill>
-          </a:ln>
-        </p:spPr>
-        <p:style>
-          <a:lnRef idx="1">
-            <a:schemeClr val="accent1"/>
-          </a:lnRef>
-          <a:fillRef idx="0">
-            <a:schemeClr val="accent1"/>
-          </a:fillRef>
-          <a:effectRef idx="0">
-            <a:schemeClr val="accent1"/>
-          </a:effectRef>
-          <a:fontRef idx="minor">
-            <a:schemeClr val="tx1"/>
-          </a:fontRef>
-        </p:style>
-      </p:cxnSp>
-      <p:cxnSp>
-        <p:nvCxnSpPr>
-          <p:cNvPr id="9" name="Straight Connector 8"/>
-          <p:cNvCxnSpPr>
-            <a:cxnSpLocks noGrp="1" noRot="1" noChangeAspect="1" noMove="1" noResize="1" noEditPoints="1" noAdjustHandles="1" noChangeArrowheads="1" noChangeShapeType="1"/>
-          </p:cNvCxnSpPr>
-          <p:nvPr>
-            <p:extLst>
-              <p:ext uri="{386F3935-93C4-4BCD-93E2-E3B085C9AB24}">
-                <p16:designElem xmlns:p16="http://schemas.microsoft.com/office/powerpoint/2015/main" val="1"/>
-              </p:ext>
-            </p:extLst>
-          </p:nvPr>
-        </p:nvCxnSpPr>
-        <p:spPr>
-          <a:xfrm>
-            <a:off x="6096000" y="477749"/>
-            <a:ext cx="0" cy="3657600"/>
-          </a:xfrm>
-          <a:prstGeom prst="line">
-            <a:avLst/>
-          </a:prstGeom>
-          <a:ln w="101600" cmpd="dbl">
-            <a:solidFill>
-              <a:schemeClr val="tx1">
-                <a:lumMod val="65000"/>
-                <a:lumOff val="35000"/>
-              </a:schemeClr>
-            </a:solidFill>
-          </a:ln>
-        </p:spPr>
-        <p:style>
-          <a:lnRef idx="1">
-            <a:schemeClr val="accent1"/>
-          </a:lnRef>
-          <a:fillRef idx="0">
-            <a:schemeClr val="accent1"/>
-          </a:fillRef>
-          <a:effectRef idx="0">
-            <a:schemeClr val="accent1"/>
-          </a:effectRef>
-          <a:fontRef idx="minor">
-            <a:schemeClr val="tx1"/>
-          </a:fontRef>
-        </p:style>
-      </p:cxnSp>
       <p:sp>
         <p:nvSpPr>
           <p:cNvPr id="2" name="标题 1"/>
@@ -7309,158 +7384,48 @@
         </p:nvSpPr>
         <p:spPr>
           <a:xfrm>
-            <a:off x="527538" y="4756638"/>
-            <a:ext cx="11139854" cy="930447"/>
-          </a:xfrm>
-        </p:spPr>
-        <p:txBody>
-          <a:bodyPr vert="horz" lIns="91440" tIns="45720" rIns="91440" bIns="45720" rtlCol="0" anchor="b">
-            <a:noAutofit/>
+            <a:off x="742950" y="742951"/>
+            <a:ext cx="3476625" cy="4962524"/>
+          </a:xfrm>
+        </p:spPr>
+        <p:txBody>
+          <a:bodyPr vert="horz" lIns="91440" tIns="45720" rIns="91440" bIns="45720" rtlCol="0" anchor="ctr">
+            <a:normAutofit/>
           </a:bodyPr>
           <a:lstStyle/>
           <a:p>
             <a:pPr algn="ctr"/>
             <a:r>
-              <a:rPr lang="en-US" altLang="zh-CN" sz="2400" dirty="0">
+              <a:rPr lang="en-US" altLang="zh-CN" sz="4800" dirty="0">
                 <a:solidFill>
                   <a:schemeClr val="bg1"/>
                 </a:solidFill>
               </a:rPr>
-              <a:t>Select the DAMAGE ASSESSMENT value</a:t>
-            </a:r>
-            <a:br>
-              <a:rPr lang="en-US" altLang="zh-CN" sz="2400" dirty="0">
+              <a:t>Open the web app and view the data in the 2</a:t>
+            </a:r>
+            <a:r>
+              <a:rPr lang="en-US" altLang="zh-CN" sz="4800" baseline="30000" dirty="0">
                 <a:solidFill>
                   <a:schemeClr val="bg1"/>
                 </a:solidFill>
               </a:rPr>
-            </a:br>
-            <a:r>
-              <a:rPr lang="en-US" altLang="zh-CN" sz="2400" dirty="0">
+              <a:t>nd</a:t>
+            </a:r>
+            <a:r>
+              <a:rPr lang="en-US" altLang="zh-CN" sz="4800" dirty="0">
                 <a:solidFill>
                   <a:schemeClr val="bg1"/>
                 </a:solidFill>
               </a:rPr>
-              <a:t>Click APPROVE or REJECT</a:t>
-            </a:r>
-            <a:br>
-              <a:rPr lang="en-US" altLang="zh-CN" sz="2400" dirty="0">
-                <a:solidFill>
-                  <a:schemeClr val="bg1"/>
-                </a:solidFill>
-              </a:rPr>
-            </a:br>
-            <a:r>
-              <a:rPr lang="en-US" altLang="zh-CN" sz="2400" dirty="0">
-                <a:solidFill>
-                  <a:schemeClr val="bg1"/>
-                </a:solidFill>
-              </a:rPr>
-              <a:t>Click OK</a:t>
-            </a:r>
-          </a:p>
-        </p:txBody>
-      </p:sp>
-      <p:pic>
-        <p:nvPicPr>
-          <p:cNvPr id="10" name="Content Placeholder 3"/>
-          <p:cNvPicPr>
-            <a:picLocks noChangeAspect="1"/>
-          </p:cNvPicPr>
-          <p:nvPr/>
-        </p:nvPicPr>
-        <p:blipFill>
-          <a:blip r:embed="rId2"/>
-          <a:stretch>
-            <a:fillRect/>
-          </a:stretch>
-        </p:blipFill>
-        <p:spPr>
-          <a:xfrm>
-            <a:off x="6934087" y="557458"/>
-            <a:ext cx="4184865" cy="1308167"/>
-          </a:xfrm>
-          <a:prstGeom prst="rect">
-            <a:avLst/>
-          </a:prstGeom>
-        </p:spPr>
-      </p:pic>
-      <p:pic>
-        <p:nvPicPr>
-          <p:cNvPr id="11" name="Picture 10"/>
-          <p:cNvPicPr>
-            <a:picLocks noChangeAspect="1"/>
-          </p:cNvPicPr>
-          <p:nvPr/>
-        </p:nvPicPr>
-        <p:blipFill>
-          <a:blip r:embed="rId3"/>
-          <a:stretch>
-            <a:fillRect/>
-          </a:stretch>
-        </p:blipFill>
-        <p:spPr>
-          <a:xfrm>
-            <a:off x="1073049" y="605085"/>
-            <a:ext cx="3949903" cy="1212912"/>
-          </a:xfrm>
-          <a:prstGeom prst="rect">
-            <a:avLst/>
-          </a:prstGeom>
-        </p:spPr>
-      </p:pic>
-      <p:pic>
-        <p:nvPicPr>
-          <p:cNvPr id="12" name="Picture 11"/>
-          <p:cNvPicPr>
-            <a:picLocks noChangeAspect="1"/>
-          </p:cNvPicPr>
-          <p:nvPr/>
-        </p:nvPicPr>
-        <p:blipFill>
-          <a:blip r:embed="rId4"/>
-          <a:stretch>
-            <a:fillRect/>
-          </a:stretch>
-        </p:blipFill>
-        <p:spPr>
-          <a:xfrm>
-            <a:off x="6934087" y="2363822"/>
-            <a:ext cx="4191215" cy="1301817"/>
-          </a:xfrm>
-          <a:prstGeom prst="rect">
-            <a:avLst/>
-          </a:prstGeom>
-        </p:spPr>
-      </p:pic>
-      <p:pic>
-        <p:nvPicPr>
-          <p:cNvPr id="13" name="Picture 12"/>
-          <p:cNvPicPr>
-            <a:picLocks noChangeAspect="1"/>
-          </p:cNvPicPr>
-          <p:nvPr/>
-        </p:nvPicPr>
-        <p:blipFill>
-          <a:blip r:embed="rId5"/>
-          <a:stretch>
-            <a:fillRect/>
-          </a:stretch>
-        </p:blipFill>
-        <p:spPr>
-          <a:xfrm>
-            <a:off x="1663629" y="2465427"/>
-            <a:ext cx="2768742" cy="1098606"/>
-          </a:xfrm>
-          <a:prstGeom prst="rect">
-            <a:avLst/>
-          </a:prstGeom>
-        </p:spPr>
-      </p:pic>
+              <a:t> PARTY tab. </a:t>
+            </a:r>
+          </a:p>
+        </p:txBody>
+      </p:sp>
     </p:spTree>
     <p:extLst>
       <p:ext uri="{BB962C8B-B14F-4D97-AF65-F5344CB8AC3E}">
-        <p14:creationId xmlns:p14="http://schemas.microsoft.com/office/powerpoint/2010/main" val="2045545941"/>
+        <p14:creationId xmlns:p14="http://schemas.microsoft.com/office/powerpoint/2010/main" val="4122867900"/>
       </p:ext>
     </p:extLst>
   </p:cSld>
@@ -7489,6 +7454,380 @@
       </p:grpSpPr>
       <p:sp>
         <p:nvSpPr>
+          <p:cNvPr id="6" name="Rectangle 5"/>
+          <p:cNvSpPr>
+            <a:spLocks noGrp="1" noRot="1" noChangeAspect="1" noMove="1" noResize="1" noEditPoints="1" noAdjustHandles="1" noChangeArrowheads="1" noChangeShapeType="1" noTextEdit="1"/>
+          </p:cNvSpPr>
+          <p:nvPr>
+            <p:extLst>
+              <p:ext uri="{386F3935-93C4-4BCD-93E2-E3B085C9AB24}">
+                <p16:designElem xmlns:p16="http://schemas.microsoft.com/office/powerpoint/2015/main" val="1"/>
+              </p:ext>
+            </p:extLst>
+          </p:nvPr>
+        </p:nvSpPr>
+        <p:spPr bwMode="white">
+          <a:xfrm>
+            <a:off x="0" y="0"/>
+            <a:ext cx="12192000" cy="6858000"/>
+          </a:xfrm>
+          <a:prstGeom prst="rect">
+            <a:avLst/>
+          </a:prstGeom>
+          <a:solidFill>
+            <a:schemeClr val="bg1"/>
+          </a:solidFill>
+          <a:ln>
+            <a:noFill/>
+          </a:ln>
+          <a:effectLst/>
+        </p:spPr>
+      </p:sp>
+      <p:sp>
+        <p:nvSpPr>
+          <p:cNvPr id="7" name="Rectangle 6"/>
+          <p:cNvSpPr>
+            <a:spLocks noGrp="1" noRot="1" noChangeAspect="1" noMove="1" noResize="1" noEditPoints="1" noAdjustHandles="1" noChangeArrowheads="1" noChangeShapeType="1" noTextEdit="1"/>
+          </p:cNvSpPr>
+          <p:nvPr>
+            <p:extLst>
+              <p:ext uri="{386F3935-93C4-4BCD-93E2-E3B085C9AB24}">
+                <p16:designElem xmlns:p16="http://schemas.microsoft.com/office/powerpoint/2015/main" val="1"/>
+              </p:ext>
+            </p:extLst>
+          </p:nvPr>
+        </p:nvSpPr>
+        <p:spPr bwMode="ltGray">
+          <a:xfrm>
+            <a:off x="378068" y="4633546"/>
+            <a:ext cx="11438793" cy="1844256"/>
+          </a:xfrm>
+          <a:prstGeom prst="rect">
+            <a:avLst/>
+          </a:prstGeom>
+          <a:solidFill>
+            <a:schemeClr val="tx1">
+              <a:lumMod val="75000"/>
+              <a:lumOff val="25000"/>
+            </a:schemeClr>
+          </a:solidFill>
+          <a:ln w="127000" cap="sq" cmpd="thinThick">
+            <a:solidFill>
+              <a:schemeClr val="tx1">
+                <a:lumMod val="75000"/>
+                <a:lumOff val="25000"/>
+              </a:schemeClr>
+            </a:solidFill>
+          </a:ln>
+        </p:spPr>
+        <p:style>
+          <a:lnRef idx="2">
+            <a:schemeClr val="accent1">
+              <a:shade val="50000"/>
+            </a:schemeClr>
+          </a:lnRef>
+          <a:fillRef idx="1">
+            <a:schemeClr val="accent1"/>
+          </a:fillRef>
+          <a:effectRef idx="0">
+            <a:schemeClr val="accent1"/>
+          </a:effectRef>
+          <a:fontRef idx="minor">
+            <a:schemeClr val="lt1"/>
+          </a:fontRef>
+        </p:style>
+        <p:txBody>
+          <a:bodyPr rtlCol="0" anchor="ctr"/>
+          <a:lstStyle/>
+          <a:p>
+            <a:pPr algn="ctr"/>
+            <a:endParaRPr lang="en-US"/>
+          </a:p>
+        </p:txBody>
+      </p:sp>
+      <p:cxnSp>
+        <p:nvCxnSpPr>
+          <p:cNvPr id="8" name="Straight Connector 7"/>
+          <p:cNvCxnSpPr>
+            <a:cxnSpLocks noGrp="1" noRot="1" noChangeAspect="1" noMove="1" noResize="1" noEditPoints="1" noAdjustHandles="1" noChangeArrowheads="1" noChangeShapeType="1"/>
+          </p:cNvCxnSpPr>
+          <p:nvPr>
+            <p:extLst>
+              <p:ext uri="{386F3935-93C4-4BCD-93E2-E3B085C9AB24}">
+                <p16:designElem xmlns:p16="http://schemas.microsoft.com/office/powerpoint/2015/main" val="1"/>
+              </p:ext>
+            </p:extLst>
+          </p:nvPr>
+        </p:nvCxnSpPr>
+        <p:spPr>
+          <a:xfrm>
+            <a:off x="2209800" y="5738691"/>
+            <a:ext cx="7772400" cy="0"/>
+          </a:xfrm>
+          <a:prstGeom prst="line">
+            <a:avLst/>
+          </a:prstGeom>
+          <a:ln w="22225">
+            <a:solidFill>
+              <a:schemeClr val="bg1">
+                <a:lumMod val="85000"/>
+              </a:schemeClr>
+            </a:solidFill>
+          </a:ln>
+        </p:spPr>
+        <p:style>
+          <a:lnRef idx="1">
+            <a:schemeClr val="accent1"/>
+          </a:lnRef>
+          <a:fillRef idx="0">
+            <a:schemeClr val="accent1"/>
+          </a:fillRef>
+          <a:effectRef idx="0">
+            <a:schemeClr val="accent1"/>
+          </a:effectRef>
+          <a:fontRef idx="minor">
+            <a:schemeClr val="tx1"/>
+          </a:fontRef>
+        </p:style>
+      </p:cxnSp>
+      <p:cxnSp>
+        <p:nvCxnSpPr>
+          <p:cNvPr id="9" name="Straight Connector 8"/>
+          <p:cNvCxnSpPr>
+            <a:cxnSpLocks noGrp="1" noRot="1" noChangeAspect="1" noMove="1" noResize="1" noEditPoints="1" noAdjustHandles="1" noChangeArrowheads="1" noChangeShapeType="1"/>
+          </p:cNvCxnSpPr>
+          <p:nvPr>
+            <p:extLst>
+              <p:ext uri="{386F3935-93C4-4BCD-93E2-E3B085C9AB24}">
+                <p16:designElem xmlns:p16="http://schemas.microsoft.com/office/powerpoint/2015/main" val="1"/>
+              </p:ext>
+            </p:extLst>
+          </p:nvPr>
+        </p:nvCxnSpPr>
+        <p:spPr>
+          <a:xfrm>
+            <a:off x="6096000" y="477749"/>
+            <a:ext cx="0" cy="3657600"/>
+          </a:xfrm>
+          <a:prstGeom prst="line">
+            <a:avLst/>
+          </a:prstGeom>
+          <a:ln w="101600" cmpd="dbl">
+            <a:solidFill>
+              <a:schemeClr val="tx1">
+                <a:lumMod val="65000"/>
+                <a:lumOff val="35000"/>
+              </a:schemeClr>
+            </a:solidFill>
+          </a:ln>
+        </p:spPr>
+        <p:style>
+          <a:lnRef idx="1">
+            <a:schemeClr val="accent1"/>
+          </a:lnRef>
+          <a:fillRef idx="0">
+            <a:schemeClr val="accent1"/>
+          </a:fillRef>
+          <a:effectRef idx="0">
+            <a:schemeClr val="accent1"/>
+          </a:effectRef>
+          <a:fontRef idx="minor">
+            <a:schemeClr val="tx1"/>
+          </a:fontRef>
+        </p:style>
+      </p:cxnSp>
+      <p:sp>
+        <p:nvSpPr>
+          <p:cNvPr id="2" name="标题 1"/>
+          <p:cNvSpPr>
+            <a:spLocks noGrp="1"/>
+          </p:cNvSpPr>
+          <p:nvPr>
+            <p:ph type="title"/>
+          </p:nvPr>
+        </p:nvSpPr>
+        <p:spPr>
+          <a:xfrm>
+            <a:off x="527538" y="4756638"/>
+            <a:ext cx="11139854" cy="930447"/>
+          </a:xfrm>
+        </p:spPr>
+        <p:txBody>
+          <a:bodyPr vert="horz" lIns="91440" tIns="45720" rIns="91440" bIns="45720" rtlCol="0" anchor="b">
+            <a:noAutofit/>
+          </a:bodyPr>
+          <a:lstStyle/>
+          <a:p>
+            <a:pPr algn="ctr"/>
+            <a:r>
+              <a:rPr lang="en-US" altLang="zh-CN" sz="2400" dirty="0">
+                <a:solidFill>
+                  <a:schemeClr val="bg1"/>
+                </a:solidFill>
+              </a:rPr>
+              <a:t>Select the DAMAGE ASSESSMENT value</a:t>
+            </a:r>
+            <a:br>
+              <a:rPr lang="en-US" altLang="zh-CN" sz="2400" dirty="0">
+                <a:solidFill>
+                  <a:schemeClr val="bg1"/>
+                </a:solidFill>
+              </a:rPr>
+            </a:br>
+            <a:r>
+              <a:rPr lang="en-US" altLang="zh-CN" sz="2400" dirty="0">
+                <a:solidFill>
+                  <a:schemeClr val="bg1"/>
+                </a:solidFill>
+              </a:rPr>
+              <a:t>Click APPROVE or REJECT</a:t>
+            </a:r>
+            <a:br>
+              <a:rPr lang="en-US" altLang="zh-CN" sz="2400" dirty="0">
+                <a:solidFill>
+                  <a:schemeClr val="bg1"/>
+                </a:solidFill>
+              </a:rPr>
+            </a:br>
+            <a:r>
+              <a:rPr lang="en-US" altLang="zh-CN" sz="2400" dirty="0">
+                <a:solidFill>
+                  <a:schemeClr val="bg1"/>
+                </a:solidFill>
+              </a:rPr>
+              <a:t>Click OK</a:t>
+            </a:r>
+          </a:p>
+        </p:txBody>
+      </p:sp>
+      <p:pic>
+        <p:nvPicPr>
+          <p:cNvPr id="10" name="Content Placeholder 3"/>
+          <p:cNvPicPr>
+            <a:picLocks noChangeAspect="1"/>
+          </p:cNvPicPr>
+          <p:nvPr/>
+        </p:nvPicPr>
+        <p:blipFill>
+          <a:blip r:embed="rId2"/>
+          <a:stretch>
+            <a:fillRect/>
+          </a:stretch>
+        </p:blipFill>
+        <p:spPr>
+          <a:xfrm>
+            <a:off x="6934087" y="557458"/>
+            <a:ext cx="4184865" cy="1308167"/>
+          </a:xfrm>
+          <a:prstGeom prst="rect">
+            <a:avLst/>
+          </a:prstGeom>
+        </p:spPr>
+      </p:pic>
+      <p:pic>
+        <p:nvPicPr>
+          <p:cNvPr id="11" name="Picture 10"/>
+          <p:cNvPicPr>
+            <a:picLocks noChangeAspect="1"/>
+          </p:cNvPicPr>
+          <p:nvPr/>
+        </p:nvPicPr>
+        <p:blipFill>
+          <a:blip r:embed="rId3"/>
+          <a:stretch>
+            <a:fillRect/>
+          </a:stretch>
+        </p:blipFill>
+        <p:spPr>
+          <a:xfrm>
+            <a:off x="1073049" y="605085"/>
+            <a:ext cx="3949903" cy="1212912"/>
+          </a:xfrm>
+          <a:prstGeom prst="rect">
+            <a:avLst/>
+          </a:prstGeom>
+        </p:spPr>
+      </p:pic>
+      <p:pic>
+        <p:nvPicPr>
+          <p:cNvPr id="12" name="Picture 11"/>
+          <p:cNvPicPr>
+            <a:picLocks noChangeAspect="1"/>
+          </p:cNvPicPr>
+          <p:nvPr/>
+        </p:nvPicPr>
+        <p:blipFill>
+          <a:blip r:embed="rId4"/>
+          <a:stretch>
+            <a:fillRect/>
+          </a:stretch>
+        </p:blipFill>
+        <p:spPr>
+          <a:xfrm>
+            <a:off x="6934087" y="2363822"/>
+            <a:ext cx="4191215" cy="1301817"/>
+          </a:xfrm>
+          <a:prstGeom prst="rect">
+            <a:avLst/>
+          </a:prstGeom>
+        </p:spPr>
+      </p:pic>
+      <p:pic>
+        <p:nvPicPr>
+          <p:cNvPr id="13" name="Picture 12"/>
+          <p:cNvPicPr>
+            <a:picLocks noChangeAspect="1"/>
+          </p:cNvPicPr>
+          <p:nvPr/>
+        </p:nvPicPr>
+        <p:blipFill>
+          <a:blip r:embed="rId5"/>
+          <a:stretch>
+            <a:fillRect/>
+          </a:stretch>
+        </p:blipFill>
+        <p:spPr>
+          <a:xfrm>
+            <a:off x="1663629" y="2465427"/>
+            <a:ext cx="2768742" cy="1098606"/>
+          </a:xfrm>
+          <a:prstGeom prst="rect">
+            <a:avLst/>
+          </a:prstGeom>
+        </p:spPr>
+      </p:pic>
+    </p:spTree>
+    <p:extLst>
+      <p:ext uri="{BB962C8B-B14F-4D97-AF65-F5344CB8AC3E}">
+        <p14:creationId xmlns:p14="http://schemas.microsoft.com/office/powerpoint/2010/main" val="2045545941"/>
+      </p:ext>
+    </p:extLst>
+  </p:cSld>
+  <p:clrMapOvr>
+    <a:masterClrMapping/>
+  </p:clrMapOvr>
+</p:sld>
+</file>
+
+<file path=ppt/slides/slide22.xml><?xml version="1.0" encoding="utf-8"?>
+<p:sld xmlns:a="http://schemas.openxmlformats.org/drawingml/2006/main" xmlns:r="http://schemas.openxmlformats.org/officeDocument/2006/relationships" xmlns:p="http://schemas.openxmlformats.org/presentationml/2006/main">
+  <p:cSld>
+    <p:spTree>
+      <p:nvGrpSpPr>
+        <p:cNvPr id="1" name=""/>
+        <p:cNvGrpSpPr/>
+        <p:nvPr/>
+      </p:nvGrpSpPr>
+      <p:grpSpPr>
+        <a:xfrm>
+          <a:off x="0" y="0"/>
+          <a:ext cx="0" cy="0"/>
+          <a:chOff x="0" y="0"/>
+          <a:chExt cx="0" cy="0"/>
+        </a:xfrm>
+      </p:grpSpPr>
+      <p:sp>
+        <p:nvSpPr>
           <p:cNvPr id="8" name="Freeform 12"/>
           <p:cNvSpPr>
             <a:spLocks noGrp="1" noRot="1" noChangeAspect="1" noMove="1" noResize="1" noEditPoints="1" noAdjustHandles="1" noChangeArrowheads="1" noChangeShapeType="1" noTextEdit="1"/>
@@ -7884,7 +8223,7 @@
 </p:sld>
 </file>
 
-<file path=ppt/slides/slide22.xml><?xml version="1.0" encoding="utf-8"?>
+<file path=ppt/slides/slide23.xml><?xml version="1.0" encoding="utf-8"?>
 <p:sld xmlns:a="http://schemas.openxmlformats.org/drawingml/2006/main" xmlns:r="http://schemas.openxmlformats.org/officeDocument/2006/relationships" xmlns:p="http://schemas.openxmlformats.org/presentationml/2006/main">
   <p:cSld>
     <p:spTree>
@@ -9970,220 +10309,15 @@
           <a:chExt cx="0" cy="0"/>
         </a:xfrm>
       </p:grpSpPr>
-      <p:sp>
-        <p:nvSpPr>
-          <p:cNvPr id="14" name="Freeform 28"/>
-          <p:cNvSpPr>
-            <a:spLocks noGrp="1" noRot="1" noChangeAspect="1" noMove="1" noResize="1" noEditPoints="1" noAdjustHandles="1" noChangeArrowheads="1" noChangeShapeType="1" noTextEdit="1"/>
-          </p:cNvSpPr>
-          <p:nvPr>
-            <p:extLst>
-              <p:ext uri="{386F3935-93C4-4BCD-93E2-E3B085C9AB24}">
-                <p16:designElem xmlns:p16="http://schemas.microsoft.com/office/powerpoint/2015/main" val="1"/>
-              </p:ext>
-            </p:extLst>
-          </p:nvPr>
-        </p:nvSpPr>
-        <p:spPr>
-          <a:xfrm flipH="1" flipV="1">
-            <a:off x="960120" y="0"/>
-            <a:ext cx="11218661" cy="6858000"/>
-          </a:xfrm>
-          <a:custGeom>
-            <a:avLst/>
-            <a:gdLst>
-              <a:gd name="connsiteX0" fmla="*/ 0 w 11218661"/>
-              <a:gd name="connsiteY0" fmla="*/ 0 h 6858000"/>
-              <a:gd name="connsiteX1" fmla="*/ 8042507 w 11218661"/>
-              <a:gd name="connsiteY1" fmla="*/ 0 h 6858000"/>
-              <a:gd name="connsiteX2" fmla="*/ 11218661 w 11218661"/>
-              <a:gd name="connsiteY2" fmla="*/ 6858000 h 6858000"/>
-              <a:gd name="connsiteX3" fmla="*/ 0 w 11218661"/>
-              <a:gd name="connsiteY3" fmla="*/ 6858000 h 6858000"/>
-            </a:gdLst>
-            <a:ahLst/>
-            <a:cxnLst>
-              <a:cxn ang="0">
-                <a:pos x="connsiteX0" y="connsiteY0"/>
-              </a:cxn>
-              <a:cxn ang="0">
-                <a:pos x="connsiteX1" y="connsiteY1"/>
-              </a:cxn>
-              <a:cxn ang="0">
-                <a:pos x="connsiteX2" y="connsiteY2"/>
-              </a:cxn>
-              <a:cxn ang="0">
-                <a:pos x="connsiteX3" y="connsiteY3"/>
-              </a:cxn>
-            </a:cxnLst>
-            <a:rect l="l" t="t" r="r" b="b"/>
-            <a:pathLst>
-              <a:path w="11218661" h="6858000">
-                <a:moveTo>
-                  <a:pt x="0" y="0"/>
-                </a:moveTo>
-                <a:lnTo>
-                  <a:pt x="8042507" y="0"/>
-                </a:lnTo>
-                <a:lnTo>
-                  <a:pt x="11218661" y="6858000"/>
-                </a:lnTo>
-                <a:lnTo>
-                  <a:pt x="0" y="6858000"/>
-                </a:lnTo>
-                <a:close/>
-              </a:path>
-            </a:pathLst>
-          </a:custGeom>
-          <a:solidFill>
-            <a:schemeClr val="tx1">
-              <a:lumMod val="85000"/>
-              <a:lumOff val="15000"/>
-              <a:alpha val="70000"/>
-            </a:schemeClr>
-          </a:solidFill>
-          <a:ln>
-            <a:noFill/>
-          </a:ln>
-        </p:spPr>
-        <p:style>
-          <a:lnRef idx="2">
-            <a:schemeClr val="accent1">
-              <a:shade val="50000"/>
-            </a:schemeClr>
-          </a:lnRef>
-          <a:fillRef idx="1">
-            <a:schemeClr val="accent1"/>
-          </a:fillRef>
-          <a:effectRef idx="0">
-            <a:schemeClr val="accent1"/>
-          </a:effectRef>
-          <a:fontRef idx="minor">
-            <a:schemeClr val="lt1"/>
-          </a:fontRef>
-        </p:style>
-        <p:txBody>
-          <a:bodyPr wrap="square" rtlCol="0" anchor="ctr">
-            <a:noAutofit/>
-          </a:bodyPr>
-          <a:lstStyle/>
-          <a:p>
-            <a:pPr algn="ctr"/>
-            <a:endParaRPr lang="en-US"/>
-          </a:p>
-        </p:txBody>
-      </p:sp>
-      <p:sp>
-        <p:nvSpPr>
-          <p:cNvPr id="15" name="Freeform 26"/>
-          <p:cNvSpPr>
-            <a:spLocks noGrp="1" noRot="1" noChangeAspect="1" noMove="1" noResize="1" noEditPoints="1" noAdjustHandles="1" noChangeArrowheads="1" noChangeShapeType="1" noTextEdit="1"/>
-          </p:cNvSpPr>
-          <p:nvPr>
-            <p:extLst>
-              <p:ext uri="{386F3935-93C4-4BCD-93E2-E3B085C9AB24}">
-                <p16:designElem xmlns:p16="http://schemas.microsoft.com/office/powerpoint/2015/main" val="1"/>
-              </p:ext>
-            </p:extLst>
-          </p:nvPr>
-        </p:nvSpPr>
-        <p:spPr>
-          <a:xfrm flipH="1" flipV="1">
-            <a:off x="1407030" y="0"/>
-            <a:ext cx="10771752" cy="6858000"/>
-          </a:xfrm>
-          <a:custGeom>
-            <a:avLst/>
-            <a:gdLst>
-              <a:gd name="connsiteX0" fmla="*/ 0 w 10771752"/>
-              <a:gd name="connsiteY0" fmla="*/ 0 h 6858000"/>
-              <a:gd name="connsiteX1" fmla="*/ 7595598 w 10771752"/>
-              <a:gd name="connsiteY1" fmla="*/ 0 h 6858000"/>
-              <a:gd name="connsiteX2" fmla="*/ 10771752 w 10771752"/>
-              <a:gd name="connsiteY2" fmla="*/ 6858000 h 6858000"/>
-              <a:gd name="connsiteX3" fmla="*/ 0 w 10771752"/>
-              <a:gd name="connsiteY3" fmla="*/ 6858000 h 6858000"/>
-            </a:gdLst>
-            <a:ahLst/>
-            <a:cxnLst>
-              <a:cxn ang="0">
-                <a:pos x="connsiteX0" y="connsiteY0"/>
-              </a:cxn>
-              <a:cxn ang="0">
-                <a:pos x="connsiteX1" y="connsiteY1"/>
-              </a:cxn>
-              <a:cxn ang="0">
-                <a:pos x="connsiteX2" y="connsiteY2"/>
-              </a:cxn>
-              <a:cxn ang="0">
-                <a:pos x="connsiteX3" y="connsiteY3"/>
-              </a:cxn>
-            </a:cxnLst>
-            <a:rect l="l" t="t" r="r" b="b"/>
-            <a:pathLst>
-              <a:path w="10771752" h="6858000">
-                <a:moveTo>
-                  <a:pt x="0" y="0"/>
-                </a:moveTo>
-                <a:lnTo>
-                  <a:pt x="7595598" y="0"/>
-                </a:lnTo>
-                <a:lnTo>
-                  <a:pt x="10771752" y="6858000"/>
-                </a:lnTo>
-                <a:lnTo>
-                  <a:pt x="0" y="6858000"/>
-                </a:lnTo>
-                <a:close/>
-              </a:path>
-            </a:pathLst>
-          </a:custGeom>
-          <a:solidFill>
-            <a:schemeClr val="tx1">
-              <a:lumMod val="85000"/>
-              <a:lumOff val="15000"/>
-            </a:schemeClr>
-          </a:solidFill>
-          <a:ln>
-            <a:noFill/>
-          </a:ln>
-        </p:spPr>
-        <p:style>
-          <a:lnRef idx="2">
-            <a:schemeClr val="accent1">
-              <a:shade val="50000"/>
-            </a:schemeClr>
-          </a:lnRef>
-          <a:fillRef idx="1">
-            <a:schemeClr val="accent1"/>
-          </a:fillRef>
-          <a:effectRef idx="0">
-            <a:schemeClr val="accent1"/>
-          </a:effectRef>
-          <a:fontRef idx="minor">
-            <a:schemeClr val="lt1"/>
-          </a:fontRef>
-        </p:style>
-        <p:txBody>
-          <a:bodyPr wrap="square" rtlCol="0" anchor="ctr">
-            <a:noAutofit/>
-          </a:bodyPr>
-          <a:lstStyle/>
-          <a:p>
-            <a:pPr algn="ctr"/>
-            <a:endParaRPr lang="en-US"/>
-          </a:p>
-        </p:txBody>
-      </p:sp>
       <p:pic>
         <p:nvPicPr>
-          <p:cNvPr id="3" name="Picture 2"/>
+          <p:cNvPr id="4" name="Picture 3" descr="depositphotos_5410014-3d-human-with-red-stop-sign"/>
           <p:cNvPicPr>
             <a:picLocks noChangeAspect="1"/>
           </p:cNvPicPr>
           <p:nvPr/>
         </p:nvPicPr>
-        <p:blipFill>
+        <p:blipFill rotWithShape="1">
           <a:blip r:embed="rId2">
             <a:extLst>
               <a:ext uri="{28A0092B-C50C-407E-A947-70E740481C1C}">
@@ -10191,23 +10325,23 @@
               </a:ext>
             </a:extLst>
           </a:blip>
-          <a:stretch>
-            <a:fillRect/>
-          </a:stretch>
+          <a:srcRect r="-3" b="5786"/>
+          <a:stretch/>
         </p:blipFill>
         <p:spPr>
           <a:xfrm>
-            <a:off x="626042" y="642988"/>
-            <a:ext cx="3133992" cy="5571543"/>
+            <a:off x="6090613" y="640082"/>
+            <a:ext cx="5461724" cy="5577837"/>
           </a:xfrm>
           <a:prstGeom prst="rect">
             <a:avLst/>
           </a:prstGeom>
+          <a:effectLst/>
         </p:spPr>
       </p:pic>
       <p:sp>
         <p:nvSpPr>
-          <p:cNvPr id="2" name="标题 1"/>
+          <p:cNvPr id="2" name="Title 1"/>
           <p:cNvSpPr>
             <a:spLocks noGrp="1"/>
           </p:cNvSpPr>
@@ -10217,8 +10351,50 @@
         </p:nvSpPr>
         <p:spPr>
           <a:xfrm>
-            <a:off x="4384039" y="365125"/>
-            <a:ext cx="7164493" cy="1325563"/>
+            <a:off x="648929" y="629266"/>
+            <a:ext cx="5127031" cy="1676603"/>
+          </a:xfrm>
+        </p:spPr>
+        <p:txBody>
+          <a:bodyPr>
+            <a:normAutofit fontScale="90000"/>
+          </a:bodyPr>
+          <a:lstStyle/>
+          <a:p>
+            <a:pPr>
+              <a:lnSpc>
+                <a:spcPct val="70000"/>
+              </a:lnSpc>
+            </a:pPr>
+            <a:r>
+              <a:rPr lang="en-US" sz="3700" dirty="0">
+                <a:solidFill>
+                  <a:srgbClr val="FF0000"/>
+                </a:solidFill>
+              </a:rPr>
+              <a:t>STOP! </a:t>
+            </a:r>
+            <a:r>
+              <a:rPr lang="en-US" sz="3700" dirty="0"/>
+              <a:t>Configure The Customer Record In The Database So The Account Can Receive Email</a:t>
+            </a:r>
+          </a:p>
+        </p:txBody>
+      </p:sp>
+      <p:sp>
+        <p:nvSpPr>
+          <p:cNvPr id="3" name="Content Placeholder 2"/>
+          <p:cNvSpPr>
+            <a:spLocks noGrp="1"/>
+          </p:cNvSpPr>
+          <p:nvPr>
+            <p:ph idx="1"/>
+          </p:nvPr>
+        </p:nvSpPr>
+        <p:spPr>
+          <a:xfrm>
+            <a:off x="648930" y="2438400"/>
+            <a:ext cx="5127029" cy="3785419"/>
           </a:xfrm>
         </p:spPr>
         <p:txBody>
@@ -10227,81 +10403,60 @@
           </a:bodyPr>
           <a:lstStyle/>
           <a:p>
-            <a:r>
-              <a:rPr lang="en-US" altLang="zh-CN">
-                <a:solidFill>
-                  <a:schemeClr val="bg1"/>
-                </a:solidFill>
-              </a:rPr>
-              <a:t>Select Vehicle</a:t>
-            </a:r>
-            <a:endParaRPr lang="zh-CN" altLang="en-US">
-              <a:solidFill>
-                <a:schemeClr val="bg1"/>
-              </a:solidFill>
-            </a:endParaRPr>
-          </a:p>
-        </p:txBody>
-      </p:sp>
-      <p:sp>
-        <p:nvSpPr>
-          <p:cNvPr id="8" name="Content Placeholder 7"/>
-          <p:cNvSpPr>
-            <a:spLocks noGrp="1"/>
-          </p:cNvSpPr>
-          <p:nvPr>
-            <p:ph idx="1"/>
-          </p:nvPr>
-        </p:nvSpPr>
-        <p:spPr>
-          <a:xfrm>
-            <a:off x="4387515" y="2022601"/>
-            <a:ext cx="7161017" cy="4154361"/>
-          </a:xfrm>
-        </p:spPr>
-        <p:txBody>
-          <a:bodyPr>
-            <a:normAutofit/>
-          </a:bodyPr>
-          <a:lstStyle/>
-          <a:p>
-            <a:r>
-              <a:rPr lang="en-US" altLang="zh-CN" sz="2000">
-                <a:solidFill>
-                  <a:schemeClr val="bg1"/>
-                </a:solidFill>
-              </a:rPr>
-              <a:t>Select a vehicle.</a:t>
-            </a:r>
-          </a:p>
-          <a:p>
-            <a:r>
-              <a:rPr lang="en-US" altLang="zh-CN" sz="2000">
-                <a:solidFill>
-                  <a:schemeClr val="bg1"/>
-                </a:solidFill>
-              </a:rPr>
-              <a:t>Click the next icon.</a:t>
-            </a:r>
-            <a:endParaRPr lang="zh-CN" altLang="en-US" sz="2000">
-              <a:solidFill>
-                <a:schemeClr val="bg1"/>
-              </a:solidFill>
-            </a:endParaRPr>
-          </a:p>
-          <a:p>
-            <a:endParaRPr lang="en-US" sz="2000">
-              <a:solidFill>
-                <a:schemeClr val="bg1"/>
-              </a:solidFill>
-            </a:endParaRPr>
+            <a:pPr>
+              <a:lnSpc>
+                <a:spcPct val="80000"/>
+              </a:lnSpc>
+            </a:pPr>
+            <a:r>
+              <a:rPr lang="en-US" dirty="0"/>
+              <a:t>The first time you sign in with a new customer account you must update the customer account in the database so they can receive email.  </a:t>
+            </a:r>
+          </a:p>
+          <a:p>
+            <a:pPr>
+              <a:lnSpc>
+                <a:spcPct val="80000"/>
+              </a:lnSpc>
+            </a:pPr>
+            <a:r>
+              <a:rPr lang="en-US" dirty="0"/>
+              <a:t>This is a one time operation.</a:t>
+            </a:r>
+          </a:p>
+          <a:p>
+            <a:pPr>
+              <a:lnSpc>
+                <a:spcPct val="80000"/>
+              </a:lnSpc>
+            </a:pPr>
+            <a:r>
+              <a:rPr lang="en-US" dirty="0"/>
+              <a:t>See the </a:t>
+            </a:r>
+            <a:r>
+              <a:rPr lang="en-US" b="1" dirty="0"/>
+              <a:t>Create Customer User Accounts </a:t>
+            </a:r>
+            <a:r>
+              <a:rPr lang="en-US" dirty="0"/>
+              <a:t>section in the </a:t>
+            </a:r>
+            <a:r>
+              <a:rPr lang="en-US" b="1" dirty="0"/>
+              <a:t>Src/README.md</a:t>
+            </a:r>
+            <a:r>
+              <a:rPr lang="en-US" dirty="0"/>
+              <a:t> file to learn how to do this.</a:t>
+            </a:r>
           </a:p>
         </p:txBody>
       </p:sp>
     </p:spTree>
     <p:extLst>
       <p:ext uri="{BB962C8B-B14F-4D97-AF65-F5344CB8AC3E}">
-        <p14:creationId xmlns:p14="http://schemas.microsoft.com/office/powerpoint/2010/main" val="2814904541"/>
+        <p14:creationId xmlns:p14="http://schemas.microsoft.com/office/powerpoint/2010/main" val="3146984168"/>
       </p:ext>
     </p:extLst>
   </p:cSld>
@@ -10330,6 +10485,364 @@
       </p:grpSpPr>
       <p:sp>
         <p:nvSpPr>
+          <p:cNvPr id="14" name="Freeform 28"/>
+          <p:cNvSpPr>
+            <a:spLocks noGrp="1" noRot="1" noChangeAspect="1" noMove="1" noResize="1" noEditPoints="1" noAdjustHandles="1" noChangeArrowheads="1" noChangeShapeType="1" noTextEdit="1"/>
+          </p:cNvSpPr>
+          <p:nvPr>
+            <p:extLst>
+              <p:ext uri="{386F3935-93C4-4BCD-93E2-E3B085C9AB24}">
+                <p16:designElem xmlns:p16="http://schemas.microsoft.com/office/powerpoint/2015/main" val="1"/>
+              </p:ext>
+            </p:extLst>
+          </p:nvPr>
+        </p:nvSpPr>
+        <p:spPr>
+          <a:xfrm flipH="1" flipV="1">
+            <a:off x="960120" y="0"/>
+            <a:ext cx="11218661" cy="6858000"/>
+          </a:xfrm>
+          <a:custGeom>
+            <a:avLst/>
+            <a:gdLst>
+              <a:gd name="connsiteX0" fmla="*/ 0 w 11218661"/>
+              <a:gd name="connsiteY0" fmla="*/ 0 h 6858000"/>
+              <a:gd name="connsiteX1" fmla="*/ 8042507 w 11218661"/>
+              <a:gd name="connsiteY1" fmla="*/ 0 h 6858000"/>
+              <a:gd name="connsiteX2" fmla="*/ 11218661 w 11218661"/>
+              <a:gd name="connsiteY2" fmla="*/ 6858000 h 6858000"/>
+              <a:gd name="connsiteX3" fmla="*/ 0 w 11218661"/>
+              <a:gd name="connsiteY3" fmla="*/ 6858000 h 6858000"/>
+            </a:gdLst>
+            <a:ahLst/>
+            <a:cxnLst>
+              <a:cxn ang="0">
+                <a:pos x="connsiteX0" y="connsiteY0"/>
+              </a:cxn>
+              <a:cxn ang="0">
+                <a:pos x="connsiteX1" y="connsiteY1"/>
+              </a:cxn>
+              <a:cxn ang="0">
+                <a:pos x="connsiteX2" y="connsiteY2"/>
+              </a:cxn>
+              <a:cxn ang="0">
+                <a:pos x="connsiteX3" y="connsiteY3"/>
+              </a:cxn>
+            </a:cxnLst>
+            <a:rect l="l" t="t" r="r" b="b"/>
+            <a:pathLst>
+              <a:path w="11218661" h="6858000">
+                <a:moveTo>
+                  <a:pt x="0" y="0"/>
+                </a:moveTo>
+                <a:lnTo>
+                  <a:pt x="8042507" y="0"/>
+                </a:lnTo>
+                <a:lnTo>
+                  <a:pt x="11218661" y="6858000"/>
+                </a:lnTo>
+                <a:lnTo>
+                  <a:pt x="0" y="6858000"/>
+                </a:lnTo>
+                <a:close/>
+              </a:path>
+            </a:pathLst>
+          </a:custGeom>
+          <a:solidFill>
+            <a:schemeClr val="tx1">
+              <a:lumMod val="85000"/>
+              <a:lumOff val="15000"/>
+              <a:alpha val="70000"/>
+            </a:schemeClr>
+          </a:solidFill>
+          <a:ln>
+            <a:noFill/>
+          </a:ln>
+        </p:spPr>
+        <p:style>
+          <a:lnRef idx="2">
+            <a:schemeClr val="accent1">
+              <a:shade val="50000"/>
+            </a:schemeClr>
+          </a:lnRef>
+          <a:fillRef idx="1">
+            <a:schemeClr val="accent1"/>
+          </a:fillRef>
+          <a:effectRef idx="0">
+            <a:schemeClr val="accent1"/>
+          </a:effectRef>
+          <a:fontRef idx="minor">
+            <a:schemeClr val="lt1"/>
+          </a:fontRef>
+        </p:style>
+        <p:txBody>
+          <a:bodyPr wrap="square" rtlCol="0" anchor="ctr">
+            <a:noAutofit/>
+          </a:bodyPr>
+          <a:lstStyle/>
+          <a:p>
+            <a:pPr algn="ctr"/>
+            <a:endParaRPr lang="en-US"/>
+          </a:p>
+        </p:txBody>
+      </p:sp>
+      <p:sp>
+        <p:nvSpPr>
+          <p:cNvPr id="15" name="Freeform 26"/>
+          <p:cNvSpPr>
+            <a:spLocks noGrp="1" noRot="1" noChangeAspect="1" noMove="1" noResize="1" noEditPoints="1" noAdjustHandles="1" noChangeArrowheads="1" noChangeShapeType="1" noTextEdit="1"/>
+          </p:cNvSpPr>
+          <p:nvPr>
+            <p:extLst>
+              <p:ext uri="{386F3935-93C4-4BCD-93E2-E3B085C9AB24}">
+                <p16:designElem xmlns:p16="http://schemas.microsoft.com/office/powerpoint/2015/main" val="1"/>
+              </p:ext>
+            </p:extLst>
+          </p:nvPr>
+        </p:nvSpPr>
+        <p:spPr>
+          <a:xfrm flipH="1" flipV="1">
+            <a:off x="1407030" y="0"/>
+            <a:ext cx="10771752" cy="6858000"/>
+          </a:xfrm>
+          <a:custGeom>
+            <a:avLst/>
+            <a:gdLst>
+              <a:gd name="connsiteX0" fmla="*/ 0 w 10771752"/>
+              <a:gd name="connsiteY0" fmla="*/ 0 h 6858000"/>
+              <a:gd name="connsiteX1" fmla="*/ 7595598 w 10771752"/>
+              <a:gd name="connsiteY1" fmla="*/ 0 h 6858000"/>
+              <a:gd name="connsiteX2" fmla="*/ 10771752 w 10771752"/>
+              <a:gd name="connsiteY2" fmla="*/ 6858000 h 6858000"/>
+              <a:gd name="connsiteX3" fmla="*/ 0 w 10771752"/>
+              <a:gd name="connsiteY3" fmla="*/ 6858000 h 6858000"/>
+            </a:gdLst>
+            <a:ahLst/>
+            <a:cxnLst>
+              <a:cxn ang="0">
+                <a:pos x="connsiteX0" y="connsiteY0"/>
+              </a:cxn>
+              <a:cxn ang="0">
+                <a:pos x="connsiteX1" y="connsiteY1"/>
+              </a:cxn>
+              <a:cxn ang="0">
+                <a:pos x="connsiteX2" y="connsiteY2"/>
+              </a:cxn>
+              <a:cxn ang="0">
+                <a:pos x="connsiteX3" y="connsiteY3"/>
+              </a:cxn>
+            </a:cxnLst>
+            <a:rect l="l" t="t" r="r" b="b"/>
+            <a:pathLst>
+              <a:path w="10771752" h="6858000">
+                <a:moveTo>
+                  <a:pt x="0" y="0"/>
+                </a:moveTo>
+                <a:lnTo>
+                  <a:pt x="7595598" y="0"/>
+                </a:lnTo>
+                <a:lnTo>
+                  <a:pt x="10771752" y="6858000"/>
+                </a:lnTo>
+                <a:lnTo>
+                  <a:pt x="0" y="6858000"/>
+                </a:lnTo>
+                <a:close/>
+              </a:path>
+            </a:pathLst>
+          </a:custGeom>
+          <a:solidFill>
+            <a:schemeClr val="tx1">
+              <a:lumMod val="85000"/>
+              <a:lumOff val="15000"/>
+            </a:schemeClr>
+          </a:solidFill>
+          <a:ln>
+            <a:noFill/>
+          </a:ln>
+        </p:spPr>
+        <p:style>
+          <a:lnRef idx="2">
+            <a:schemeClr val="accent1">
+              <a:shade val="50000"/>
+            </a:schemeClr>
+          </a:lnRef>
+          <a:fillRef idx="1">
+            <a:schemeClr val="accent1"/>
+          </a:fillRef>
+          <a:effectRef idx="0">
+            <a:schemeClr val="accent1"/>
+          </a:effectRef>
+          <a:fontRef idx="minor">
+            <a:schemeClr val="lt1"/>
+          </a:fontRef>
+        </p:style>
+        <p:txBody>
+          <a:bodyPr wrap="square" rtlCol="0" anchor="ctr">
+            <a:noAutofit/>
+          </a:bodyPr>
+          <a:lstStyle/>
+          <a:p>
+            <a:pPr algn="ctr"/>
+            <a:endParaRPr lang="en-US"/>
+          </a:p>
+        </p:txBody>
+      </p:sp>
+      <p:pic>
+        <p:nvPicPr>
+          <p:cNvPr id="3" name="Picture 2"/>
+          <p:cNvPicPr>
+            <a:picLocks noChangeAspect="1"/>
+          </p:cNvPicPr>
+          <p:nvPr/>
+        </p:nvPicPr>
+        <p:blipFill>
+          <a:blip r:embed="rId2">
+            <a:extLst>
+              <a:ext uri="{28A0092B-C50C-407E-A947-70E740481C1C}">
+                <a14:useLocalDpi xmlns:a14="http://schemas.microsoft.com/office/drawing/2010/main" val="0"/>
+              </a:ext>
+            </a:extLst>
+          </a:blip>
+          <a:stretch>
+            <a:fillRect/>
+          </a:stretch>
+        </p:blipFill>
+        <p:spPr>
+          <a:xfrm>
+            <a:off x="626042" y="642988"/>
+            <a:ext cx="3133992" cy="5571543"/>
+          </a:xfrm>
+          <a:prstGeom prst="rect">
+            <a:avLst/>
+          </a:prstGeom>
+        </p:spPr>
+      </p:pic>
+      <p:sp>
+        <p:nvSpPr>
+          <p:cNvPr id="2" name="标题 1"/>
+          <p:cNvSpPr>
+            <a:spLocks noGrp="1"/>
+          </p:cNvSpPr>
+          <p:nvPr>
+            <p:ph type="title"/>
+          </p:nvPr>
+        </p:nvSpPr>
+        <p:spPr>
+          <a:xfrm>
+            <a:off x="4384039" y="365125"/>
+            <a:ext cx="7164493" cy="1325563"/>
+          </a:xfrm>
+        </p:spPr>
+        <p:txBody>
+          <a:bodyPr>
+            <a:normAutofit/>
+          </a:bodyPr>
+          <a:lstStyle/>
+          <a:p>
+            <a:r>
+              <a:rPr lang="en-US" altLang="zh-CN">
+                <a:solidFill>
+                  <a:schemeClr val="bg1"/>
+                </a:solidFill>
+              </a:rPr>
+              <a:t>Select Vehicle</a:t>
+            </a:r>
+            <a:endParaRPr lang="zh-CN" altLang="en-US">
+              <a:solidFill>
+                <a:schemeClr val="bg1"/>
+              </a:solidFill>
+            </a:endParaRPr>
+          </a:p>
+        </p:txBody>
+      </p:sp>
+      <p:sp>
+        <p:nvSpPr>
+          <p:cNvPr id="8" name="Content Placeholder 7"/>
+          <p:cNvSpPr>
+            <a:spLocks noGrp="1"/>
+          </p:cNvSpPr>
+          <p:nvPr>
+            <p:ph idx="1"/>
+          </p:nvPr>
+        </p:nvSpPr>
+        <p:spPr>
+          <a:xfrm>
+            <a:off x="4387515" y="2022601"/>
+            <a:ext cx="7161017" cy="4154361"/>
+          </a:xfrm>
+        </p:spPr>
+        <p:txBody>
+          <a:bodyPr>
+            <a:normAutofit/>
+          </a:bodyPr>
+          <a:lstStyle/>
+          <a:p>
+            <a:r>
+              <a:rPr lang="en-US" altLang="zh-CN" sz="2000">
+                <a:solidFill>
+                  <a:schemeClr val="bg1"/>
+                </a:solidFill>
+              </a:rPr>
+              <a:t>Select a vehicle.</a:t>
+            </a:r>
+          </a:p>
+          <a:p>
+            <a:r>
+              <a:rPr lang="en-US" altLang="zh-CN" sz="2000">
+                <a:solidFill>
+                  <a:schemeClr val="bg1"/>
+                </a:solidFill>
+              </a:rPr>
+              <a:t>Click the next icon.</a:t>
+            </a:r>
+            <a:endParaRPr lang="zh-CN" altLang="en-US" sz="2000">
+              <a:solidFill>
+                <a:schemeClr val="bg1"/>
+              </a:solidFill>
+            </a:endParaRPr>
+          </a:p>
+          <a:p>
+            <a:endParaRPr lang="en-US" sz="2000">
+              <a:solidFill>
+                <a:schemeClr val="bg1"/>
+              </a:solidFill>
+            </a:endParaRPr>
+          </a:p>
+        </p:txBody>
+      </p:sp>
+    </p:spTree>
+    <p:extLst>
+      <p:ext uri="{BB962C8B-B14F-4D97-AF65-F5344CB8AC3E}">
+        <p14:creationId xmlns:p14="http://schemas.microsoft.com/office/powerpoint/2010/main" val="2814904541"/>
+      </p:ext>
+    </p:extLst>
+  </p:cSld>
+  <p:clrMapOvr>
+    <a:masterClrMapping/>
+  </p:clrMapOvr>
+</p:sld>
+</file>
+
+<file path=ppt/slides/slide9.xml><?xml version="1.0" encoding="utf-8"?>
+<p:sld xmlns:a="http://schemas.openxmlformats.org/drawingml/2006/main" xmlns:r="http://schemas.openxmlformats.org/officeDocument/2006/relationships" xmlns:p="http://schemas.openxmlformats.org/presentationml/2006/main">
+  <p:cSld>
+    <p:spTree>
+      <p:nvGrpSpPr>
+        <p:cNvPr id="1" name=""/>
+        <p:cNvGrpSpPr/>
+        <p:nvPr/>
+      </p:nvGrpSpPr>
+      <p:grpSpPr>
+        <a:xfrm>
+          <a:off x="0" y="0"/>
+          <a:ext cx="0" cy="0"/>
+          <a:chOff x="0" y="0"/>
+          <a:chExt cx="0" cy="0"/>
+        </a:xfrm>
+      </p:grpSpPr>
+      <p:sp>
+        <p:nvSpPr>
           <p:cNvPr id="37" name="Rectangle 36"/>
           <p:cNvSpPr>
             <a:spLocks noGrp="1" noRot="1" noChangeAspect="1" noMove="1" noResize="1" noEditPoints="1" noAdjustHandles="1" noChangeArrowheads="1" noChangeShapeType="1" noTextEdit="1"/>
@@ -10736,356 +11249,6 @@
     <p:extLst>
       <p:ext uri="{BB962C8B-B14F-4D97-AF65-F5344CB8AC3E}">
         <p14:creationId xmlns:p14="http://schemas.microsoft.com/office/powerpoint/2010/main" val="3058560254"/>
-      </p:ext>
-    </p:extLst>
-  </p:cSld>
-  <p:clrMapOvr>
-    <a:masterClrMapping/>
-  </p:clrMapOvr>
-</p:sld>
-</file>
-
-<file path=ppt/slides/slide9.xml><?xml version="1.0" encoding="utf-8"?>
-<p:sld xmlns:a="http://schemas.openxmlformats.org/drawingml/2006/main" xmlns:r="http://schemas.openxmlformats.org/officeDocument/2006/relationships" xmlns:p="http://schemas.openxmlformats.org/presentationml/2006/main">
-  <p:cSld>
-    <p:spTree>
-      <p:nvGrpSpPr>
-        <p:cNvPr id="1" name=""/>
-        <p:cNvGrpSpPr/>
-        <p:nvPr/>
-      </p:nvGrpSpPr>
-      <p:grpSpPr>
-        <a:xfrm>
-          <a:off x="0" y="0"/>
-          <a:ext cx="0" cy="0"/>
-          <a:chOff x="0" y="0"/>
-          <a:chExt cx="0" cy="0"/>
-        </a:xfrm>
-      </p:grpSpPr>
-      <p:sp>
-        <p:nvSpPr>
-          <p:cNvPr id="8" name="Rectangle 7"/>
-          <p:cNvSpPr>
-            <a:spLocks noGrp="1" noRot="1" noChangeAspect="1" noMove="1" noResize="1" noEditPoints="1" noAdjustHandles="1" noChangeArrowheads="1" noChangeShapeType="1" noTextEdit="1"/>
-          </p:cNvSpPr>
-          <p:nvPr>
-            <p:extLst>
-              <p:ext uri="{386F3935-93C4-4BCD-93E2-E3B085C9AB24}">
-                <p16:designElem xmlns:p16="http://schemas.microsoft.com/office/powerpoint/2015/main" val="1"/>
-              </p:ext>
-            </p:extLst>
-          </p:nvPr>
-        </p:nvSpPr>
-        <p:spPr bwMode="white">
-          <a:xfrm>
-            <a:off x="0" y="0"/>
-            <a:ext cx="12192000" cy="6858000"/>
-          </a:xfrm>
-          <a:prstGeom prst="rect">
-            <a:avLst/>
-          </a:prstGeom>
-          <a:solidFill>
-            <a:schemeClr val="bg1"/>
-          </a:solidFill>
-          <a:ln>
-            <a:noFill/>
-          </a:ln>
-          <a:effectLst/>
-        </p:spPr>
-      </p:sp>
-      <p:sp>
-        <p:nvSpPr>
-          <p:cNvPr id="9" name="Rectangle 8"/>
-          <p:cNvSpPr>
-            <a:spLocks noGrp="1" noRot="1" noChangeAspect="1" noMove="1" noResize="1" noEditPoints="1" noAdjustHandles="1" noChangeArrowheads="1" noChangeShapeType="1" noTextEdit="1"/>
-          </p:cNvSpPr>
-          <p:nvPr>
-            <p:extLst>
-              <p:ext uri="{386F3935-93C4-4BCD-93E2-E3B085C9AB24}">
-                <p16:designElem xmlns:p16="http://schemas.microsoft.com/office/powerpoint/2015/main" val="1"/>
-              </p:ext>
-            </p:extLst>
-          </p:nvPr>
-        </p:nvSpPr>
-        <p:spPr bwMode="ltGray">
-          <a:xfrm>
-            <a:off x="378068" y="4633546"/>
-            <a:ext cx="11438793" cy="1844256"/>
-          </a:xfrm>
-          <a:prstGeom prst="rect">
-            <a:avLst/>
-          </a:prstGeom>
-          <a:solidFill>
-            <a:schemeClr val="tx1">
-              <a:lumMod val="75000"/>
-              <a:lumOff val="25000"/>
-            </a:schemeClr>
-          </a:solidFill>
-          <a:ln w="127000" cap="sq" cmpd="thinThick">
-            <a:solidFill>
-              <a:schemeClr val="tx1">
-                <a:lumMod val="75000"/>
-                <a:lumOff val="25000"/>
-              </a:schemeClr>
-            </a:solidFill>
-          </a:ln>
-        </p:spPr>
-        <p:style>
-          <a:lnRef idx="2">
-            <a:schemeClr val="accent1">
-              <a:shade val="50000"/>
-            </a:schemeClr>
-          </a:lnRef>
-          <a:fillRef idx="1">
-            <a:schemeClr val="accent1"/>
-          </a:fillRef>
-          <a:effectRef idx="0">
-            <a:schemeClr val="accent1"/>
-          </a:effectRef>
-          <a:fontRef idx="minor">
-            <a:schemeClr val="lt1"/>
-          </a:fontRef>
-        </p:style>
-        <p:txBody>
-          <a:bodyPr rtlCol="0" anchor="ctr"/>
-          <a:lstStyle/>
-          <a:p>
-            <a:pPr algn="ctr"/>
-            <a:endParaRPr lang="en-US"/>
-          </a:p>
-        </p:txBody>
-      </p:sp>
-      <p:cxnSp>
-        <p:nvCxnSpPr>
-          <p:cNvPr id="10" name="Straight Connector 9"/>
-          <p:cNvCxnSpPr>
-            <a:cxnSpLocks noGrp="1" noRot="1" noChangeAspect="1" noMove="1" noResize="1" noEditPoints="1" noAdjustHandles="1" noChangeArrowheads="1" noChangeShapeType="1"/>
-          </p:cNvCxnSpPr>
-          <p:nvPr>
-            <p:extLst>
-              <p:ext uri="{386F3935-93C4-4BCD-93E2-E3B085C9AB24}">
-                <p16:designElem xmlns:p16="http://schemas.microsoft.com/office/powerpoint/2015/main" val="1"/>
-              </p:ext>
-            </p:extLst>
-          </p:nvPr>
-        </p:nvCxnSpPr>
-        <p:spPr>
-          <a:xfrm>
-            <a:off x="2209800" y="5738691"/>
-            <a:ext cx="7772400" cy="0"/>
-          </a:xfrm>
-          <a:prstGeom prst="line">
-            <a:avLst/>
-          </a:prstGeom>
-          <a:ln w="22225">
-            <a:solidFill>
-              <a:schemeClr val="bg1">
-                <a:lumMod val="85000"/>
-              </a:schemeClr>
-            </a:solidFill>
-          </a:ln>
-        </p:spPr>
-        <p:style>
-          <a:lnRef idx="1">
-            <a:schemeClr val="accent1"/>
-          </a:lnRef>
-          <a:fillRef idx="0">
-            <a:schemeClr val="accent1"/>
-          </a:fillRef>
-          <a:effectRef idx="0">
-            <a:schemeClr val="accent1"/>
-          </a:effectRef>
-          <a:fontRef idx="minor">
-            <a:schemeClr val="tx1"/>
-          </a:fontRef>
-        </p:style>
-      </p:cxnSp>
-      <p:cxnSp>
-        <p:nvCxnSpPr>
-          <p:cNvPr id="11" name="Straight Connector 10"/>
-          <p:cNvCxnSpPr>
-            <a:cxnSpLocks noGrp="1" noRot="1" noChangeAspect="1" noMove="1" noResize="1" noEditPoints="1" noAdjustHandles="1" noChangeArrowheads="1" noChangeShapeType="1"/>
-          </p:cNvCxnSpPr>
-          <p:nvPr>
-            <p:extLst>
-              <p:ext uri="{386F3935-93C4-4BCD-93E2-E3B085C9AB24}">
-                <p16:designElem xmlns:p16="http://schemas.microsoft.com/office/powerpoint/2015/main" val="1"/>
-              </p:ext>
-            </p:extLst>
-          </p:nvPr>
-        </p:nvCxnSpPr>
-        <p:spPr>
-          <a:xfrm>
-            <a:off x="6096000" y="477749"/>
-            <a:ext cx="0" cy="3657600"/>
-          </a:xfrm>
-          <a:prstGeom prst="line">
-            <a:avLst/>
-          </a:prstGeom>
-          <a:ln w="101600" cmpd="dbl">
-            <a:solidFill>
-              <a:schemeClr val="tx1">
-                <a:lumMod val="65000"/>
-                <a:lumOff val="35000"/>
-              </a:schemeClr>
-            </a:solidFill>
-          </a:ln>
-        </p:spPr>
-        <p:style>
-          <a:lnRef idx="1">
-            <a:schemeClr val="accent1"/>
-          </a:lnRef>
-          <a:fillRef idx="0">
-            <a:schemeClr val="accent1"/>
-          </a:fillRef>
-          <a:effectRef idx="0">
-            <a:schemeClr val="accent1"/>
-          </a:effectRef>
-          <a:fontRef idx="minor">
-            <a:schemeClr val="tx1"/>
-          </a:fontRef>
-        </p:style>
-      </p:cxnSp>
-      <p:pic>
-        <p:nvPicPr>
-          <p:cNvPr id="5" name="图片 4"/>
-          <p:cNvPicPr>
-            <a:picLocks noChangeAspect="1"/>
-          </p:cNvPicPr>
-          <p:nvPr/>
-        </p:nvPicPr>
-        <p:blipFill>
-          <a:blip r:embed="rId2" cstate="print">
-            <a:extLst>
-              <a:ext uri="{28A0092B-C50C-407E-A947-70E740481C1C}">
-                <a14:useLocalDpi xmlns:a14="http://schemas.microsoft.com/office/drawing/2010/main" val="0"/>
-              </a:ext>
-            </a:extLst>
-          </a:blip>
-          <a:stretch>
-            <a:fillRect/>
-          </a:stretch>
-        </p:blipFill>
-        <p:spPr>
-          <a:xfrm>
-            <a:off x="1923663" y="307731"/>
-            <a:ext cx="2248670" cy="3997637"/>
-          </a:xfrm>
-          <a:prstGeom prst="rect">
-            <a:avLst/>
-          </a:prstGeom>
-        </p:spPr>
-      </p:pic>
-      <p:sp>
-        <p:nvSpPr>
-          <p:cNvPr id="2" name="标题 1"/>
-          <p:cNvSpPr>
-            <a:spLocks noGrp="1"/>
-          </p:cNvSpPr>
-          <p:nvPr>
-            <p:ph type="title"/>
-          </p:nvPr>
-        </p:nvSpPr>
-        <p:spPr>
-          <a:xfrm>
-            <a:off x="527538" y="4756638"/>
-            <a:ext cx="11139854" cy="930447"/>
-          </a:xfrm>
-        </p:spPr>
-        <p:txBody>
-          <a:bodyPr vert="horz" lIns="91440" tIns="45720" rIns="91440" bIns="45720" rtlCol="0" anchor="b">
-            <a:normAutofit/>
-          </a:bodyPr>
-          <a:lstStyle/>
-          <a:p>
-            <a:pPr algn="ctr">
-              <a:lnSpc>
-                <a:spcPct val="70000"/>
-              </a:lnSpc>
-            </a:pPr>
-            <a:r>
-              <a:rPr lang="en-US" altLang="zh-CN" sz="2600" dirty="0">
-                <a:solidFill>
-                  <a:schemeClr val="bg1"/>
-                </a:solidFill>
-              </a:rPr>
-              <a:t>Click the camera button and select the 2</a:t>
-            </a:r>
-            <a:r>
-              <a:rPr lang="en-US" altLang="zh-CN" sz="2600" baseline="30000" dirty="0">
-                <a:solidFill>
-                  <a:schemeClr val="bg1"/>
-                </a:solidFill>
-              </a:rPr>
-              <a:t>nd</a:t>
-            </a:r>
-            <a:r>
-              <a:rPr lang="en-US" altLang="zh-CN" sz="2600" dirty="0">
-                <a:solidFill>
-                  <a:schemeClr val="bg1"/>
-                </a:solidFill>
-              </a:rPr>
-              <a:t> party insurance card. </a:t>
-            </a:r>
-            <a:br>
-              <a:rPr lang="en-US" altLang="zh-CN" sz="2600" dirty="0">
-                <a:solidFill>
-                  <a:schemeClr val="bg1"/>
-                </a:solidFill>
-              </a:rPr>
-            </a:br>
-            <a:br>
-              <a:rPr lang="en-US" altLang="zh-CN" sz="2600" dirty="0">
-                <a:solidFill>
-                  <a:schemeClr val="bg1"/>
-                </a:solidFill>
-              </a:rPr>
-            </a:br>
-            <a:r>
-              <a:rPr lang="en-US" altLang="zh-CN" sz="2600" dirty="0">
-                <a:solidFill>
-                  <a:schemeClr val="bg1"/>
-                </a:solidFill>
-              </a:rPr>
-              <a:t>Click the next icon.</a:t>
-            </a:r>
-          </a:p>
-        </p:txBody>
-      </p:sp>
-      <p:pic>
-        <p:nvPicPr>
-          <p:cNvPr id="3" name="Picture 2"/>
-          <p:cNvPicPr>
-            <a:picLocks noChangeAspect="1"/>
-          </p:cNvPicPr>
-          <p:nvPr/>
-        </p:nvPicPr>
-        <p:blipFill>
-          <a:blip r:embed="rId3" cstate="print">
-            <a:extLst>
-              <a:ext uri="{28A0092B-C50C-407E-A947-70E740481C1C}">
-                <a14:useLocalDpi xmlns:a14="http://schemas.microsoft.com/office/drawing/2010/main" val="0"/>
-              </a:ext>
-            </a:extLst>
-          </a:blip>
-          <a:stretch>
-            <a:fillRect/>
-          </a:stretch>
-        </p:blipFill>
-        <p:spPr>
-          <a:xfrm>
-            <a:off x="8018776" y="301010"/>
-            <a:ext cx="2250449" cy="4004358"/>
-          </a:xfrm>
-          <a:prstGeom prst="rect">
-            <a:avLst/>
-          </a:prstGeom>
-        </p:spPr>
-      </p:pic>
-    </p:spTree>
-    <p:extLst>
-      <p:ext uri="{BB962C8B-B14F-4D97-AF65-F5344CB8AC3E}">
-        <p14:creationId xmlns:p14="http://schemas.microsoft.com/office/powerpoint/2010/main" val="1338658586"/>
       </p:ext>
     </p:extLst>
   </p:cSld>

--- a/Src/Demo Script.pptx
+++ b/Src/Demo Script.pptx
@@ -11,23 +11,22 @@
     <p:sldId id="277" r:id="rId5"/>
     <p:sldId id="278" r:id="rId6"/>
     <p:sldId id="259" r:id="rId7"/>
-    <p:sldId id="287" r:id="rId8"/>
-    <p:sldId id="260" r:id="rId9"/>
-    <p:sldId id="262" r:id="rId10"/>
-    <p:sldId id="263" r:id="rId11"/>
-    <p:sldId id="264" r:id="rId12"/>
-    <p:sldId id="265" r:id="rId13"/>
-    <p:sldId id="279" r:id="rId14"/>
-    <p:sldId id="267" r:id="rId15"/>
-    <p:sldId id="270" r:id="rId16"/>
-    <p:sldId id="280" r:id="rId17"/>
-    <p:sldId id="274" r:id="rId18"/>
-    <p:sldId id="275" r:id="rId19"/>
-    <p:sldId id="268" r:id="rId20"/>
-    <p:sldId id="282" r:id="rId21"/>
-    <p:sldId id="285" r:id="rId22"/>
-    <p:sldId id="286" r:id="rId23"/>
-    <p:sldId id="281" r:id="rId24"/>
+    <p:sldId id="260" r:id="rId8"/>
+    <p:sldId id="262" r:id="rId9"/>
+    <p:sldId id="263" r:id="rId10"/>
+    <p:sldId id="264" r:id="rId11"/>
+    <p:sldId id="265" r:id="rId12"/>
+    <p:sldId id="279" r:id="rId13"/>
+    <p:sldId id="267" r:id="rId14"/>
+    <p:sldId id="270" r:id="rId15"/>
+    <p:sldId id="280" r:id="rId16"/>
+    <p:sldId id="274" r:id="rId17"/>
+    <p:sldId id="275" r:id="rId18"/>
+    <p:sldId id="268" r:id="rId19"/>
+    <p:sldId id="282" r:id="rId20"/>
+    <p:sldId id="285" r:id="rId21"/>
+    <p:sldId id="286" r:id="rId22"/>
+    <p:sldId id="281" r:id="rId23"/>
   </p:sldIdLst>
   <p:sldSz cx="12192000" cy="6858000"/>
   <p:notesSz cx="6858000" cy="9144000"/>
@@ -145,7 +144,6 @@
             <p14:sldId id="277"/>
             <p14:sldId id="278"/>
             <p14:sldId id="259"/>
-            <p14:sldId id="287"/>
             <p14:sldId id="260"/>
             <p14:sldId id="262"/>
             <p14:sldId id="263"/>
@@ -318,7 +316,7 @@
           <a:p>
             <a:fld id="{49CF1097-5897-4723-9833-9D245DB06627}" type="datetimeFigureOut">
               <a:rPr lang="zh-CN" altLang="en-US" smtClean="0"/>
-              <a:t>2016/9/23</a:t>
+              <a:t>2016/10/5</a:t>
             </a:fld>
             <a:endParaRPr lang="zh-CN" altLang="en-US"/>
           </a:p>
@@ -486,7 +484,7 @@
           <a:p>
             <a:fld id="{49CF1097-5897-4723-9833-9D245DB06627}" type="datetimeFigureOut">
               <a:rPr lang="zh-CN" altLang="en-US" smtClean="0"/>
-              <a:t>2016/9/23</a:t>
+              <a:t>2016/10/5</a:t>
             </a:fld>
             <a:endParaRPr lang="zh-CN" altLang="en-US"/>
           </a:p>
@@ -664,7 +662,7 @@
           <a:p>
             <a:fld id="{49CF1097-5897-4723-9833-9D245DB06627}" type="datetimeFigureOut">
               <a:rPr lang="zh-CN" altLang="en-US" smtClean="0"/>
-              <a:t>2016/9/23</a:t>
+              <a:t>2016/10/5</a:t>
             </a:fld>
             <a:endParaRPr lang="zh-CN" altLang="en-US"/>
           </a:p>
@@ -832,7 +830,7 @@
           <a:p>
             <a:fld id="{49CF1097-5897-4723-9833-9D245DB06627}" type="datetimeFigureOut">
               <a:rPr lang="zh-CN" altLang="en-US" smtClean="0"/>
-              <a:t>2016/9/23</a:t>
+              <a:t>2016/10/5</a:t>
             </a:fld>
             <a:endParaRPr lang="zh-CN" altLang="en-US"/>
           </a:p>
@@ -1077,7 +1075,7 @@
           <a:p>
             <a:fld id="{49CF1097-5897-4723-9833-9D245DB06627}" type="datetimeFigureOut">
               <a:rPr lang="zh-CN" altLang="en-US" smtClean="0"/>
-              <a:t>2016/9/23</a:t>
+              <a:t>2016/10/5</a:t>
             </a:fld>
             <a:endParaRPr lang="zh-CN" altLang="en-US"/>
           </a:p>
@@ -1306,7 +1304,7 @@
           <a:p>
             <a:fld id="{49CF1097-5897-4723-9833-9D245DB06627}" type="datetimeFigureOut">
               <a:rPr lang="zh-CN" altLang="en-US" smtClean="0"/>
-              <a:t>2016/9/23</a:t>
+              <a:t>2016/10/5</a:t>
             </a:fld>
             <a:endParaRPr lang="zh-CN" altLang="en-US"/>
           </a:p>
@@ -1670,7 +1668,7 @@
           <a:p>
             <a:fld id="{49CF1097-5897-4723-9833-9D245DB06627}" type="datetimeFigureOut">
               <a:rPr lang="zh-CN" altLang="en-US" smtClean="0"/>
-              <a:t>2016/9/23</a:t>
+              <a:t>2016/10/5</a:t>
             </a:fld>
             <a:endParaRPr lang="zh-CN" altLang="en-US"/>
           </a:p>
@@ -1787,7 +1785,7 @@
           <a:p>
             <a:fld id="{49CF1097-5897-4723-9833-9D245DB06627}" type="datetimeFigureOut">
               <a:rPr lang="zh-CN" altLang="en-US" smtClean="0"/>
-              <a:t>2016/9/23</a:t>
+              <a:t>2016/10/5</a:t>
             </a:fld>
             <a:endParaRPr lang="zh-CN" altLang="en-US"/>
           </a:p>
@@ -1882,7 +1880,7 @@
           <a:p>
             <a:fld id="{49CF1097-5897-4723-9833-9D245DB06627}" type="datetimeFigureOut">
               <a:rPr lang="zh-CN" altLang="en-US" smtClean="0"/>
-              <a:t>2016/9/23</a:t>
+              <a:t>2016/10/5</a:t>
             </a:fld>
             <a:endParaRPr lang="zh-CN" altLang="en-US"/>
           </a:p>
@@ -2157,7 +2155,7 @@
           <a:p>
             <a:fld id="{49CF1097-5897-4723-9833-9D245DB06627}" type="datetimeFigureOut">
               <a:rPr lang="zh-CN" altLang="en-US" smtClean="0"/>
-              <a:t>2016/9/23</a:t>
+              <a:t>2016/10/5</a:t>
             </a:fld>
             <a:endParaRPr lang="zh-CN" altLang="en-US"/>
           </a:p>
@@ -2409,7 +2407,7 @@
           <a:p>
             <a:fld id="{49CF1097-5897-4723-9833-9D245DB06627}" type="datetimeFigureOut">
               <a:rPr lang="zh-CN" altLang="en-US" smtClean="0"/>
-              <a:t>2016/9/23</a:t>
+              <a:t>2016/10/5</a:t>
             </a:fld>
             <a:endParaRPr lang="zh-CN" altLang="en-US"/>
           </a:p>
@@ -2620,7 +2618,7 @@
           <a:p>
             <a:fld id="{49CF1097-5897-4723-9833-9D245DB06627}" type="datetimeFigureOut">
               <a:rPr lang="zh-CN" altLang="en-US" smtClean="0"/>
-              <a:t>2016/9/23</a:t>
+              <a:t>2016/10/5</a:t>
             </a:fld>
             <a:endParaRPr lang="zh-CN" altLang="en-US"/>
           </a:p>
@@ -3463,7 +3461,7 @@
       </p:grpSpPr>
       <p:sp>
         <p:nvSpPr>
-          <p:cNvPr id="8" name="Rectangle 7"/>
+          <p:cNvPr id="6" name="Rectangle 5"/>
           <p:cNvSpPr>
             <a:spLocks noGrp="1" noRot="1" noChangeAspect="1" noMove="1" noResize="1" noEditPoints="1" noAdjustHandles="1" noChangeArrowheads="1" noChangeShapeType="1" noTextEdit="1"/>
           </p:cNvSpPr>
@@ -3494,7 +3492,7 @@
       </p:sp>
       <p:sp>
         <p:nvSpPr>
-          <p:cNvPr id="9" name="Rectangle 8"/>
+          <p:cNvPr id="7" name="Rectangle 6"/>
           <p:cNvSpPr>
             <a:spLocks noGrp="1" noRot="1" noChangeAspect="1" noMove="1" noResize="1" noEditPoints="1" noAdjustHandles="1" noChangeArrowheads="1" noChangeShapeType="1" noTextEdit="1"/>
           </p:cNvSpPr>
@@ -3556,7 +3554,7 @@
       </p:sp>
       <p:cxnSp>
         <p:nvCxnSpPr>
-          <p:cNvPr id="10" name="Straight Connector 9"/>
+          <p:cNvPr id="8" name="Straight Connector 7"/>
           <p:cNvCxnSpPr>
             <a:cxnSpLocks noGrp="1" noRot="1" noChangeAspect="1" noMove="1" noResize="1" noEditPoints="1" noAdjustHandles="1" noChangeArrowheads="1" noChangeShapeType="1"/>
           </p:cNvCxnSpPr>
@@ -3601,7 +3599,7 @@
       </p:cxnSp>
       <p:cxnSp>
         <p:nvCxnSpPr>
-          <p:cNvPr id="11" name="Straight Connector 10"/>
+          <p:cNvPr id="9" name="Straight Connector 8"/>
           <p:cNvCxnSpPr>
             <a:cxnSpLocks noGrp="1" noRot="1" noChangeAspect="1" noMove="1" noResize="1" noEditPoints="1" noAdjustHandles="1" noChangeArrowheads="1" noChangeShapeType="1"/>
           </p:cNvCxnSpPr>
@@ -3647,7 +3645,7 @@
       </p:cxnSp>
       <p:pic>
         <p:nvPicPr>
-          <p:cNvPr id="5" name="图片 4"/>
+          <p:cNvPr id="3" name="图片 2"/>
           <p:cNvPicPr>
             <a:picLocks noChangeAspect="1"/>
           </p:cNvPicPr>
@@ -3724,7 +3722,7 @@
                   <a:schemeClr val="bg1"/>
                 </a:solidFill>
               </a:rPr>
-              <a:t> party insurance card. </a:t>
+              <a:t> party driver’s license. </a:t>
             </a:r>
             <a:br>
               <a:rPr lang="en-US" altLang="zh-CN" sz="2600" dirty="0">
@@ -3753,7 +3751,7 @@
       </p:sp>
       <p:pic>
         <p:nvPicPr>
-          <p:cNvPr id="3" name="Picture 2"/>
+          <p:cNvPr id="5" name="Picture 4"/>
           <p:cNvPicPr>
             <a:picLocks noChangeAspect="1"/>
           </p:cNvPicPr>
@@ -3773,8 +3771,8 @@
         </p:blipFill>
         <p:spPr>
           <a:xfrm>
-            <a:off x="8018776" y="301010"/>
-            <a:ext cx="2250449" cy="4004358"/>
+            <a:off x="8019668" y="307730"/>
+            <a:ext cx="2246672" cy="3997637"/>
           </a:xfrm>
           <a:prstGeom prst="rect">
             <a:avLst/>
@@ -3784,7 +3782,7 @@
     </p:spTree>
     <p:extLst>
       <p:ext uri="{BB962C8B-B14F-4D97-AF65-F5344CB8AC3E}">
-        <p14:creationId xmlns:p14="http://schemas.microsoft.com/office/powerpoint/2010/main" val="1338658586"/>
+        <p14:creationId xmlns:p14="http://schemas.microsoft.com/office/powerpoint/2010/main" val="2044152991"/>
       </p:ext>
     </p:extLst>
   </p:cSld>
@@ -4053,15 +4051,15 @@
               </a:lnSpc>
             </a:pPr>
             <a:r>
-              <a:rPr lang="en-US" altLang="zh-CN" sz="2600" dirty="0">
+              <a:rPr lang="en-US" altLang="zh-CN" sz="2600">
                 <a:solidFill>
                   <a:schemeClr val="bg1"/>
                 </a:solidFill>
               </a:rPr>
-              <a:t>Click the camera button and select the 2</a:t>
-            </a:r>
-            <a:r>
-              <a:rPr lang="en-US" altLang="zh-CN" sz="2600" baseline="30000" dirty="0">
+              <a:t>Enter a phone number for the 2</a:t>
+            </a:r>
+            <a:r>
+              <a:rPr lang="en-US" altLang="zh-CN" sz="2600" baseline="30000">
                 <a:solidFill>
                   <a:schemeClr val="bg1"/>
                 </a:solidFill>
@@ -4069,29 +4067,29 @@
               <a:t>nd</a:t>
             </a:r>
             <a:r>
-              <a:rPr lang="en-US" altLang="zh-CN" sz="2600" dirty="0">
+              <a:rPr lang="en-US" altLang="zh-CN" sz="2600">
                 <a:solidFill>
                   <a:schemeClr val="bg1"/>
                 </a:solidFill>
               </a:rPr>
-              <a:t> party driver’s license. </a:t>
+              <a:t> party.</a:t>
             </a:r>
             <a:br>
-              <a:rPr lang="en-US" altLang="zh-CN" sz="2600" dirty="0">
+              <a:rPr lang="en-US" altLang="zh-CN" sz="2600">
                 <a:solidFill>
                   <a:schemeClr val="bg1"/>
                 </a:solidFill>
               </a:rPr>
             </a:br>
             <a:br>
-              <a:rPr lang="en-US" altLang="zh-CN" sz="2600" dirty="0">
+              <a:rPr lang="en-US" altLang="zh-CN" sz="2600">
                 <a:solidFill>
                   <a:schemeClr val="bg1"/>
                 </a:solidFill>
               </a:rPr>
             </a:br>
             <a:r>
-              <a:rPr lang="en-US" altLang="zh-CN" sz="2600" dirty="0">
+              <a:rPr lang="en-US" altLang="zh-CN" sz="2600">
                 <a:solidFill>
                   <a:schemeClr val="bg1"/>
                 </a:solidFill>
@@ -4123,8 +4121,8 @@
         </p:blipFill>
         <p:spPr>
           <a:xfrm>
-            <a:off x="8019668" y="307730"/>
-            <a:ext cx="2246672" cy="3997637"/>
+            <a:off x="8019668" y="307731"/>
+            <a:ext cx="2244370" cy="3993541"/>
           </a:xfrm>
           <a:prstGeom prst="rect">
             <a:avLst/>
@@ -4134,7 +4132,7 @@
     </p:spTree>
     <p:extLst>
       <p:ext uri="{BB962C8B-B14F-4D97-AF65-F5344CB8AC3E}">
-        <p14:creationId xmlns:p14="http://schemas.microsoft.com/office/powerpoint/2010/main" val="2044152991"/>
+        <p14:creationId xmlns:p14="http://schemas.microsoft.com/office/powerpoint/2010/main" val="1647352443"/>
       </p:ext>
     </p:extLst>
   </p:cSld>
@@ -4345,9 +4343,77 @@
           </a:fontRef>
         </p:style>
       </p:cxnSp>
+      <p:sp>
+        <p:nvSpPr>
+          <p:cNvPr id="2" name="标题 1"/>
+          <p:cNvSpPr>
+            <a:spLocks noGrp="1"/>
+          </p:cNvSpPr>
+          <p:nvPr>
+            <p:ph type="title"/>
+          </p:nvPr>
+        </p:nvSpPr>
+        <p:spPr>
+          <a:xfrm>
+            <a:off x="527538" y="4756638"/>
+            <a:ext cx="11139854" cy="930447"/>
+          </a:xfrm>
+        </p:spPr>
+        <p:txBody>
+          <a:bodyPr vert="horz" lIns="91440" tIns="45720" rIns="91440" bIns="45720" rtlCol="0" anchor="b">
+            <a:noAutofit/>
+          </a:bodyPr>
+          <a:lstStyle/>
+          <a:p>
+            <a:pPr algn="ctr">
+              <a:lnSpc>
+                <a:spcPct val="70000"/>
+              </a:lnSpc>
+            </a:pPr>
+            <a:r>
+              <a:rPr lang="en-US" altLang="zh-CN" sz="2800" dirty="0">
+                <a:solidFill>
+                  <a:schemeClr val="bg1"/>
+                </a:solidFill>
+              </a:rPr>
+              <a:t>Click the plus button, click the camera button and select a claim image. </a:t>
+            </a:r>
+            <a:br>
+              <a:rPr lang="en-US" altLang="zh-CN" sz="2800" dirty="0">
+                <a:solidFill>
+                  <a:schemeClr val="bg1"/>
+                </a:solidFill>
+              </a:rPr>
+            </a:br>
+            <a:r>
+              <a:rPr lang="en-US" altLang="zh-CN" sz="2800" dirty="0">
+                <a:solidFill>
+                  <a:schemeClr val="bg1"/>
+                </a:solidFill>
+              </a:rPr>
+              <a:t>Repeat this to add multiple claim images.</a:t>
+            </a:r>
+            <a:br>
+              <a:rPr lang="en-US" altLang="zh-CN" sz="2800" dirty="0">
+                <a:solidFill>
+                  <a:schemeClr val="bg1"/>
+                </a:solidFill>
+              </a:rPr>
+            </a:br>
+            <a:r>
+              <a:rPr lang="en-US" altLang="zh-CN" sz="2800" dirty="0">
+                <a:solidFill>
+                  <a:schemeClr val="bg1"/>
+                </a:solidFill>
+              </a:rPr>
+              <a:t>Click the next icon.</a:t>
+            </a:r>
+          </a:p>
+        </p:txBody>
+      </p:sp>
       <p:pic>
         <p:nvPicPr>
-          <p:cNvPr id="3" name="图片 2"/>
+          <p:cNvPr id="11" name="Picture 10"/>
           <p:cNvPicPr>
             <a:picLocks noChangeAspect="1"/>
           </p:cNvPicPr>
@@ -4367,99 +4433,23 @@
         </p:blipFill>
         <p:spPr>
           <a:xfrm>
-            <a:off x="1923663" y="307731"/>
-            <a:ext cx="2248670" cy="3997637"/>
+            <a:off x="8017840" y="314708"/>
+            <a:ext cx="2250493" cy="4000877"/>
           </a:xfrm>
           <a:prstGeom prst="rect">
             <a:avLst/>
           </a:prstGeom>
         </p:spPr>
       </p:pic>
-      <p:sp>
-        <p:nvSpPr>
-          <p:cNvPr id="2" name="标题 1"/>
-          <p:cNvSpPr>
-            <a:spLocks noGrp="1"/>
-          </p:cNvSpPr>
-          <p:nvPr>
-            <p:ph type="title"/>
-          </p:nvPr>
-        </p:nvSpPr>
-        <p:spPr>
-          <a:xfrm>
-            <a:off x="527538" y="4756638"/>
-            <a:ext cx="11139854" cy="930447"/>
-          </a:xfrm>
-        </p:spPr>
-        <p:txBody>
-          <a:bodyPr vert="horz" lIns="91440" tIns="45720" rIns="91440" bIns="45720" rtlCol="0" anchor="b">
-            <a:normAutofit/>
-          </a:bodyPr>
-          <a:lstStyle/>
-          <a:p>
-            <a:pPr algn="ctr">
-              <a:lnSpc>
-                <a:spcPct val="70000"/>
-              </a:lnSpc>
-            </a:pPr>
-            <a:r>
-              <a:rPr lang="en-US" altLang="zh-CN" sz="2600">
-                <a:solidFill>
-                  <a:schemeClr val="bg1"/>
-                </a:solidFill>
-              </a:rPr>
-              <a:t>Enter a phone number for the 2</a:t>
-            </a:r>
-            <a:r>
-              <a:rPr lang="en-US" altLang="zh-CN" sz="2600" baseline="30000">
-                <a:solidFill>
-                  <a:schemeClr val="bg1"/>
-                </a:solidFill>
-              </a:rPr>
-              <a:t>nd</a:t>
-            </a:r>
-            <a:r>
-              <a:rPr lang="en-US" altLang="zh-CN" sz="2600">
-                <a:solidFill>
-                  <a:schemeClr val="bg1"/>
-                </a:solidFill>
-              </a:rPr>
-              <a:t> party.</a:t>
-            </a:r>
-            <a:br>
-              <a:rPr lang="en-US" altLang="zh-CN" sz="2600">
-                <a:solidFill>
-                  <a:schemeClr val="bg1"/>
-                </a:solidFill>
-              </a:rPr>
-            </a:br>
-            <a:br>
-              <a:rPr lang="en-US" altLang="zh-CN" sz="2600">
-                <a:solidFill>
-                  <a:schemeClr val="bg1"/>
-                </a:solidFill>
-              </a:rPr>
-            </a:br>
-            <a:r>
-              <a:rPr lang="en-US" altLang="zh-CN" sz="2600">
-                <a:solidFill>
-                  <a:schemeClr val="bg1"/>
-                </a:solidFill>
-              </a:rPr>
-              <a:t>Click the next icon.</a:t>
-            </a:r>
-          </a:p>
-        </p:txBody>
-      </p:sp>
       <p:pic>
         <p:nvPicPr>
-          <p:cNvPr id="5" name="Picture 4"/>
+          <p:cNvPr id="12" name="图片 2"/>
           <p:cNvPicPr>
             <a:picLocks noChangeAspect="1"/>
           </p:cNvPicPr>
           <p:nvPr/>
         </p:nvPicPr>
-        <p:blipFill>
+        <p:blipFill rotWithShape="1">
           <a:blip r:embed="rId3" cstate="print">
             <a:extLst>
               <a:ext uri="{28A0092B-C50C-407E-A947-70E740481C1C}">
@@ -4467,14 +4457,13 @@
               </a:ext>
             </a:extLst>
           </a:blip>
-          <a:stretch>
-            <a:fillRect/>
-          </a:stretch>
+          <a:srcRect/>
+          <a:stretch/>
         </p:blipFill>
         <p:spPr>
           <a:xfrm>
-            <a:off x="8019668" y="307731"/>
-            <a:ext cx="2244370" cy="3993541"/>
+            <a:off x="1921840" y="314708"/>
+            <a:ext cx="2252321" cy="4004130"/>
           </a:xfrm>
           <a:prstGeom prst="rect">
             <a:avLst/>
@@ -4484,7 +4473,7 @@
     </p:spTree>
     <p:extLst>
       <p:ext uri="{BB962C8B-B14F-4D97-AF65-F5344CB8AC3E}">
-        <p14:creationId xmlns:p14="http://schemas.microsoft.com/office/powerpoint/2010/main" val="1647352443"/>
+        <p14:creationId xmlns:p14="http://schemas.microsoft.com/office/powerpoint/2010/main" val="833168774"/>
       </p:ext>
     </p:extLst>
   </p:cSld>
@@ -4695,77 +4684,9 @@
           </a:fontRef>
         </p:style>
       </p:cxnSp>
-      <p:sp>
-        <p:nvSpPr>
-          <p:cNvPr id="2" name="标题 1"/>
-          <p:cNvSpPr>
-            <a:spLocks noGrp="1"/>
-          </p:cNvSpPr>
-          <p:nvPr>
-            <p:ph type="title"/>
-          </p:nvPr>
-        </p:nvSpPr>
-        <p:spPr>
-          <a:xfrm>
-            <a:off x="527538" y="4756638"/>
-            <a:ext cx="11139854" cy="930447"/>
-          </a:xfrm>
-        </p:spPr>
-        <p:txBody>
-          <a:bodyPr vert="horz" lIns="91440" tIns="45720" rIns="91440" bIns="45720" rtlCol="0" anchor="b">
-            <a:noAutofit/>
-          </a:bodyPr>
-          <a:lstStyle/>
-          <a:p>
-            <a:pPr algn="ctr">
-              <a:lnSpc>
-                <a:spcPct val="70000"/>
-              </a:lnSpc>
-            </a:pPr>
-            <a:r>
-              <a:rPr lang="en-US" altLang="zh-CN" sz="2800" dirty="0">
-                <a:solidFill>
-                  <a:schemeClr val="bg1"/>
-                </a:solidFill>
-              </a:rPr>
-              <a:t>Click the plus button, click the camera button and select a claim image. </a:t>
-            </a:r>
-            <a:br>
-              <a:rPr lang="en-US" altLang="zh-CN" sz="2800" dirty="0">
-                <a:solidFill>
-                  <a:schemeClr val="bg1"/>
-                </a:solidFill>
-              </a:rPr>
-            </a:br>
-            <a:r>
-              <a:rPr lang="en-US" altLang="zh-CN" sz="2800" dirty="0">
-                <a:solidFill>
-                  <a:schemeClr val="bg1"/>
-                </a:solidFill>
-              </a:rPr>
-              <a:t>Repeat this to add multiple claim images.</a:t>
-            </a:r>
-            <a:br>
-              <a:rPr lang="en-US" altLang="zh-CN" sz="2800" dirty="0">
-                <a:solidFill>
-                  <a:schemeClr val="bg1"/>
-                </a:solidFill>
-              </a:rPr>
-            </a:br>
-            <a:r>
-              <a:rPr lang="en-US" altLang="zh-CN" sz="2800" dirty="0">
-                <a:solidFill>
-                  <a:schemeClr val="bg1"/>
-                </a:solidFill>
-              </a:rPr>
-              <a:t>Click the next icon.</a:t>
-            </a:r>
-          </a:p>
-        </p:txBody>
-      </p:sp>
       <p:pic>
         <p:nvPicPr>
-          <p:cNvPr id="11" name="Picture 10"/>
+          <p:cNvPr id="3" name="图片 2"/>
           <p:cNvPicPr>
             <a:picLocks noChangeAspect="1"/>
           </p:cNvPicPr>
@@ -4785,23 +4706,72 @@
         </p:blipFill>
         <p:spPr>
           <a:xfrm>
-            <a:off x="8017840" y="314708"/>
-            <a:ext cx="2250493" cy="4000877"/>
+            <a:off x="1923663" y="307731"/>
+            <a:ext cx="2248670" cy="3997637"/>
           </a:xfrm>
           <a:prstGeom prst="rect">
             <a:avLst/>
           </a:prstGeom>
         </p:spPr>
       </p:pic>
+      <p:sp>
+        <p:nvSpPr>
+          <p:cNvPr id="2" name="标题 1"/>
+          <p:cNvSpPr>
+            <a:spLocks noGrp="1"/>
+          </p:cNvSpPr>
+          <p:nvPr>
+            <p:ph type="title"/>
+          </p:nvPr>
+        </p:nvSpPr>
+        <p:spPr>
+          <a:xfrm>
+            <a:off x="527538" y="4756638"/>
+            <a:ext cx="11139854" cy="930447"/>
+          </a:xfrm>
+        </p:spPr>
+        <p:txBody>
+          <a:bodyPr vert="horz" lIns="91440" tIns="45720" rIns="91440" bIns="45720" rtlCol="0" anchor="b">
+            <a:noAutofit/>
+          </a:bodyPr>
+          <a:lstStyle/>
+          <a:p>
+            <a:pPr algn="ctr"/>
+            <a:r>
+              <a:rPr lang="en-US" altLang="zh-CN" sz="3600" dirty="0">
+                <a:solidFill>
+                  <a:schemeClr val="bg1"/>
+                </a:solidFill>
+              </a:rPr>
+              <a:t>Add a Claim Description. </a:t>
+            </a:r>
+            <a:br>
+              <a:rPr lang="en-US" altLang="zh-CN" sz="3600" dirty="0">
+                <a:solidFill>
+                  <a:schemeClr val="bg1"/>
+                </a:solidFill>
+              </a:rPr>
+            </a:br>
+            <a:r>
+              <a:rPr lang="en-US" altLang="zh-CN" sz="3600" dirty="0">
+                <a:solidFill>
+                  <a:schemeClr val="bg1"/>
+                </a:solidFill>
+              </a:rPr>
+              <a:t>Click Done.</a:t>
+            </a:r>
+          </a:p>
+        </p:txBody>
+      </p:sp>
       <p:pic>
         <p:nvPicPr>
-          <p:cNvPr id="12" name="图片 2"/>
+          <p:cNvPr id="5" name="Picture 4"/>
           <p:cNvPicPr>
             <a:picLocks noChangeAspect="1"/>
           </p:cNvPicPr>
           <p:nvPr/>
         </p:nvPicPr>
-        <p:blipFill rotWithShape="1">
+        <p:blipFill>
           <a:blip r:embed="rId3" cstate="print">
             <a:extLst>
               <a:ext uri="{28A0092B-C50C-407E-A947-70E740481C1C}">
@@ -4809,13 +4779,14 @@
               </a:ext>
             </a:extLst>
           </a:blip>
-          <a:srcRect/>
-          <a:stretch/>
+          <a:stretch>
+            <a:fillRect/>
+          </a:stretch>
         </p:blipFill>
         <p:spPr>
           <a:xfrm>
-            <a:off x="1921840" y="314708"/>
-            <a:ext cx="2252321" cy="4004130"/>
+            <a:off x="8019668" y="307731"/>
+            <a:ext cx="2244429" cy="3993646"/>
           </a:xfrm>
           <a:prstGeom prst="rect">
             <a:avLst/>
@@ -4825,7 +4796,7 @@
     </p:spTree>
     <p:extLst>
       <p:ext uri="{BB962C8B-B14F-4D97-AF65-F5344CB8AC3E}">
-        <p14:creationId xmlns:p14="http://schemas.microsoft.com/office/powerpoint/2010/main" val="833168774"/>
+        <p14:creationId xmlns:p14="http://schemas.microsoft.com/office/powerpoint/2010/main" val="3460153180"/>
       </p:ext>
     </p:extLst>
   </p:cSld>
@@ -4854,7 +4825,7 @@
       </p:grpSpPr>
       <p:sp>
         <p:nvSpPr>
-          <p:cNvPr id="6" name="Rectangle 5"/>
+          <p:cNvPr id="11" name="Rectangle 10"/>
           <p:cNvSpPr>
             <a:spLocks noGrp="1" noRot="1" noChangeAspect="1" noMove="1" noResize="1" noEditPoints="1" noAdjustHandles="1" noChangeArrowheads="1" noChangeShapeType="1" noTextEdit="1"/>
           </p:cNvSpPr>
@@ -4883,9 +4854,39 @@
           <a:effectLst/>
         </p:spPr>
       </p:sp>
-      <p:sp>
-        <p:nvSpPr>
-          <p:cNvPr id="7" name="Rectangle 6"/>
+      <p:pic>
+        <p:nvPicPr>
+          <p:cNvPr id="3" name="Picture 2"/>
+          <p:cNvPicPr>
+            <a:picLocks noChangeAspect="1"/>
+          </p:cNvPicPr>
+          <p:nvPr/>
+        </p:nvPicPr>
+        <p:blipFill>
+          <a:blip r:embed="rId2">
+            <a:extLst>
+              <a:ext uri="{28A0092B-C50C-407E-A947-70E740481C1C}">
+                <a14:useLocalDpi xmlns:a14="http://schemas.microsoft.com/office/drawing/2010/main" val="0"/>
+              </a:ext>
+            </a:extLst>
+          </a:blip>
+          <a:stretch>
+            <a:fillRect/>
+          </a:stretch>
+        </p:blipFill>
+        <p:spPr>
+          <a:xfrm>
+            <a:off x="6776621" y="492573"/>
+            <a:ext cx="3307947" cy="5880796"/>
+          </a:xfrm>
+          <a:prstGeom prst="rect">
+            <a:avLst/>
+          </a:prstGeom>
+        </p:spPr>
+      </p:pic>
+      <p:sp>
+        <p:nvSpPr>
+          <p:cNvPr id="12" name="Rectangle 11"/>
           <p:cNvSpPr>
             <a:spLocks noGrp="1" noRot="1" noChangeAspect="1" noMove="1" noResize="1" noEditPoints="1" noAdjustHandles="1" noChangeArrowheads="1" noChangeShapeType="1" noTextEdit="1"/>
           </p:cNvSpPr>
@@ -4899,8 +4900,8 @@
         </p:nvSpPr>
         <p:spPr bwMode="ltGray">
           <a:xfrm>
-            <a:off x="378068" y="4633546"/>
-            <a:ext cx="11438793" cy="1844256"/>
+            <a:off x="336884" y="311449"/>
+            <a:ext cx="4332307" cy="6179552"/>
           </a:xfrm>
           <a:prstGeom prst="rect">
             <a:avLst/>
@@ -4945,127 +4946,6 @@
           </a:p>
         </p:txBody>
       </p:sp>
-      <p:cxnSp>
-        <p:nvCxnSpPr>
-          <p:cNvPr id="8" name="Straight Connector 7"/>
-          <p:cNvCxnSpPr>
-            <a:cxnSpLocks noGrp="1" noRot="1" noChangeAspect="1" noMove="1" noResize="1" noEditPoints="1" noAdjustHandles="1" noChangeArrowheads="1" noChangeShapeType="1"/>
-          </p:cNvCxnSpPr>
-          <p:nvPr>
-            <p:extLst>
-              <p:ext uri="{386F3935-93C4-4BCD-93E2-E3B085C9AB24}">
-                <p16:designElem xmlns:p16="http://schemas.microsoft.com/office/powerpoint/2015/main" val="1"/>
-              </p:ext>
-            </p:extLst>
-          </p:nvPr>
-        </p:nvCxnSpPr>
-        <p:spPr>
-          <a:xfrm>
-            <a:off x="2209800" y="5738691"/>
-            <a:ext cx="7772400" cy="0"/>
-          </a:xfrm>
-          <a:prstGeom prst="line">
-            <a:avLst/>
-          </a:prstGeom>
-          <a:ln w="22225">
-            <a:solidFill>
-              <a:schemeClr val="bg1">
-                <a:lumMod val="85000"/>
-              </a:schemeClr>
-            </a:solidFill>
-          </a:ln>
-        </p:spPr>
-        <p:style>
-          <a:lnRef idx="1">
-            <a:schemeClr val="accent1"/>
-          </a:lnRef>
-          <a:fillRef idx="0">
-            <a:schemeClr val="accent1"/>
-          </a:fillRef>
-          <a:effectRef idx="0">
-            <a:schemeClr val="accent1"/>
-          </a:effectRef>
-          <a:fontRef idx="minor">
-            <a:schemeClr val="tx1"/>
-          </a:fontRef>
-        </p:style>
-      </p:cxnSp>
-      <p:cxnSp>
-        <p:nvCxnSpPr>
-          <p:cNvPr id="9" name="Straight Connector 8"/>
-          <p:cNvCxnSpPr>
-            <a:cxnSpLocks noGrp="1" noRot="1" noChangeAspect="1" noMove="1" noResize="1" noEditPoints="1" noAdjustHandles="1" noChangeArrowheads="1" noChangeShapeType="1"/>
-          </p:cNvCxnSpPr>
-          <p:nvPr>
-            <p:extLst>
-              <p:ext uri="{386F3935-93C4-4BCD-93E2-E3B085C9AB24}">
-                <p16:designElem xmlns:p16="http://schemas.microsoft.com/office/powerpoint/2015/main" val="1"/>
-              </p:ext>
-            </p:extLst>
-          </p:nvPr>
-        </p:nvCxnSpPr>
-        <p:spPr>
-          <a:xfrm>
-            <a:off x="6096000" y="477749"/>
-            <a:ext cx="0" cy="3657600"/>
-          </a:xfrm>
-          <a:prstGeom prst="line">
-            <a:avLst/>
-          </a:prstGeom>
-          <a:ln w="101600" cmpd="dbl">
-            <a:solidFill>
-              <a:schemeClr val="tx1">
-                <a:lumMod val="65000"/>
-                <a:lumOff val="35000"/>
-              </a:schemeClr>
-            </a:solidFill>
-          </a:ln>
-        </p:spPr>
-        <p:style>
-          <a:lnRef idx="1">
-            <a:schemeClr val="accent1"/>
-          </a:lnRef>
-          <a:fillRef idx="0">
-            <a:schemeClr val="accent1"/>
-          </a:fillRef>
-          <a:effectRef idx="0">
-            <a:schemeClr val="accent1"/>
-          </a:effectRef>
-          <a:fontRef idx="minor">
-            <a:schemeClr val="tx1"/>
-          </a:fontRef>
-        </p:style>
-      </p:cxnSp>
-      <p:pic>
-        <p:nvPicPr>
-          <p:cNvPr id="3" name="图片 2"/>
-          <p:cNvPicPr>
-            <a:picLocks noChangeAspect="1"/>
-          </p:cNvPicPr>
-          <p:nvPr/>
-        </p:nvPicPr>
-        <p:blipFill>
-          <a:blip r:embed="rId2" cstate="print">
-            <a:extLst>
-              <a:ext uri="{28A0092B-C50C-407E-A947-70E740481C1C}">
-                <a14:useLocalDpi xmlns:a14="http://schemas.microsoft.com/office/drawing/2010/main" val="0"/>
-              </a:ext>
-            </a:extLst>
-          </a:blip>
-          <a:stretch>
-            <a:fillRect/>
-          </a:stretch>
-        </p:blipFill>
-        <p:spPr>
-          <a:xfrm>
-            <a:off x="1923663" y="307731"/>
-            <a:ext cx="2248670" cy="3997637"/>
-          </a:xfrm>
-          <a:prstGeom prst="rect">
-            <a:avLst/>
-          </a:prstGeom>
-        </p:spPr>
-      </p:pic>
       <p:sp>
         <p:nvSpPr>
           <p:cNvPr id="2" name="标题 1"/>
@@ -5078,77 +4958,32 @@
         </p:nvSpPr>
         <p:spPr>
           <a:xfrm>
-            <a:off x="527538" y="4756638"/>
-            <a:ext cx="11139854" cy="930447"/>
-          </a:xfrm>
-        </p:spPr>
-        <p:txBody>
-          <a:bodyPr vert="horz" lIns="91440" tIns="45720" rIns="91440" bIns="45720" rtlCol="0" anchor="b">
-            <a:noAutofit/>
+            <a:off x="742950" y="742951"/>
+            <a:ext cx="3476625" cy="4962524"/>
+          </a:xfrm>
+        </p:spPr>
+        <p:txBody>
+          <a:bodyPr vert="horz" lIns="91440" tIns="45720" rIns="91440" bIns="45720" rtlCol="0" anchor="ctr">
+            <a:normAutofit/>
           </a:bodyPr>
           <a:lstStyle/>
           <a:p>
             <a:pPr algn="ctr"/>
             <a:r>
-              <a:rPr lang="en-US" altLang="zh-CN" sz="3600" dirty="0">
+              <a:rPr lang="en-US" altLang="zh-CN" sz="4800">
                 <a:solidFill>
                   <a:schemeClr val="bg1"/>
                 </a:solidFill>
               </a:rPr>
-              <a:t>Add a Claim Description. </a:t>
-            </a:r>
-            <a:br>
-              <a:rPr lang="en-US" altLang="zh-CN" sz="3600" dirty="0">
-                <a:solidFill>
-                  <a:schemeClr val="bg1"/>
-                </a:solidFill>
-              </a:rPr>
-            </a:br>
-            <a:r>
-              <a:rPr lang="en-US" altLang="zh-CN" sz="3600" dirty="0">
-                <a:solidFill>
-                  <a:schemeClr val="bg1"/>
-                </a:solidFill>
-              </a:rPr>
-              <a:t>Click Done.</a:t>
-            </a:r>
-          </a:p>
-        </p:txBody>
-      </p:sp>
-      <p:pic>
-        <p:nvPicPr>
-          <p:cNvPr id="5" name="Picture 4"/>
-          <p:cNvPicPr>
-            <a:picLocks noChangeAspect="1"/>
-          </p:cNvPicPr>
-          <p:nvPr/>
-        </p:nvPicPr>
-        <p:blipFill>
-          <a:blip r:embed="rId3" cstate="print">
-            <a:extLst>
-              <a:ext uri="{28A0092B-C50C-407E-A947-70E740481C1C}">
-                <a14:useLocalDpi xmlns:a14="http://schemas.microsoft.com/office/drawing/2010/main" val="0"/>
-              </a:ext>
-            </a:extLst>
-          </a:blip>
-          <a:stretch>
-            <a:fillRect/>
-          </a:stretch>
-        </p:blipFill>
-        <p:spPr>
-          <a:xfrm>
-            <a:off x="8019668" y="307731"/>
-            <a:ext cx="2244429" cy="3993646"/>
-          </a:xfrm>
-          <a:prstGeom prst="rect">
-            <a:avLst/>
-          </a:prstGeom>
-        </p:spPr>
-      </p:pic>
+              <a:t>Click the next icon to submit the claim.</a:t>
+            </a:r>
+          </a:p>
+        </p:txBody>
+      </p:sp>
     </p:spTree>
     <p:extLst>
       <p:ext uri="{BB962C8B-B14F-4D97-AF65-F5344CB8AC3E}">
-        <p14:creationId xmlns:p14="http://schemas.microsoft.com/office/powerpoint/2010/main" val="3460153180"/>
+        <p14:creationId xmlns:p14="http://schemas.microsoft.com/office/powerpoint/2010/main" val="4157172236"/>
       </p:ext>
     </p:extLst>
   </p:cSld>
@@ -5177,193 +5012,6 @@
       </p:grpSpPr>
       <p:sp>
         <p:nvSpPr>
-          <p:cNvPr id="11" name="Rectangle 10"/>
-          <p:cNvSpPr>
-            <a:spLocks noGrp="1" noRot="1" noChangeAspect="1" noMove="1" noResize="1" noEditPoints="1" noAdjustHandles="1" noChangeArrowheads="1" noChangeShapeType="1" noTextEdit="1"/>
-          </p:cNvSpPr>
-          <p:nvPr>
-            <p:extLst>
-              <p:ext uri="{386F3935-93C4-4BCD-93E2-E3B085C9AB24}">
-                <p16:designElem xmlns:p16="http://schemas.microsoft.com/office/powerpoint/2015/main" val="1"/>
-              </p:ext>
-            </p:extLst>
-          </p:nvPr>
-        </p:nvSpPr>
-        <p:spPr bwMode="white">
-          <a:xfrm>
-            <a:off x="0" y="0"/>
-            <a:ext cx="12192000" cy="6858000"/>
-          </a:xfrm>
-          <a:prstGeom prst="rect">
-            <a:avLst/>
-          </a:prstGeom>
-          <a:solidFill>
-            <a:schemeClr val="bg1"/>
-          </a:solidFill>
-          <a:ln>
-            <a:noFill/>
-          </a:ln>
-          <a:effectLst/>
-        </p:spPr>
-      </p:sp>
-      <p:pic>
-        <p:nvPicPr>
-          <p:cNvPr id="3" name="Picture 2"/>
-          <p:cNvPicPr>
-            <a:picLocks noChangeAspect="1"/>
-          </p:cNvPicPr>
-          <p:nvPr/>
-        </p:nvPicPr>
-        <p:blipFill>
-          <a:blip r:embed="rId2">
-            <a:extLst>
-              <a:ext uri="{28A0092B-C50C-407E-A947-70E740481C1C}">
-                <a14:useLocalDpi xmlns:a14="http://schemas.microsoft.com/office/drawing/2010/main" val="0"/>
-              </a:ext>
-            </a:extLst>
-          </a:blip>
-          <a:stretch>
-            <a:fillRect/>
-          </a:stretch>
-        </p:blipFill>
-        <p:spPr>
-          <a:xfrm>
-            <a:off x="6776621" y="492573"/>
-            <a:ext cx="3307947" cy="5880796"/>
-          </a:xfrm>
-          <a:prstGeom prst="rect">
-            <a:avLst/>
-          </a:prstGeom>
-        </p:spPr>
-      </p:pic>
-      <p:sp>
-        <p:nvSpPr>
-          <p:cNvPr id="12" name="Rectangle 11"/>
-          <p:cNvSpPr>
-            <a:spLocks noGrp="1" noRot="1" noChangeAspect="1" noMove="1" noResize="1" noEditPoints="1" noAdjustHandles="1" noChangeArrowheads="1" noChangeShapeType="1" noTextEdit="1"/>
-          </p:cNvSpPr>
-          <p:nvPr>
-            <p:extLst>
-              <p:ext uri="{386F3935-93C4-4BCD-93E2-E3B085C9AB24}">
-                <p16:designElem xmlns:p16="http://schemas.microsoft.com/office/powerpoint/2015/main" val="1"/>
-              </p:ext>
-            </p:extLst>
-          </p:nvPr>
-        </p:nvSpPr>
-        <p:spPr bwMode="ltGray">
-          <a:xfrm>
-            <a:off x="336884" y="311449"/>
-            <a:ext cx="4332307" cy="6179552"/>
-          </a:xfrm>
-          <a:prstGeom prst="rect">
-            <a:avLst/>
-          </a:prstGeom>
-          <a:solidFill>
-            <a:schemeClr val="tx1">
-              <a:lumMod val="75000"/>
-              <a:lumOff val="25000"/>
-            </a:schemeClr>
-          </a:solidFill>
-          <a:ln w="127000" cap="sq" cmpd="thinThick">
-            <a:solidFill>
-              <a:schemeClr val="tx1">
-                <a:lumMod val="75000"/>
-                <a:lumOff val="25000"/>
-              </a:schemeClr>
-            </a:solidFill>
-          </a:ln>
-        </p:spPr>
-        <p:style>
-          <a:lnRef idx="2">
-            <a:schemeClr val="accent1">
-              <a:shade val="50000"/>
-            </a:schemeClr>
-          </a:lnRef>
-          <a:fillRef idx="1">
-            <a:schemeClr val="accent1"/>
-          </a:fillRef>
-          <a:effectRef idx="0">
-            <a:schemeClr val="accent1"/>
-          </a:effectRef>
-          <a:fontRef idx="minor">
-            <a:schemeClr val="lt1"/>
-          </a:fontRef>
-        </p:style>
-        <p:txBody>
-          <a:bodyPr rtlCol="0" anchor="ctr"/>
-          <a:lstStyle/>
-          <a:p>
-            <a:pPr algn="ctr"/>
-            <a:endParaRPr lang="en-US"/>
-          </a:p>
-        </p:txBody>
-      </p:sp>
-      <p:sp>
-        <p:nvSpPr>
-          <p:cNvPr id="2" name="标题 1"/>
-          <p:cNvSpPr>
-            <a:spLocks noGrp="1"/>
-          </p:cNvSpPr>
-          <p:nvPr>
-            <p:ph type="title"/>
-          </p:nvPr>
-        </p:nvSpPr>
-        <p:spPr>
-          <a:xfrm>
-            <a:off x="742950" y="742951"/>
-            <a:ext cx="3476625" cy="4962524"/>
-          </a:xfrm>
-        </p:spPr>
-        <p:txBody>
-          <a:bodyPr vert="horz" lIns="91440" tIns="45720" rIns="91440" bIns="45720" rtlCol="0" anchor="ctr">
-            <a:normAutofit/>
-          </a:bodyPr>
-          <a:lstStyle/>
-          <a:p>
-            <a:pPr algn="ctr"/>
-            <a:r>
-              <a:rPr lang="en-US" altLang="zh-CN" sz="4800">
-                <a:solidFill>
-                  <a:schemeClr val="bg1"/>
-                </a:solidFill>
-              </a:rPr>
-              <a:t>Click the next icon to submit the claim.</a:t>
-            </a:r>
-          </a:p>
-        </p:txBody>
-      </p:sp>
-    </p:spTree>
-    <p:extLst>
-      <p:ext uri="{BB962C8B-B14F-4D97-AF65-F5344CB8AC3E}">
-        <p14:creationId xmlns:p14="http://schemas.microsoft.com/office/powerpoint/2010/main" val="4157172236"/>
-      </p:ext>
-    </p:extLst>
-  </p:cSld>
-  <p:clrMapOvr>
-    <a:masterClrMapping/>
-  </p:clrMapOvr>
-</p:sld>
-</file>
-
-<file path=ppt/slides/slide16.xml><?xml version="1.0" encoding="utf-8"?>
-<p:sld xmlns:a="http://schemas.openxmlformats.org/drawingml/2006/main" xmlns:r="http://schemas.openxmlformats.org/officeDocument/2006/relationships" xmlns:p="http://schemas.openxmlformats.org/presentationml/2006/main">
-  <p:cSld>
-    <p:spTree>
-      <p:nvGrpSpPr>
-        <p:cNvPr id="1" name=""/>
-        <p:cNvGrpSpPr/>
-        <p:nvPr/>
-      </p:nvGrpSpPr>
-      <p:grpSpPr>
-        <a:xfrm>
-          <a:off x="0" y="0"/>
-          <a:ext cx="0" cy="0"/>
-          <a:chOff x="0" y="0"/>
-          <a:chExt cx="0" cy="0"/>
-        </a:xfrm>
-      </p:grpSpPr>
-      <p:sp>
-        <p:nvSpPr>
           <p:cNvPr id="14" name="Rectangle 13"/>
           <p:cNvSpPr>
             <a:spLocks noGrp="1" noRot="1" noChangeAspect="1" noMove="1" noResize="1" noEditPoints="1" noAdjustHandles="1" noChangeArrowheads="1" noChangeShapeType="1" noTextEdit="1"/>
@@ -5720,6 +5368,478 @@
     <p:extLst>
       <p:ext uri="{BB962C8B-B14F-4D97-AF65-F5344CB8AC3E}">
         <p14:creationId xmlns:p14="http://schemas.microsoft.com/office/powerpoint/2010/main" val="2502920161"/>
+      </p:ext>
+    </p:extLst>
+  </p:cSld>
+  <p:clrMapOvr>
+    <a:overrideClrMapping bg1="dk1" tx1="lt1" bg2="dk2" tx2="lt2" accent1="accent1" accent2="accent2" accent3="accent3" accent4="accent4" accent5="accent5" accent6="accent6" hlink="hlink" folHlink="folHlink"/>
+  </p:clrMapOvr>
+</p:sld>
+</file>
+
+<file path=ppt/slides/slide16.xml><?xml version="1.0" encoding="utf-8"?>
+<p:sld xmlns:a="http://schemas.openxmlformats.org/drawingml/2006/main" xmlns:r="http://schemas.openxmlformats.org/officeDocument/2006/relationships" xmlns:p="http://schemas.openxmlformats.org/presentationml/2006/main">
+  <p:cSld>
+    <p:spTree>
+      <p:nvGrpSpPr>
+        <p:cNvPr id="1" name=""/>
+        <p:cNvGrpSpPr/>
+        <p:nvPr/>
+      </p:nvGrpSpPr>
+      <p:grpSpPr>
+        <a:xfrm>
+          <a:off x="0" y="0"/>
+          <a:ext cx="0" cy="0"/>
+          <a:chOff x="0" y="0"/>
+          <a:chExt cx="0" cy="0"/>
+        </a:xfrm>
+      </p:grpSpPr>
+      <p:sp>
+        <p:nvSpPr>
+          <p:cNvPr id="5" name="Rectangle 4"/>
+          <p:cNvSpPr>
+            <a:spLocks noGrp="1" noRot="1" noChangeAspect="1" noMove="1" noResize="1" noEditPoints="1" noAdjustHandles="1" noChangeArrowheads="1" noChangeShapeType="1" noTextEdit="1"/>
+          </p:cNvSpPr>
+          <p:nvPr>
+            <p:extLst>
+              <p:ext uri="{386F3935-93C4-4BCD-93E2-E3B085C9AB24}">
+                <p16:designElem xmlns:p16="http://schemas.microsoft.com/office/powerpoint/2015/main" val="1"/>
+              </p:ext>
+            </p:extLst>
+          </p:nvPr>
+        </p:nvSpPr>
+        <p:spPr>
+          <a:xfrm>
+            <a:off x="0" y="-3324"/>
+            <a:ext cx="12192000" cy="6861324"/>
+          </a:xfrm>
+          <a:prstGeom prst="rect">
+            <a:avLst/>
+          </a:prstGeom>
+          <a:solidFill>
+            <a:srgbClr val="404040"/>
+          </a:solidFill>
+          <a:ln>
+            <a:noFill/>
+          </a:ln>
+        </p:spPr>
+        <p:style>
+          <a:lnRef idx="2">
+            <a:schemeClr val="accent1">
+              <a:shade val="50000"/>
+            </a:schemeClr>
+          </a:lnRef>
+          <a:fillRef idx="1">
+            <a:schemeClr val="accent1"/>
+          </a:fillRef>
+          <a:effectRef idx="0">
+            <a:schemeClr val="accent1"/>
+          </a:effectRef>
+          <a:fontRef idx="minor">
+            <a:schemeClr val="lt1"/>
+          </a:fontRef>
+        </p:style>
+        <p:txBody>
+          <a:bodyPr rtlCol="0" anchor="ctr"/>
+          <a:lstStyle/>
+          <a:p>
+            <a:pPr algn="ctr"/>
+            <a:endParaRPr lang="en-US"/>
+          </a:p>
+        </p:txBody>
+      </p:sp>
+      <p:sp>
+        <p:nvSpPr>
+          <p:cNvPr id="6" name="Freeform 13"/>
+          <p:cNvSpPr>
+            <a:spLocks noGrp="1" noRot="1" noChangeAspect="1" noMove="1" noResize="1" noEditPoints="1" noAdjustHandles="1" noChangeArrowheads="1" noChangeShapeType="1" noTextEdit="1"/>
+          </p:cNvSpPr>
+          <p:nvPr>
+            <p:extLst>
+              <p:ext uri="{386F3935-93C4-4BCD-93E2-E3B085C9AB24}">
+                <p16:designElem xmlns:p16="http://schemas.microsoft.com/office/powerpoint/2015/main" val="1"/>
+              </p:ext>
+            </p:extLst>
+          </p:nvPr>
+        </p:nvSpPr>
+        <p:spPr>
+          <a:xfrm>
+            <a:off x="0" y="0"/>
+            <a:ext cx="11786754" cy="6858000"/>
+          </a:xfrm>
+          <a:custGeom>
+            <a:avLst/>
+            <a:gdLst>
+              <a:gd name="connsiteX0" fmla="*/ 0 w 11786754"/>
+              <a:gd name="connsiteY0" fmla="*/ 0 h 6858000"/>
+              <a:gd name="connsiteX1" fmla="*/ 8610600 w 11786754"/>
+              <a:gd name="connsiteY1" fmla="*/ 0 h 6858000"/>
+              <a:gd name="connsiteX2" fmla="*/ 11786754 w 11786754"/>
+              <a:gd name="connsiteY2" fmla="*/ 6858000 h 6858000"/>
+              <a:gd name="connsiteX3" fmla="*/ 0 w 11786754"/>
+              <a:gd name="connsiteY3" fmla="*/ 6858000 h 6858000"/>
+            </a:gdLst>
+            <a:ahLst/>
+            <a:cxnLst>
+              <a:cxn ang="0">
+                <a:pos x="connsiteX0" y="connsiteY0"/>
+              </a:cxn>
+              <a:cxn ang="0">
+                <a:pos x="connsiteX1" y="connsiteY1"/>
+              </a:cxn>
+              <a:cxn ang="0">
+                <a:pos x="connsiteX2" y="connsiteY2"/>
+              </a:cxn>
+              <a:cxn ang="0">
+                <a:pos x="connsiteX3" y="connsiteY3"/>
+              </a:cxn>
+            </a:cxnLst>
+            <a:rect l="l" t="t" r="r" b="b"/>
+            <a:pathLst>
+              <a:path w="11786754" h="6858000">
+                <a:moveTo>
+                  <a:pt x="0" y="0"/>
+                </a:moveTo>
+                <a:lnTo>
+                  <a:pt x="8610600" y="0"/>
+                </a:lnTo>
+                <a:lnTo>
+                  <a:pt x="11786754" y="6858000"/>
+                </a:lnTo>
+                <a:lnTo>
+                  <a:pt x="0" y="6858000"/>
+                </a:lnTo>
+                <a:close/>
+              </a:path>
+            </a:pathLst>
+          </a:custGeom>
+          <a:solidFill>
+            <a:schemeClr val="bg1">
+              <a:alpha val="30000"/>
+            </a:schemeClr>
+          </a:solidFill>
+          <a:ln>
+            <a:noFill/>
+          </a:ln>
+        </p:spPr>
+        <p:style>
+          <a:lnRef idx="2">
+            <a:schemeClr val="accent1">
+              <a:shade val="50000"/>
+            </a:schemeClr>
+          </a:lnRef>
+          <a:fillRef idx="1">
+            <a:schemeClr val="accent1"/>
+          </a:fillRef>
+          <a:effectRef idx="0">
+            <a:schemeClr val="accent1"/>
+          </a:effectRef>
+          <a:fontRef idx="minor">
+            <a:schemeClr val="lt1"/>
+          </a:fontRef>
+        </p:style>
+        <p:txBody>
+          <a:bodyPr rtlCol="0" anchor="ctr"/>
+          <a:lstStyle/>
+          <a:p>
+            <a:pPr algn="ctr"/>
+            <a:endParaRPr lang="en-US"/>
+          </a:p>
+        </p:txBody>
+      </p:sp>
+      <p:sp>
+        <p:nvSpPr>
+          <p:cNvPr id="7" name="Freeform 11"/>
+          <p:cNvSpPr>
+            <a:spLocks noGrp="1" noRot="1" noChangeAspect="1" noMove="1" noResize="1" noEditPoints="1" noAdjustHandles="1" noChangeArrowheads="1" noChangeShapeType="1" noTextEdit="1"/>
+          </p:cNvSpPr>
+          <p:nvPr>
+            <p:extLst>
+              <p:ext uri="{386F3935-93C4-4BCD-93E2-E3B085C9AB24}">
+                <p16:designElem xmlns:p16="http://schemas.microsoft.com/office/powerpoint/2015/main" val="1"/>
+              </p:ext>
+            </p:extLst>
+          </p:nvPr>
+        </p:nvSpPr>
+        <p:spPr>
+          <a:xfrm>
+            <a:off x="0" y="0"/>
+            <a:ext cx="3581400" cy="6858000"/>
+          </a:xfrm>
+          <a:custGeom>
+            <a:avLst/>
+            <a:gdLst>
+              <a:gd name="connsiteX0" fmla="*/ 0 w 3581400"/>
+              <a:gd name="connsiteY0" fmla="*/ 0 h 6858000"/>
+              <a:gd name="connsiteX1" fmla="*/ 405246 w 3581400"/>
+              <a:gd name="connsiteY1" fmla="*/ 0 h 6858000"/>
+              <a:gd name="connsiteX2" fmla="*/ 3581400 w 3581400"/>
+              <a:gd name="connsiteY2" fmla="*/ 6858000 h 6858000"/>
+              <a:gd name="connsiteX3" fmla="*/ 0 w 3581400"/>
+              <a:gd name="connsiteY3" fmla="*/ 6858000 h 6858000"/>
+            </a:gdLst>
+            <a:ahLst/>
+            <a:cxnLst>
+              <a:cxn ang="0">
+                <a:pos x="connsiteX0" y="connsiteY0"/>
+              </a:cxn>
+              <a:cxn ang="0">
+                <a:pos x="connsiteX1" y="connsiteY1"/>
+              </a:cxn>
+              <a:cxn ang="0">
+                <a:pos x="connsiteX2" y="connsiteY2"/>
+              </a:cxn>
+              <a:cxn ang="0">
+                <a:pos x="connsiteX3" y="connsiteY3"/>
+              </a:cxn>
+            </a:cxnLst>
+            <a:rect l="l" t="t" r="r" b="b"/>
+            <a:pathLst>
+              <a:path w="3581400" h="6858000">
+                <a:moveTo>
+                  <a:pt x="0" y="0"/>
+                </a:moveTo>
+                <a:lnTo>
+                  <a:pt x="405246" y="0"/>
+                </a:lnTo>
+                <a:lnTo>
+                  <a:pt x="3581400" y="6858000"/>
+                </a:lnTo>
+                <a:lnTo>
+                  <a:pt x="0" y="6858000"/>
+                </a:lnTo>
+                <a:close/>
+              </a:path>
+            </a:pathLst>
+          </a:custGeom>
+          <a:solidFill>
+            <a:schemeClr val="bg1">
+              <a:alpha val="30000"/>
+            </a:schemeClr>
+          </a:solidFill>
+          <a:ln>
+            <a:noFill/>
+          </a:ln>
+        </p:spPr>
+        <p:style>
+          <a:lnRef idx="2">
+            <a:schemeClr val="accent1">
+              <a:shade val="50000"/>
+            </a:schemeClr>
+          </a:lnRef>
+          <a:fillRef idx="1">
+            <a:schemeClr val="accent1"/>
+          </a:fillRef>
+          <a:effectRef idx="0">
+            <a:schemeClr val="accent1"/>
+          </a:effectRef>
+          <a:fontRef idx="minor">
+            <a:schemeClr val="lt1"/>
+          </a:fontRef>
+        </p:style>
+        <p:txBody>
+          <a:bodyPr wrap="square" rtlCol="0" anchor="ctr">
+            <a:noAutofit/>
+          </a:bodyPr>
+          <a:lstStyle/>
+          <a:p>
+            <a:pPr algn="ctr"/>
+            <a:endParaRPr lang="en-US"/>
+          </a:p>
+        </p:txBody>
+      </p:sp>
+      <p:sp>
+        <p:nvSpPr>
+          <p:cNvPr id="2" name="Title 1"/>
+          <p:cNvSpPr>
+            <a:spLocks noGrp="1"/>
+          </p:cNvSpPr>
+          <p:nvPr>
+            <p:ph type="title"/>
+          </p:nvPr>
+        </p:nvSpPr>
+        <p:spPr>
+          <a:xfrm>
+            <a:off x="833002" y="365125"/>
+            <a:ext cx="10520702" cy="1325563"/>
+          </a:xfrm>
+        </p:spPr>
+        <p:txBody>
+          <a:bodyPr>
+            <a:normAutofit/>
+          </a:bodyPr>
+          <a:lstStyle/>
+          <a:p>
+            <a:r>
+              <a:rPr lang="en-US" dirty="0"/>
+              <a:t>View Customer Email</a:t>
+            </a:r>
+          </a:p>
+        </p:txBody>
+      </p:sp>
+      <p:sp>
+        <p:nvSpPr>
+          <p:cNvPr id="3" name="Content Placeholder 2"/>
+          <p:cNvSpPr>
+            <a:spLocks noGrp="1"/>
+          </p:cNvSpPr>
+          <p:nvPr>
+            <p:ph idx="1"/>
+          </p:nvPr>
+        </p:nvSpPr>
+        <p:spPr>
+          <a:xfrm>
+            <a:off x="838201" y="2022601"/>
+            <a:ext cx="10515598" cy="4154361"/>
+          </a:xfrm>
+        </p:spPr>
+        <p:txBody>
+          <a:bodyPr>
+            <a:normAutofit/>
+          </a:bodyPr>
+          <a:lstStyle/>
+          <a:p>
+            <a:pPr marL="0" indent="0">
+              <a:lnSpc>
+                <a:spcPct val="80000"/>
+              </a:lnSpc>
+              <a:buNone/>
+            </a:pPr>
+            <a:r>
+              <a:rPr lang="en-US" sz="2000"/>
+              <a:t>In a web browser, open the email Inbox for the customer’s Microsoft Account you logged into the mobile app with. </a:t>
+            </a:r>
+          </a:p>
+          <a:p>
+            <a:pPr marL="0" indent="0">
+              <a:lnSpc>
+                <a:spcPct val="80000"/>
+              </a:lnSpc>
+              <a:buNone/>
+            </a:pPr>
+            <a:endParaRPr lang="en-US" sz="2000"/>
+          </a:p>
+          <a:p>
+            <a:pPr marL="0" indent="0">
+              <a:lnSpc>
+                <a:spcPct val="80000"/>
+              </a:lnSpc>
+              <a:buNone/>
+            </a:pPr>
+            <a:r>
+              <a:rPr lang="en-US" sz="2000"/>
+              <a:t>(Ex: </a:t>
+            </a:r>
+            <a:r>
+              <a:rPr lang="en-US" sz="2000">
+                <a:hlinkClick r:id="rId2"/>
+              </a:rPr>
+              <a:t>https://www.outlook.com</a:t>
+            </a:r>
+            <a:r>
+              <a:rPr lang="en-US" sz="2000"/>
+              <a:t> )</a:t>
+            </a:r>
+          </a:p>
+          <a:p>
+            <a:pPr marL="0" indent="0">
+              <a:lnSpc>
+                <a:spcPct val="80000"/>
+              </a:lnSpc>
+              <a:buNone/>
+            </a:pPr>
+            <a:endParaRPr lang="en-US" sz="2000"/>
+          </a:p>
+          <a:p>
+            <a:pPr marL="0" indent="0">
+              <a:lnSpc>
+                <a:spcPct val="80000"/>
+              </a:lnSpc>
+              <a:buNone/>
+            </a:pPr>
+            <a:r>
+              <a:rPr lang="en-US" sz="2000"/>
+              <a:t>View the email sent to the customer.</a:t>
+            </a:r>
+          </a:p>
+          <a:p>
+            <a:pPr marL="0" indent="0">
+              <a:lnSpc>
+                <a:spcPct val="80000"/>
+              </a:lnSpc>
+              <a:buNone/>
+            </a:pPr>
+            <a:endParaRPr lang="en-US" sz="2000"/>
+          </a:p>
+          <a:p>
+            <a:pPr>
+              <a:lnSpc>
+                <a:spcPct val="80000"/>
+              </a:lnSpc>
+            </a:pPr>
+            <a:r>
+              <a:rPr lang="en-US" sz="2000" b="1"/>
+              <a:t>If this is the first time you have submitted a claim for the customer </a:t>
+            </a:r>
+            <a:r>
+              <a:rPr lang="en-US" sz="2000"/>
+              <a:t>their claim will be </a:t>
+            </a:r>
+            <a:r>
+              <a:rPr lang="en-US" sz="2000" b="1"/>
+              <a:t>auto approved </a:t>
+            </a:r>
+            <a:r>
+              <a:rPr lang="en-US" sz="2000"/>
+              <a:t>and the email will state that.</a:t>
+            </a:r>
+          </a:p>
+          <a:p>
+            <a:pPr>
+              <a:lnSpc>
+                <a:spcPct val="80000"/>
+              </a:lnSpc>
+            </a:pPr>
+            <a:endParaRPr lang="en-US" sz="2000"/>
+          </a:p>
+          <a:p>
+            <a:pPr>
+              <a:lnSpc>
+                <a:spcPct val="80000"/>
+              </a:lnSpc>
+            </a:pPr>
+            <a:r>
+              <a:rPr lang="en-US" sz="2000" b="1"/>
+              <a:t>If this is not the first time you have submitted a claim for the customer </a:t>
+            </a:r>
+            <a:r>
+              <a:rPr lang="en-US" sz="2000"/>
+              <a:t>their claim will </a:t>
+            </a:r>
+            <a:r>
+              <a:rPr lang="en-US" sz="2000" b="1"/>
+              <a:t>not be auto approved </a:t>
+            </a:r>
+            <a:r>
+              <a:rPr lang="en-US" sz="2000"/>
+              <a:t>and the email will state that.</a:t>
+            </a:r>
+          </a:p>
+          <a:p>
+            <a:pPr marL="0" indent="0">
+              <a:lnSpc>
+                <a:spcPct val="80000"/>
+              </a:lnSpc>
+              <a:buNone/>
+            </a:pPr>
+            <a:endParaRPr lang="en-US" sz="2000"/>
+          </a:p>
+        </p:txBody>
+      </p:sp>
+    </p:spTree>
+    <p:extLst>
+      <p:ext uri="{BB962C8B-B14F-4D97-AF65-F5344CB8AC3E}">
+        <p14:creationId xmlns:p14="http://schemas.microsoft.com/office/powerpoint/2010/main" val="844553338"/>
       </p:ext>
     </p:extLst>
   </p:cSld>
@@ -6024,7 +6144,7 @@
           <a:p>
             <a:r>
               <a:rPr lang="en-US" dirty="0"/>
-              <a:t>View Customer Email</a:t>
+              <a:t>View Claims Adjuster Email</a:t>
             </a:r>
           </a:p>
         </p:txBody>
@@ -6059,7 +6179,7 @@
             </a:pPr>
             <a:r>
               <a:rPr lang="en-US" sz="2000"/>
-              <a:t>In a web browser, open the email Inbox for the customer’s Microsoft Account you logged into the mobile app with. </a:t>
+              <a:t>In a web browser, open the email Inbox for the claim adjuster’s Organizational Account. </a:t>
             </a:r>
           </a:p>
           <a:p>
@@ -6086,7 +6206,7 @@
               <a:rPr lang="en-US" sz="2000">
                 <a:hlinkClick r:id="rId2"/>
               </a:rPr>
-              <a:t>https://www.outlook.com</a:t>
+              <a:t>https://portal.office.com</a:t>
             </a:r>
             <a:r>
               <a:rPr lang="en-US" sz="2000"/>
@@ -6111,7 +6231,7 @@
             </a:pPr>
             <a:r>
               <a:rPr lang="en-US" sz="2000"/>
-              <a:t>View the email sent to the customer.</a:t>
+              <a:t>View the email sent to the claims adjuster and click the link in the email to open the web app and view the claim detail.</a:t>
             </a:r>
           </a:p>
           <a:p>
@@ -6143,7 +6263,15 @@
             </a:r>
             <a:r>
               <a:rPr lang="en-US" sz="2000"/>
-              <a:t>and the email will state that.</a:t>
+              <a:t>and the </a:t>
+            </a:r>
+            <a:r>
+              <a:rPr lang="en-US" sz="2000" b="1"/>
+              <a:t>claims adjuster will not receive an email</a:t>
+            </a:r>
+            <a:r>
+              <a:rPr lang="en-US" sz="2000"/>
+              <a:t>.</a:t>
             </a:r>
           </a:p>
           <a:p>
@@ -6174,7 +6302,15 @@
             </a:r>
             <a:r>
               <a:rPr lang="en-US" sz="2000"/>
-              <a:t>and the email will state that.</a:t>
+              <a:t>and the </a:t>
+            </a:r>
+            <a:r>
+              <a:rPr lang="en-US" sz="2000" b="1"/>
+              <a:t>claims adjuster will receive an email</a:t>
+            </a:r>
+            <a:r>
+              <a:rPr lang="en-US" sz="2000"/>
+              <a:t>.</a:t>
             </a:r>
           </a:p>
           <a:p>
@@ -6191,7 +6327,7 @@
     </p:spTree>
     <p:extLst>
       <p:ext uri="{BB962C8B-B14F-4D97-AF65-F5344CB8AC3E}">
-        <p14:creationId xmlns:p14="http://schemas.microsoft.com/office/powerpoint/2010/main" val="844553338"/>
+        <p14:creationId xmlns:p14="http://schemas.microsoft.com/office/powerpoint/2010/main" val="2242880519"/>
       </p:ext>
     </p:extLst>
   </p:cSld>
@@ -6220,7 +6356,7 @@
       </p:grpSpPr>
       <p:sp>
         <p:nvSpPr>
-          <p:cNvPr id="5" name="Rectangle 4"/>
+          <p:cNvPr id="11" name="Rectangle 10"/>
           <p:cNvSpPr>
             <a:spLocks noGrp="1" noRot="1" noChangeAspect="1" noMove="1" noResize="1" noEditPoints="1" noAdjustHandles="1" noChangeArrowheads="1" noChangeShapeType="1" noTextEdit="1"/>
           </p:cNvSpPr>
@@ -6232,19 +6368,82 @@
             </p:extLst>
           </p:nvPr>
         </p:nvSpPr>
-        <p:spPr>
-          <a:xfrm>
-            <a:off x="0" y="-3324"/>
-            <a:ext cx="12192000" cy="6861324"/>
+        <p:spPr bwMode="white">
+          <a:xfrm>
+            <a:off x="0" y="0"/>
+            <a:ext cx="12192000" cy="6858000"/>
           </a:xfrm>
           <a:prstGeom prst="rect">
             <a:avLst/>
           </a:prstGeom>
           <a:solidFill>
-            <a:srgbClr val="404040"/>
+            <a:schemeClr val="bg1"/>
           </a:solidFill>
           <a:ln>
             <a:noFill/>
+          </a:ln>
+          <a:effectLst/>
+        </p:spPr>
+      </p:sp>
+      <p:pic>
+        <p:nvPicPr>
+          <p:cNvPr id="4" name="Picture 3"/>
+          <p:cNvPicPr>
+            <a:picLocks noChangeAspect="1"/>
+          </p:cNvPicPr>
+          <p:nvPr/>
+        </p:nvPicPr>
+        <p:blipFill>
+          <a:blip r:embed="rId2"/>
+          <a:stretch>
+            <a:fillRect/>
+          </a:stretch>
+        </p:blipFill>
+        <p:spPr>
+          <a:xfrm>
+            <a:off x="5153822" y="1098271"/>
+            <a:ext cx="6553545" cy="4669399"/>
+          </a:xfrm>
+          <a:prstGeom prst="rect">
+            <a:avLst/>
+          </a:prstGeom>
+        </p:spPr>
+      </p:pic>
+      <p:sp>
+        <p:nvSpPr>
+          <p:cNvPr id="12" name="Rectangle 11"/>
+          <p:cNvSpPr>
+            <a:spLocks noGrp="1" noRot="1" noChangeAspect="1" noMove="1" noResize="1" noEditPoints="1" noAdjustHandles="1" noChangeArrowheads="1" noChangeShapeType="1" noTextEdit="1"/>
+          </p:cNvSpPr>
+          <p:nvPr>
+            <p:extLst>
+              <p:ext uri="{386F3935-93C4-4BCD-93E2-E3B085C9AB24}">
+                <p16:designElem xmlns:p16="http://schemas.microsoft.com/office/powerpoint/2015/main" val="1"/>
+              </p:ext>
+            </p:extLst>
+          </p:nvPr>
+        </p:nvSpPr>
+        <p:spPr bwMode="ltGray">
+          <a:xfrm>
+            <a:off x="336884" y="311449"/>
+            <a:ext cx="4332307" cy="6179552"/>
+          </a:xfrm>
+          <a:prstGeom prst="rect">
+            <a:avLst/>
+          </a:prstGeom>
+          <a:solidFill>
+            <a:schemeClr val="tx1">
+              <a:lumMod val="75000"/>
+              <a:lumOff val="25000"/>
+            </a:schemeClr>
+          </a:solidFill>
+          <a:ln w="127000" cap="sq" cmpd="thinThick">
+            <a:solidFill>
+              <a:schemeClr val="tx1">
+                <a:lumMod val="75000"/>
+                <a:lumOff val="25000"/>
+              </a:schemeClr>
+            </a:solidFill>
           </a:ln>
         </p:spPr>
         <p:style>
@@ -6274,207 +6473,7 @@
       </p:sp>
       <p:sp>
         <p:nvSpPr>
-          <p:cNvPr id="6" name="Freeform 13"/>
-          <p:cNvSpPr>
-            <a:spLocks noGrp="1" noRot="1" noChangeAspect="1" noMove="1" noResize="1" noEditPoints="1" noAdjustHandles="1" noChangeArrowheads="1" noChangeShapeType="1" noTextEdit="1"/>
-          </p:cNvSpPr>
-          <p:nvPr>
-            <p:extLst>
-              <p:ext uri="{386F3935-93C4-4BCD-93E2-E3B085C9AB24}">
-                <p16:designElem xmlns:p16="http://schemas.microsoft.com/office/powerpoint/2015/main" val="1"/>
-              </p:ext>
-            </p:extLst>
-          </p:nvPr>
-        </p:nvSpPr>
-        <p:spPr>
-          <a:xfrm>
-            <a:off x="0" y="0"/>
-            <a:ext cx="11786754" cy="6858000"/>
-          </a:xfrm>
-          <a:custGeom>
-            <a:avLst/>
-            <a:gdLst>
-              <a:gd name="connsiteX0" fmla="*/ 0 w 11786754"/>
-              <a:gd name="connsiteY0" fmla="*/ 0 h 6858000"/>
-              <a:gd name="connsiteX1" fmla="*/ 8610600 w 11786754"/>
-              <a:gd name="connsiteY1" fmla="*/ 0 h 6858000"/>
-              <a:gd name="connsiteX2" fmla="*/ 11786754 w 11786754"/>
-              <a:gd name="connsiteY2" fmla="*/ 6858000 h 6858000"/>
-              <a:gd name="connsiteX3" fmla="*/ 0 w 11786754"/>
-              <a:gd name="connsiteY3" fmla="*/ 6858000 h 6858000"/>
-            </a:gdLst>
-            <a:ahLst/>
-            <a:cxnLst>
-              <a:cxn ang="0">
-                <a:pos x="connsiteX0" y="connsiteY0"/>
-              </a:cxn>
-              <a:cxn ang="0">
-                <a:pos x="connsiteX1" y="connsiteY1"/>
-              </a:cxn>
-              <a:cxn ang="0">
-                <a:pos x="connsiteX2" y="connsiteY2"/>
-              </a:cxn>
-              <a:cxn ang="0">
-                <a:pos x="connsiteX3" y="connsiteY3"/>
-              </a:cxn>
-            </a:cxnLst>
-            <a:rect l="l" t="t" r="r" b="b"/>
-            <a:pathLst>
-              <a:path w="11786754" h="6858000">
-                <a:moveTo>
-                  <a:pt x="0" y="0"/>
-                </a:moveTo>
-                <a:lnTo>
-                  <a:pt x="8610600" y="0"/>
-                </a:lnTo>
-                <a:lnTo>
-                  <a:pt x="11786754" y="6858000"/>
-                </a:lnTo>
-                <a:lnTo>
-                  <a:pt x="0" y="6858000"/>
-                </a:lnTo>
-                <a:close/>
-              </a:path>
-            </a:pathLst>
-          </a:custGeom>
-          <a:solidFill>
-            <a:schemeClr val="bg1">
-              <a:alpha val="30000"/>
-            </a:schemeClr>
-          </a:solidFill>
-          <a:ln>
-            <a:noFill/>
-          </a:ln>
-        </p:spPr>
-        <p:style>
-          <a:lnRef idx="2">
-            <a:schemeClr val="accent1">
-              <a:shade val="50000"/>
-            </a:schemeClr>
-          </a:lnRef>
-          <a:fillRef idx="1">
-            <a:schemeClr val="accent1"/>
-          </a:fillRef>
-          <a:effectRef idx="0">
-            <a:schemeClr val="accent1"/>
-          </a:effectRef>
-          <a:fontRef idx="minor">
-            <a:schemeClr val="lt1"/>
-          </a:fontRef>
-        </p:style>
-        <p:txBody>
-          <a:bodyPr rtlCol="0" anchor="ctr"/>
-          <a:lstStyle/>
-          <a:p>
-            <a:pPr algn="ctr"/>
-            <a:endParaRPr lang="en-US"/>
-          </a:p>
-        </p:txBody>
-      </p:sp>
-      <p:sp>
-        <p:nvSpPr>
-          <p:cNvPr id="7" name="Freeform 11"/>
-          <p:cNvSpPr>
-            <a:spLocks noGrp="1" noRot="1" noChangeAspect="1" noMove="1" noResize="1" noEditPoints="1" noAdjustHandles="1" noChangeArrowheads="1" noChangeShapeType="1" noTextEdit="1"/>
-          </p:cNvSpPr>
-          <p:nvPr>
-            <p:extLst>
-              <p:ext uri="{386F3935-93C4-4BCD-93E2-E3B085C9AB24}">
-                <p16:designElem xmlns:p16="http://schemas.microsoft.com/office/powerpoint/2015/main" val="1"/>
-              </p:ext>
-            </p:extLst>
-          </p:nvPr>
-        </p:nvSpPr>
-        <p:spPr>
-          <a:xfrm>
-            <a:off x="0" y="0"/>
-            <a:ext cx="3581400" cy="6858000"/>
-          </a:xfrm>
-          <a:custGeom>
-            <a:avLst/>
-            <a:gdLst>
-              <a:gd name="connsiteX0" fmla="*/ 0 w 3581400"/>
-              <a:gd name="connsiteY0" fmla="*/ 0 h 6858000"/>
-              <a:gd name="connsiteX1" fmla="*/ 405246 w 3581400"/>
-              <a:gd name="connsiteY1" fmla="*/ 0 h 6858000"/>
-              <a:gd name="connsiteX2" fmla="*/ 3581400 w 3581400"/>
-              <a:gd name="connsiteY2" fmla="*/ 6858000 h 6858000"/>
-              <a:gd name="connsiteX3" fmla="*/ 0 w 3581400"/>
-              <a:gd name="connsiteY3" fmla="*/ 6858000 h 6858000"/>
-            </a:gdLst>
-            <a:ahLst/>
-            <a:cxnLst>
-              <a:cxn ang="0">
-                <a:pos x="connsiteX0" y="connsiteY0"/>
-              </a:cxn>
-              <a:cxn ang="0">
-                <a:pos x="connsiteX1" y="connsiteY1"/>
-              </a:cxn>
-              <a:cxn ang="0">
-                <a:pos x="connsiteX2" y="connsiteY2"/>
-              </a:cxn>
-              <a:cxn ang="0">
-                <a:pos x="connsiteX3" y="connsiteY3"/>
-              </a:cxn>
-            </a:cxnLst>
-            <a:rect l="l" t="t" r="r" b="b"/>
-            <a:pathLst>
-              <a:path w="3581400" h="6858000">
-                <a:moveTo>
-                  <a:pt x="0" y="0"/>
-                </a:moveTo>
-                <a:lnTo>
-                  <a:pt x="405246" y="0"/>
-                </a:lnTo>
-                <a:lnTo>
-                  <a:pt x="3581400" y="6858000"/>
-                </a:lnTo>
-                <a:lnTo>
-                  <a:pt x="0" y="6858000"/>
-                </a:lnTo>
-                <a:close/>
-              </a:path>
-            </a:pathLst>
-          </a:custGeom>
-          <a:solidFill>
-            <a:schemeClr val="bg1">
-              <a:alpha val="30000"/>
-            </a:schemeClr>
-          </a:solidFill>
-          <a:ln>
-            <a:noFill/>
-          </a:ln>
-        </p:spPr>
-        <p:style>
-          <a:lnRef idx="2">
-            <a:schemeClr val="accent1">
-              <a:shade val="50000"/>
-            </a:schemeClr>
-          </a:lnRef>
-          <a:fillRef idx="1">
-            <a:schemeClr val="accent1"/>
-          </a:fillRef>
-          <a:effectRef idx="0">
-            <a:schemeClr val="accent1"/>
-          </a:effectRef>
-          <a:fontRef idx="minor">
-            <a:schemeClr val="lt1"/>
-          </a:fontRef>
-        </p:style>
-        <p:txBody>
-          <a:bodyPr wrap="square" rtlCol="0" anchor="ctr">
-            <a:noAutofit/>
-          </a:bodyPr>
-          <a:lstStyle/>
-          <a:p>
-            <a:pPr algn="ctr"/>
-            <a:endParaRPr lang="en-US"/>
-          </a:p>
-        </p:txBody>
-      </p:sp>
-      <p:sp>
-        <p:nvSpPr>
-          <p:cNvPr id="2" name="Title 1"/>
+          <p:cNvPr id="2" name="标题 1"/>
           <p:cNvSpPr>
             <a:spLocks noGrp="1"/>
           </p:cNvSpPr>
@@ -6484,207 +6483,37 @@
         </p:nvSpPr>
         <p:spPr>
           <a:xfrm>
-            <a:off x="833002" y="365125"/>
-            <a:ext cx="10520702" cy="1325563"/>
-          </a:xfrm>
-        </p:spPr>
-        <p:txBody>
-          <a:bodyPr>
+            <a:off x="742950" y="742951"/>
+            <a:ext cx="3476625" cy="4962524"/>
+          </a:xfrm>
+        </p:spPr>
+        <p:txBody>
+          <a:bodyPr vert="horz" lIns="91440" tIns="45720" rIns="91440" bIns="45720" rtlCol="0" anchor="ctr">
             <a:normAutofit/>
           </a:bodyPr>
           <a:lstStyle/>
           <a:p>
-            <a:r>
-              <a:rPr lang="en-US" dirty="0"/>
-              <a:t>View Claims Adjuster Email</a:t>
-            </a:r>
-          </a:p>
-        </p:txBody>
-      </p:sp>
-      <p:sp>
-        <p:nvSpPr>
-          <p:cNvPr id="3" name="Content Placeholder 2"/>
-          <p:cNvSpPr>
-            <a:spLocks noGrp="1"/>
-          </p:cNvSpPr>
-          <p:nvPr>
-            <p:ph idx="1"/>
-          </p:nvPr>
-        </p:nvSpPr>
-        <p:spPr>
-          <a:xfrm>
-            <a:off x="838201" y="2022601"/>
-            <a:ext cx="10515598" cy="4154361"/>
-          </a:xfrm>
-        </p:spPr>
-        <p:txBody>
-          <a:bodyPr>
-            <a:normAutofit/>
-          </a:bodyPr>
-          <a:lstStyle/>
-          <a:p>
-            <a:pPr marL="0" indent="0">
-              <a:lnSpc>
-                <a:spcPct val="80000"/>
-              </a:lnSpc>
-              <a:buNone/>
-            </a:pPr>
-            <a:r>
-              <a:rPr lang="en-US" sz="2000"/>
-              <a:t>In a web browser, open the email Inbox for the claim adjuster’s Organizational Account. </a:t>
-            </a:r>
-          </a:p>
-          <a:p>
-            <a:pPr marL="0" indent="0">
-              <a:lnSpc>
-                <a:spcPct val="80000"/>
-              </a:lnSpc>
-              <a:buNone/>
-            </a:pPr>
-            <a:endParaRPr lang="en-US" sz="2000"/>
-          </a:p>
-          <a:p>
-            <a:pPr marL="0" indent="0">
-              <a:lnSpc>
-                <a:spcPct val="80000"/>
-              </a:lnSpc>
-              <a:buNone/>
-            </a:pPr>
-            <a:r>
-              <a:rPr lang="en-US" sz="2000"/>
-              <a:t>(Ex: </a:t>
-            </a:r>
-            <a:r>
-              <a:rPr lang="en-US" sz="2000">
-                <a:hlinkClick r:id="rId2"/>
+            <a:pPr algn="ctr"/>
+            <a:r>
+              <a:rPr lang="en-US" altLang="zh-CN" sz="4800" dirty="0">
+                <a:solidFill>
+                  <a:schemeClr val="bg1"/>
+                </a:solidFill>
               </a:rPr>
-              <a:t>https://portal.office.com</a:t>
-            </a:r>
-            <a:r>
-              <a:rPr lang="en-US" sz="2000"/>
-              <a:t> )</a:t>
-            </a:r>
-          </a:p>
-          <a:p>
-            <a:pPr marL="0" indent="0">
-              <a:lnSpc>
-                <a:spcPct val="80000"/>
-              </a:lnSpc>
-              <a:buNone/>
-            </a:pPr>
-            <a:endParaRPr lang="en-US" sz="2000"/>
-          </a:p>
-          <a:p>
-            <a:pPr marL="0" indent="0">
-              <a:lnSpc>
-                <a:spcPct val="80000"/>
-              </a:lnSpc>
-              <a:buNone/>
-            </a:pPr>
-            <a:r>
-              <a:rPr lang="en-US" sz="2000"/>
-              <a:t>View the email sent to the claims adjuster and click the link in the email to open the web app and view the claim detail.</a:t>
-            </a:r>
-          </a:p>
-          <a:p>
-            <a:pPr marL="0" indent="0">
-              <a:lnSpc>
-                <a:spcPct val="80000"/>
-              </a:lnSpc>
-              <a:buNone/>
-            </a:pPr>
-            <a:endParaRPr lang="en-US" sz="2000"/>
-          </a:p>
-          <a:p>
-            <a:pPr>
-              <a:lnSpc>
-                <a:spcPct val="80000"/>
-              </a:lnSpc>
-            </a:pPr>
-            <a:r>
-              <a:rPr lang="en-US" sz="2000" b="1"/>
-              <a:t>If this is the first time you have submitted a claim for the customer </a:t>
-            </a:r>
-            <a:r>
-              <a:rPr lang="en-US" sz="2000"/>
-              <a:t>their claim will be </a:t>
-            </a:r>
-            <a:r>
-              <a:rPr lang="en-US" sz="2000" b="1"/>
-              <a:t>auto approved </a:t>
-            </a:r>
-            <a:r>
-              <a:rPr lang="en-US" sz="2000"/>
-              <a:t>and the </a:t>
-            </a:r>
-            <a:r>
-              <a:rPr lang="en-US" sz="2000" b="1"/>
-              <a:t>claims adjuster will not receive an email</a:t>
-            </a:r>
-            <a:r>
-              <a:rPr lang="en-US" sz="2000"/>
-              <a:t>.</a:t>
-            </a:r>
-          </a:p>
-          <a:p>
-            <a:pPr>
-              <a:lnSpc>
-                <a:spcPct val="80000"/>
-              </a:lnSpc>
-            </a:pPr>
-            <a:endParaRPr lang="en-US" sz="2000"/>
-          </a:p>
-          <a:p>
-            <a:pPr>
-              <a:lnSpc>
-                <a:spcPct val="80000"/>
-              </a:lnSpc>
-            </a:pPr>
-            <a:r>
-              <a:rPr lang="en-US" sz="2000" b="1"/>
-              <a:t>If this is not the first time you have submitted a claim for the customer </a:t>
-            </a:r>
-            <a:r>
-              <a:rPr lang="en-US" sz="2000"/>
-              <a:t>their claim will </a:t>
-            </a:r>
-            <a:r>
-              <a:rPr lang="en-US" sz="2000" b="1"/>
-              <a:t>not be auto approved </a:t>
-            </a:r>
-            <a:r>
-              <a:rPr lang="en-US" sz="2000"/>
-              <a:t>and the </a:t>
-            </a:r>
-            <a:r>
-              <a:rPr lang="en-US" sz="2000" b="1"/>
-              <a:t>claims adjuster will receive an email</a:t>
-            </a:r>
-            <a:r>
-              <a:rPr lang="en-US" sz="2000"/>
-              <a:t>.</a:t>
-            </a:r>
-          </a:p>
-          <a:p>
-            <a:pPr marL="0" indent="0">
-              <a:lnSpc>
-                <a:spcPct val="80000"/>
-              </a:lnSpc>
-              <a:buNone/>
-            </a:pPr>
-            <a:endParaRPr lang="en-US" sz="2000"/>
+              <a:t>Open the web app and view the data in the DETAILS tab.</a:t>
+            </a:r>
           </a:p>
         </p:txBody>
       </p:sp>
     </p:spTree>
     <p:extLst>
       <p:ext uri="{BB962C8B-B14F-4D97-AF65-F5344CB8AC3E}">
-        <p14:creationId xmlns:p14="http://schemas.microsoft.com/office/powerpoint/2010/main" val="2242880519"/>
+        <p14:creationId xmlns:p14="http://schemas.microsoft.com/office/powerpoint/2010/main" val="1630379644"/>
       </p:ext>
     </p:extLst>
   </p:cSld>
   <p:clrMapOvr>
-    <a:overrideClrMapping bg1="dk1" tx1="lt1" bg2="dk2" tx2="lt2" accent1="accent1" accent2="accent2" accent3="accent3" accent4="accent4" accent5="accent5" accent6="accent6" hlink="hlink" folHlink="folHlink"/>
+    <a:masterClrMapping/>
   </p:clrMapOvr>
 </p:sld>
 </file>
@@ -6739,7 +6568,7 @@
       </p:sp>
       <p:pic>
         <p:nvPicPr>
-          <p:cNvPr id="4" name="Picture 3"/>
+          <p:cNvPr id="3" name="Picture 2"/>
           <p:cNvPicPr>
             <a:picLocks noChangeAspect="1"/>
           </p:cNvPicPr>
@@ -6753,8 +6582,8 @@
         </p:blipFill>
         <p:spPr>
           <a:xfrm>
-            <a:off x="5153822" y="1098271"/>
-            <a:ext cx="6553545" cy="4669399"/>
+            <a:off x="5153822" y="500260"/>
+            <a:ext cx="6553545" cy="5865422"/>
           </a:xfrm>
           <a:prstGeom prst="rect">
             <a:avLst/>
@@ -6852,7 +6681,23 @@
                   <a:schemeClr val="bg1"/>
                 </a:solidFill>
               </a:rPr>
-              <a:t>Open the web app and view the data in the DETAILS tab.</a:t>
+              <a:t>Open the web app and view the data in the 2</a:t>
+            </a:r>
+            <a:r>
+              <a:rPr lang="en-US" altLang="zh-CN" sz="4800" baseline="30000" dirty="0">
+                <a:solidFill>
+                  <a:schemeClr val="bg1"/>
+                </a:solidFill>
+              </a:rPr>
+              <a:t>nd</a:t>
+            </a:r>
+            <a:r>
+              <a:rPr lang="en-US" altLang="zh-CN" sz="4800" dirty="0">
+                <a:solidFill>
+                  <a:schemeClr val="bg1"/>
+                </a:solidFill>
+              </a:rPr>
+              <a:t> PARTY tab. </a:t>
             </a:r>
           </a:p>
         </p:txBody>
@@ -6860,7 +6705,7 @@
     </p:spTree>
     <p:extLst>
       <p:ext uri="{BB962C8B-B14F-4D97-AF65-F5344CB8AC3E}">
-        <p14:creationId xmlns:p14="http://schemas.microsoft.com/office/powerpoint/2010/main" val="1630379644"/>
+        <p14:creationId xmlns:p14="http://schemas.microsoft.com/office/powerpoint/2010/main" val="4122867900"/>
       </p:ext>
     </p:extLst>
   </p:cSld>
@@ -7257,7 +7102,7 @@
       </p:grpSpPr>
       <p:sp>
         <p:nvSpPr>
-          <p:cNvPr id="11" name="Rectangle 10"/>
+          <p:cNvPr id="6" name="Rectangle 5"/>
           <p:cNvSpPr>
             <a:spLocks noGrp="1" noRot="1" noChangeAspect="1" noMove="1" noResize="1" noEditPoints="1" noAdjustHandles="1" noChangeArrowheads="1" noChangeShapeType="1" noTextEdit="1"/>
           </p:cNvSpPr>
@@ -7286,33 +7131,9 @@
           <a:effectLst/>
         </p:spPr>
       </p:sp>
-      <p:pic>
-        <p:nvPicPr>
-          <p:cNvPr id="3" name="Picture 2"/>
-          <p:cNvPicPr>
-            <a:picLocks noChangeAspect="1"/>
-          </p:cNvPicPr>
-          <p:nvPr/>
-        </p:nvPicPr>
-        <p:blipFill>
-          <a:blip r:embed="rId2"/>
-          <a:stretch>
-            <a:fillRect/>
-          </a:stretch>
-        </p:blipFill>
-        <p:spPr>
-          <a:xfrm>
-            <a:off x="5153822" y="500260"/>
-            <a:ext cx="6553545" cy="5865422"/>
-          </a:xfrm>
-          <a:prstGeom prst="rect">
-            <a:avLst/>
-          </a:prstGeom>
-        </p:spPr>
-      </p:pic>
-      <p:sp>
-        <p:nvSpPr>
-          <p:cNvPr id="12" name="Rectangle 11"/>
+      <p:sp>
+        <p:nvSpPr>
+          <p:cNvPr id="7" name="Rectangle 6"/>
           <p:cNvSpPr>
             <a:spLocks noGrp="1" noRot="1" noChangeAspect="1" noMove="1" noResize="1" noEditPoints="1" noAdjustHandles="1" noChangeArrowheads="1" noChangeShapeType="1" noTextEdit="1"/>
           </p:cNvSpPr>
@@ -7326,8 +7147,8 @@
         </p:nvSpPr>
         <p:spPr bwMode="ltGray">
           <a:xfrm>
-            <a:off x="336884" y="311449"/>
-            <a:ext cx="4332307" cy="6179552"/>
+            <a:off x="378068" y="4633546"/>
+            <a:ext cx="11438793" cy="1844256"/>
           </a:xfrm>
           <a:prstGeom prst="rect">
             <a:avLst/>
@@ -7372,6 +7193,97 @@
           </a:p>
         </p:txBody>
       </p:sp>
+      <p:cxnSp>
+        <p:nvCxnSpPr>
+          <p:cNvPr id="8" name="Straight Connector 7"/>
+          <p:cNvCxnSpPr>
+            <a:cxnSpLocks noGrp="1" noRot="1" noChangeAspect="1" noMove="1" noResize="1" noEditPoints="1" noAdjustHandles="1" noChangeArrowheads="1" noChangeShapeType="1"/>
+          </p:cNvCxnSpPr>
+          <p:nvPr>
+            <p:extLst>
+              <p:ext uri="{386F3935-93C4-4BCD-93E2-E3B085C9AB24}">
+                <p16:designElem xmlns:p16="http://schemas.microsoft.com/office/powerpoint/2015/main" val="1"/>
+              </p:ext>
+            </p:extLst>
+          </p:nvPr>
+        </p:nvCxnSpPr>
+        <p:spPr>
+          <a:xfrm>
+            <a:off x="2209800" y="5738691"/>
+            <a:ext cx="7772400" cy="0"/>
+          </a:xfrm>
+          <a:prstGeom prst="line">
+            <a:avLst/>
+          </a:prstGeom>
+          <a:ln w="22225">
+            <a:solidFill>
+              <a:schemeClr val="bg1">
+                <a:lumMod val="85000"/>
+              </a:schemeClr>
+            </a:solidFill>
+          </a:ln>
+        </p:spPr>
+        <p:style>
+          <a:lnRef idx="1">
+            <a:schemeClr val="accent1"/>
+          </a:lnRef>
+          <a:fillRef idx="0">
+            <a:schemeClr val="accent1"/>
+          </a:fillRef>
+          <a:effectRef idx="0">
+            <a:schemeClr val="accent1"/>
+          </a:effectRef>
+          <a:fontRef idx="minor">
+            <a:schemeClr val="tx1"/>
+          </a:fontRef>
+        </p:style>
+      </p:cxnSp>
+      <p:cxnSp>
+        <p:nvCxnSpPr>
+          <p:cNvPr id="9" name="Straight Connector 8"/>
+          <p:cNvCxnSpPr>
+            <a:cxnSpLocks noGrp="1" noRot="1" noChangeAspect="1" noMove="1" noResize="1" noEditPoints="1" noAdjustHandles="1" noChangeArrowheads="1" noChangeShapeType="1"/>
+          </p:cNvCxnSpPr>
+          <p:nvPr>
+            <p:extLst>
+              <p:ext uri="{386F3935-93C4-4BCD-93E2-E3B085C9AB24}">
+                <p16:designElem xmlns:p16="http://schemas.microsoft.com/office/powerpoint/2015/main" val="1"/>
+              </p:ext>
+            </p:extLst>
+          </p:nvPr>
+        </p:nvCxnSpPr>
+        <p:spPr>
+          <a:xfrm>
+            <a:off x="6096000" y="477749"/>
+            <a:ext cx="0" cy="3657600"/>
+          </a:xfrm>
+          <a:prstGeom prst="line">
+            <a:avLst/>
+          </a:prstGeom>
+          <a:ln w="101600" cmpd="dbl">
+            <a:solidFill>
+              <a:schemeClr val="tx1">
+                <a:lumMod val="65000"/>
+                <a:lumOff val="35000"/>
+              </a:schemeClr>
+            </a:solidFill>
+          </a:ln>
+        </p:spPr>
+        <p:style>
+          <a:lnRef idx="1">
+            <a:schemeClr val="accent1"/>
+          </a:lnRef>
+          <a:fillRef idx="0">
+            <a:schemeClr val="accent1"/>
+          </a:fillRef>
+          <a:effectRef idx="0">
+            <a:schemeClr val="accent1"/>
+          </a:effectRef>
+          <a:fontRef idx="minor">
+            <a:schemeClr val="tx1"/>
+          </a:fontRef>
+        </p:style>
+      </p:cxnSp>
       <p:sp>
         <p:nvSpPr>
           <p:cNvPr id="2" name="标题 1"/>
@@ -7384,48 +7296,158 @@
         </p:nvSpPr>
         <p:spPr>
           <a:xfrm>
-            <a:off x="742950" y="742951"/>
-            <a:ext cx="3476625" cy="4962524"/>
-          </a:xfrm>
-        </p:spPr>
-        <p:txBody>
-          <a:bodyPr vert="horz" lIns="91440" tIns="45720" rIns="91440" bIns="45720" rtlCol="0" anchor="ctr">
-            <a:normAutofit/>
+            <a:off x="527538" y="4756638"/>
+            <a:ext cx="11139854" cy="930447"/>
+          </a:xfrm>
+        </p:spPr>
+        <p:txBody>
+          <a:bodyPr vert="horz" lIns="91440" tIns="45720" rIns="91440" bIns="45720" rtlCol="0" anchor="b">
+            <a:noAutofit/>
           </a:bodyPr>
           <a:lstStyle/>
           <a:p>
             <a:pPr algn="ctr"/>
             <a:r>
-              <a:rPr lang="en-US" altLang="zh-CN" sz="4800" dirty="0">
+              <a:rPr lang="en-US" altLang="zh-CN" sz="2400" dirty="0">
                 <a:solidFill>
                   <a:schemeClr val="bg1"/>
                 </a:solidFill>
               </a:rPr>
-              <a:t>Open the web app and view the data in the 2</a:t>
-            </a:r>
-            <a:r>
-              <a:rPr lang="en-US" altLang="zh-CN" sz="4800" baseline="30000" dirty="0">
+              <a:t>Select the DAMAGE ASSESSMENT value</a:t>
+            </a:r>
+            <a:br>
+              <a:rPr lang="en-US" altLang="zh-CN" sz="2400" dirty="0">
                 <a:solidFill>
                   <a:schemeClr val="bg1"/>
                 </a:solidFill>
               </a:rPr>
-              <a:t>nd</a:t>
-            </a:r>
-            <a:r>
-              <a:rPr lang="en-US" altLang="zh-CN" sz="4800" dirty="0">
+            </a:br>
+            <a:r>
+              <a:rPr lang="en-US" altLang="zh-CN" sz="2400" dirty="0">
                 <a:solidFill>
                   <a:schemeClr val="bg1"/>
                 </a:solidFill>
               </a:rPr>
-              <a:t> PARTY tab. </a:t>
-            </a:r>
-          </a:p>
-        </p:txBody>
-      </p:sp>
+              <a:t>Click APPROVE or REJECT</a:t>
+            </a:r>
+            <a:br>
+              <a:rPr lang="en-US" altLang="zh-CN" sz="2400" dirty="0">
+                <a:solidFill>
+                  <a:schemeClr val="bg1"/>
+                </a:solidFill>
+              </a:rPr>
+            </a:br>
+            <a:r>
+              <a:rPr lang="en-US" altLang="zh-CN" sz="2400" dirty="0">
+                <a:solidFill>
+                  <a:schemeClr val="bg1"/>
+                </a:solidFill>
+              </a:rPr>
+              <a:t>Click OK</a:t>
+            </a:r>
+          </a:p>
+        </p:txBody>
+      </p:sp>
+      <p:pic>
+        <p:nvPicPr>
+          <p:cNvPr id="10" name="Content Placeholder 3"/>
+          <p:cNvPicPr>
+            <a:picLocks noChangeAspect="1"/>
+          </p:cNvPicPr>
+          <p:nvPr/>
+        </p:nvPicPr>
+        <p:blipFill>
+          <a:blip r:embed="rId2"/>
+          <a:stretch>
+            <a:fillRect/>
+          </a:stretch>
+        </p:blipFill>
+        <p:spPr>
+          <a:xfrm>
+            <a:off x="6934087" y="557458"/>
+            <a:ext cx="4184865" cy="1308167"/>
+          </a:xfrm>
+          <a:prstGeom prst="rect">
+            <a:avLst/>
+          </a:prstGeom>
+        </p:spPr>
+      </p:pic>
+      <p:pic>
+        <p:nvPicPr>
+          <p:cNvPr id="11" name="Picture 10"/>
+          <p:cNvPicPr>
+            <a:picLocks noChangeAspect="1"/>
+          </p:cNvPicPr>
+          <p:nvPr/>
+        </p:nvPicPr>
+        <p:blipFill>
+          <a:blip r:embed="rId3"/>
+          <a:stretch>
+            <a:fillRect/>
+          </a:stretch>
+        </p:blipFill>
+        <p:spPr>
+          <a:xfrm>
+            <a:off x="1073049" y="605085"/>
+            <a:ext cx="3949903" cy="1212912"/>
+          </a:xfrm>
+          <a:prstGeom prst="rect">
+            <a:avLst/>
+          </a:prstGeom>
+        </p:spPr>
+      </p:pic>
+      <p:pic>
+        <p:nvPicPr>
+          <p:cNvPr id="12" name="Picture 11"/>
+          <p:cNvPicPr>
+            <a:picLocks noChangeAspect="1"/>
+          </p:cNvPicPr>
+          <p:nvPr/>
+        </p:nvPicPr>
+        <p:blipFill>
+          <a:blip r:embed="rId4"/>
+          <a:stretch>
+            <a:fillRect/>
+          </a:stretch>
+        </p:blipFill>
+        <p:spPr>
+          <a:xfrm>
+            <a:off x="6934087" y="2363822"/>
+            <a:ext cx="4191215" cy="1301817"/>
+          </a:xfrm>
+          <a:prstGeom prst="rect">
+            <a:avLst/>
+          </a:prstGeom>
+        </p:spPr>
+      </p:pic>
+      <p:pic>
+        <p:nvPicPr>
+          <p:cNvPr id="13" name="Picture 12"/>
+          <p:cNvPicPr>
+            <a:picLocks noChangeAspect="1"/>
+          </p:cNvPicPr>
+          <p:nvPr/>
+        </p:nvPicPr>
+        <p:blipFill>
+          <a:blip r:embed="rId5"/>
+          <a:stretch>
+            <a:fillRect/>
+          </a:stretch>
+        </p:blipFill>
+        <p:spPr>
+          <a:xfrm>
+            <a:off x="1663629" y="2465427"/>
+            <a:ext cx="2768742" cy="1098606"/>
+          </a:xfrm>
+          <a:prstGeom prst="rect">
+            <a:avLst/>
+          </a:prstGeom>
+        </p:spPr>
+      </p:pic>
     </p:spTree>
     <p:extLst>
       <p:ext uri="{BB962C8B-B14F-4D97-AF65-F5344CB8AC3E}">
-        <p14:creationId xmlns:p14="http://schemas.microsoft.com/office/powerpoint/2010/main" val="4122867900"/>
+        <p14:creationId xmlns:p14="http://schemas.microsoft.com/office/powerpoint/2010/main" val="2045545941"/>
       </p:ext>
     </p:extLst>
   </p:cSld>
@@ -7454,380 +7476,6 @@
       </p:grpSpPr>
       <p:sp>
         <p:nvSpPr>
-          <p:cNvPr id="6" name="Rectangle 5"/>
-          <p:cNvSpPr>
-            <a:spLocks noGrp="1" noRot="1" noChangeAspect="1" noMove="1" noResize="1" noEditPoints="1" noAdjustHandles="1" noChangeArrowheads="1" noChangeShapeType="1" noTextEdit="1"/>
-          </p:cNvSpPr>
-          <p:nvPr>
-            <p:extLst>
-              <p:ext uri="{386F3935-93C4-4BCD-93E2-E3B085C9AB24}">
-                <p16:designElem xmlns:p16="http://schemas.microsoft.com/office/powerpoint/2015/main" val="1"/>
-              </p:ext>
-            </p:extLst>
-          </p:nvPr>
-        </p:nvSpPr>
-        <p:spPr bwMode="white">
-          <a:xfrm>
-            <a:off x="0" y="0"/>
-            <a:ext cx="12192000" cy="6858000"/>
-          </a:xfrm>
-          <a:prstGeom prst="rect">
-            <a:avLst/>
-          </a:prstGeom>
-          <a:solidFill>
-            <a:schemeClr val="bg1"/>
-          </a:solidFill>
-          <a:ln>
-            <a:noFill/>
-          </a:ln>
-          <a:effectLst/>
-        </p:spPr>
-      </p:sp>
-      <p:sp>
-        <p:nvSpPr>
-          <p:cNvPr id="7" name="Rectangle 6"/>
-          <p:cNvSpPr>
-            <a:spLocks noGrp="1" noRot="1" noChangeAspect="1" noMove="1" noResize="1" noEditPoints="1" noAdjustHandles="1" noChangeArrowheads="1" noChangeShapeType="1" noTextEdit="1"/>
-          </p:cNvSpPr>
-          <p:nvPr>
-            <p:extLst>
-              <p:ext uri="{386F3935-93C4-4BCD-93E2-E3B085C9AB24}">
-                <p16:designElem xmlns:p16="http://schemas.microsoft.com/office/powerpoint/2015/main" val="1"/>
-              </p:ext>
-            </p:extLst>
-          </p:nvPr>
-        </p:nvSpPr>
-        <p:spPr bwMode="ltGray">
-          <a:xfrm>
-            <a:off x="378068" y="4633546"/>
-            <a:ext cx="11438793" cy="1844256"/>
-          </a:xfrm>
-          <a:prstGeom prst="rect">
-            <a:avLst/>
-          </a:prstGeom>
-          <a:solidFill>
-            <a:schemeClr val="tx1">
-              <a:lumMod val="75000"/>
-              <a:lumOff val="25000"/>
-            </a:schemeClr>
-          </a:solidFill>
-          <a:ln w="127000" cap="sq" cmpd="thinThick">
-            <a:solidFill>
-              <a:schemeClr val="tx1">
-                <a:lumMod val="75000"/>
-                <a:lumOff val="25000"/>
-              </a:schemeClr>
-            </a:solidFill>
-          </a:ln>
-        </p:spPr>
-        <p:style>
-          <a:lnRef idx="2">
-            <a:schemeClr val="accent1">
-              <a:shade val="50000"/>
-            </a:schemeClr>
-          </a:lnRef>
-          <a:fillRef idx="1">
-            <a:schemeClr val="accent1"/>
-          </a:fillRef>
-          <a:effectRef idx="0">
-            <a:schemeClr val="accent1"/>
-          </a:effectRef>
-          <a:fontRef idx="minor">
-            <a:schemeClr val="lt1"/>
-          </a:fontRef>
-        </p:style>
-        <p:txBody>
-          <a:bodyPr rtlCol="0" anchor="ctr"/>
-          <a:lstStyle/>
-          <a:p>
-            <a:pPr algn="ctr"/>
-            <a:endParaRPr lang="en-US"/>
-          </a:p>
-        </p:txBody>
-      </p:sp>
-      <p:cxnSp>
-        <p:nvCxnSpPr>
-          <p:cNvPr id="8" name="Straight Connector 7"/>
-          <p:cNvCxnSpPr>
-            <a:cxnSpLocks noGrp="1" noRot="1" noChangeAspect="1" noMove="1" noResize="1" noEditPoints="1" noAdjustHandles="1" noChangeArrowheads="1" noChangeShapeType="1"/>
-          </p:cNvCxnSpPr>
-          <p:nvPr>
-            <p:extLst>
-              <p:ext uri="{386F3935-93C4-4BCD-93E2-E3B085C9AB24}">
-                <p16:designElem xmlns:p16="http://schemas.microsoft.com/office/powerpoint/2015/main" val="1"/>
-              </p:ext>
-            </p:extLst>
-          </p:nvPr>
-        </p:nvCxnSpPr>
-        <p:spPr>
-          <a:xfrm>
-            <a:off x="2209800" y="5738691"/>
-            <a:ext cx="7772400" cy="0"/>
-          </a:xfrm>
-          <a:prstGeom prst="line">
-            <a:avLst/>
-          </a:prstGeom>
-          <a:ln w="22225">
-            <a:solidFill>
-              <a:schemeClr val="bg1">
-                <a:lumMod val="85000"/>
-              </a:schemeClr>
-            </a:solidFill>
-          </a:ln>
-        </p:spPr>
-        <p:style>
-          <a:lnRef idx="1">
-            <a:schemeClr val="accent1"/>
-          </a:lnRef>
-          <a:fillRef idx="0">
-            <a:schemeClr val="accent1"/>
-          </a:fillRef>
-          <a:effectRef idx="0">
-            <a:schemeClr val="accent1"/>
-          </a:effectRef>
-          <a:fontRef idx="minor">
-            <a:schemeClr val="tx1"/>
-          </a:fontRef>
-        </p:style>
-      </p:cxnSp>
-      <p:cxnSp>
-        <p:nvCxnSpPr>
-          <p:cNvPr id="9" name="Straight Connector 8"/>
-          <p:cNvCxnSpPr>
-            <a:cxnSpLocks noGrp="1" noRot="1" noChangeAspect="1" noMove="1" noResize="1" noEditPoints="1" noAdjustHandles="1" noChangeArrowheads="1" noChangeShapeType="1"/>
-          </p:cNvCxnSpPr>
-          <p:nvPr>
-            <p:extLst>
-              <p:ext uri="{386F3935-93C4-4BCD-93E2-E3B085C9AB24}">
-                <p16:designElem xmlns:p16="http://schemas.microsoft.com/office/powerpoint/2015/main" val="1"/>
-              </p:ext>
-            </p:extLst>
-          </p:nvPr>
-        </p:nvCxnSpPr>
-        <p:spPr>
-          <a:xfrm>
-            <a:off x="6096000" y="477749"/>
-            <a:ext cx="0" cy="3657600"/>
-          </a:xfrm>
-          <a:prstGeom prst="line">
-            <a:avLst/>
-          </a:prstGeom>
-          <a:ln w="101600" cmpd="dbl">
-            <a:solidFill>
-              <a:schemeClr val="tx1">
-                <a:lumMod val="65000"/>
-                <a:lumOff val="35000"/>
-              </a:schemeClr>
-            </a:solidFill>
-          </a:ln>
-        </p:spPr>
-        <p:style>
-          <a:lnRef idx="1">
-            <a:schemeClr val="accent1"/>
-          </a:lnRef>
-          <a:fillRef idx="0">
-            <a:schemeClr val="accent1"/>
-          </a:fillRef>
-          <a:effectRef idx="0">
-            <a:schemeClr val="accent1"/>
-          </a:effectRef>
-          <a:fontRef idx="minor">
-            <a:schemeClr val="tx1"/>
-          </a:fontRef>
-        </p:style>
-      </p:cxnSp>
-      <p:sp>
-        <p:nvSpPr>
-          <p:cNvPr id="2" name="标题 1"/>
-          <p:cNvSpPr>
-            <a:spLocks noGrp="1"/>
-          </p:cNvSpPr>
-          <p:nvPr>
-            <p:ph type="title"/>
-          </p:nvPr>
-        </p:nvSpPr>
-        <p:spPr>
-          <a:xfrm>
-            <a:off x="527538" y="4756638"/>
-            <a:ext cx="11139854" cy="930447"/>
-          </a:xfrm>
-        </p:spPr>
-        <p:txBody>
-          <a:bodyPr vert="horz" lIns="91440" tIns="45720" rIns="91440" bIns="45720" rtlCol="0" anchor="b">
-            <a:noAutofit/>
-          </a:bodyPr>
-          <a:lstStyle/>
-          <a:p>
-            <a:pPr algn="ctr"/>
-            <a:r>
-              <a:rPr lang="en-US" altLang="zh-CN" sz="2400" dirty="0">
-                <a:solidFill>
-                  <a:schemeClr val="bg1"/>
-                </a:solidFill>
-              </a:rPr>
-              <a:t>Select the DAMAGE ASSESSMENT value</a:t>
-            </a:r>
-            <a:br>
-              <a:rPr lang="en-US" altLang="zh-CN" sz="2400" dirty="0">
-                <a:solidFill>
-                  <a:schemeClr val="bg1"/>
-                </a:solidFill>
-              </a:rPr>
-            </a:br>
-            <a:r>
-              <a:rPr lang="en-US" altLang="zh-CN" sz="2400" dirty="0">
-                <a:solidFill>
-                  <a:schemeClr val="bg1"/>
-                </a:solidFill>
-              </a:rPr>
-              <a:t>Click APPROVE or REJECT</a:t>
-            </a:r>
-            <a:br>
-              <a:rPr lang="en-US" altLang="zh-CN" sz="2400" dirty="0">
-                <a:solidFill>
-                  <a:schemeClr val="bg1"/>
-                </a:solidFill>
-              </a:rPr>
-            </a:br>
-            <a:r>
-              <a:rPr lang="en-US" altLang="zh-CN" sz="2400" dirty="0">
-                <a:solidFill>
-                  <a:schemeClr val="bg1"/>
-                </a:solidFill>
-              </a:rPr>
-              <a:t>Click OK</a:t>
-            </a:r>
-          </a:p>
-        </p:txBody>
-      </p:sp>
-      <p:pic>
-        <p:nvPicPr>
-          <p:cNvPr id="10" name="Content Placeholder 3"/>
-          <p:cNvPicPr>
-            <a:picLocks noChangeAspect="1"/>
-          </p:cNvPicPr>
-          <p:nvPr/>
-        </p:nvPicPr>
-        <p:blipFill>
-          <a:blip r:embed="rId2"/>
-          <a:stretch>
-            <a:fillRect/>
-          </a:stretch>
-        </p:blipFill>
-        <p:spPr>
-          <a:xfrm>
-            <a:off x="6934087" y="557458"/>
-            <a:ext cx="4184865" cy="1308167"/>
-          </a:xfrm>
-          <a:prstGeom prst="rect">
-            <a:avLst/>
-          </a:prstGeom>
-        </p:spPr>
-      </p:pic>
-      <p:pic>
-        <p:nvPicPr>
-          <p:cNvPr id="11" name="Picture 10"/>
-          <p:cNvPicPr>
-            <a:picLocks noChangeAspect="1"/>
-          </p:cNvPicPr>
-          <p:nvPr/>
-        </p:nvPicPr>
-        <p:blipFill>
-          <a:blip r:embed="rId3"/>
-          <a:stretch>
-            <a:fillRect/>
-          </a:stretch>
-        </p:blipFill>
-        <p:spPr>
-          <a:xfrm>
-            <a:off x="1073049" y="605085"/>
-            <a:ext cx="3949903" cy="1212912"/>
-          </a:xfrm>
-          <a:prstGeom prst="rect">
-            <a:avLst/>
-          </a:prstGeom>
-        </p:spPr>
-      </p:pic>
-      <p:pic>
-        <p:nvPicPr>
-          <p:cNvPr id="12" name="Picture 11"/>
-          <p:cNvPicPr>
-            <a:picLocks noChangeAspect="1"/>
-          </p:cNvPicPr>
-          <p:nvPr/>
-        </p:nvPicPr>
-        <p:blipFill>
-          <a:blip r:embed="rId4"/>
-          <a:stretch>
-            <a:fillRect/>
-          </a:stretch>
-        </p:blipFill>
-        <p:spPr>
-          <a:xfrm>
-            <a:off x="6934087" y="2363822"/>
-            <a:ext cx="4191215" cy="1301817"/>
-          </a:xfrm>
-          <a:prstGeom prst="rect">
-            <a:avLst/>
-          </a:prstGeom>
-        </p:spPr>
-      </p:pic>
-      <p:pic>
-        <p:nvPicPr>
-          <p:cNvPr id="13" name="Picture 12"/>
-          <p:cNvPicPr>
-            <a:picLocks noChangeAspect="1"/>
-          </p:cNvPicPr>
-          <p:nvPr/>
-        </p:nvPicPr>
-        <p:blipFill>
-          <a:blip r:embed="rId5"/>
-          <a:stretch>
-            <a:fillRect/>
-          </a:stretch>
-        </p:blipFill>
-        <p:spPr>
-          <a:xfrm>
-            <a:off x="1663629" y="2465427"/>
-            <a:ext cx="2768742" cy="1098606"/>
-          </a:xfrm>
-          <a:prstGeom prst="rect">
-            <a:avLst/>
-          </a:prstGeom>
-        </p:spPr>
-      </p:pic>
-    </p:spTree>
-    <p:extLst>
-      <p:ext uri="{BB962C8B-B14F-4D97-AF65-F5344CB8AC3E}">
-        <p14:creationId xmlns:p14="http://schemas.microsoft.com/office/powerpoint/2010/main" val="2045545941"/>
-      </p:ext>
-    </p:extLst>
-  </p:cSld>
-  <p:clrMapOvr>
-    <a:masterClrMapping/>
-  </p:clrMapOvr>
-</p:sld>
-</file>
-
-<file path=ppt/slides/slide22.xml><?xml version="1.0" encoding="utf-8"?>
-<p:sld xmlns:a="http://schemas.openxmlformats.org/drawingml/2006/main" xmlns:r="http://schemas.openxmlformats.org/officeDocument/2006/relationships" xmlns:p="http://schemas.openxmlformats.org/presentationml/2006/main">
-  <p:cSld>
-    <p:spTree>
-      <p:nvGrpSpPr>
-        <p:cNvPr id="1" name=""/>
-        <p:cNvGrpSpPr/>
-        <p:nvPr/>
-      </p:nvGrpSpPr>
-      <p:grpSpPr>
-        <a:xfrm>
-          <a:off x="0" y="0"/>
-          <a:ext cx="0" cy="0"/>
-          <a:chOff x="0" y="0"/>
-          <a:chExt cx="0" cy="0"/>
-        </a:xfrm>
-      </p:grpSpPr>
-      <p:sp>
-        <p:nvSpPr>
           <p:cNvPr id="8" name="Freeform 12"/>
           <p:cNvSpPr>
             <a:spLocks noGrp="1" noRot="1" noChangeAspect="1" noMove="1" noResize="1" noEditPoints="1" noAdjustHandles="1" noChangeArrowheads="1" noChangeShapeType="1" noTextEdit="1"/>
@@ -8223,7 +7871,7 @@
 </p:sld>
 </file>
 
-<file path=ppt/slides/slide23.xml><?xml version="1.0" encoding="utf-8"?>
+<file path=ppt/slides/slide22.xml><?xml version="1.0" encoding="utf-8"?>
 <p:sld xmlns:a="http://schemas.openxmlformats.org/drawingml/2006/main" xmlns:r="http://schemas.openxmlformats.org/officeDocument/2006/relationships" xmlns:p="http://schemas.openxmlformats.org/presentationml/2006/main">
   <p:cSld>
     <p:spTree>
@@ -10309,15 +9957,220 @@
           <a:chExt cx="0" cy="0"/>
         </a:xfrm>
       </p:grpSpPr>
+      <p:sp>
+        <p:nvSpPr>
+          <p:cNvPr id="14" name="Freeform 28"/>
+          <p:cNvSpPr>
+            <a:spLocks noGrp="1" noRot="1" noChangeAspect="1" noMove="1" noResize="1" noEditPoints="1" noAdjustHandles="1" noChangeArrowheads="1" noChangeShapeType="1" noTextEdit="1"/>
+          </p:cNvSpPr>
+          <p:nvPr>
+            <p:extLst>
+              <p:ext uri="{386F3935-93C4-4BCD-93E2-E3B085C9AB24}">
+                <p16:designElem xmlns:p16="http://schemas.microsoft.com/office/powerpoint/2015/main" val="1"/>
+              </p:ext>
+            </p:extLst>
+          </p:nvPr>
+        </p:nvSpPr>
+        <p:spPr>
+          <a:xfrm flipH="1" flipV="1">
+            <a:off x="960120" y="0"/>
+            <a:ext cx="11218661" cy="6858000"/>
+          </a:xfrm>
+          <a:custGeom>
+            <a:avLst/>
+            <a:gdLst>
+              <a:gd name="connsiteX0" fmla="*/ 0 w 11218661"/>
+              <a:gd name="connsiteY0" fmla="*/ 0 h 6858000"/>
+              <a:gd name="connsiteX1" fmla="*/ 8042507 w 11218661"/>
+              <a:gd name="connsiteY1" fmla="*/ 0 h 6858000"/>
+              <a:gd name="connsiteX2" fmla="*/ 11218661 w 11218661"/>
+              <a:gd name="connsiteY2" fmla="*/ 6858000 h 6858000"/>
+              <a:gd name="connsiteX3" fmla="*/ 0 w 11218661"/>
+              <a:gd name="connsiteY3" fmla="*/ 6858000 h 6858000"/>
+            </a:gdLst>
+            <a:ahLst/>
+            <a:cxnLst>
+              <a:cxn ang="0">
+                <a:pos x="connsiteX0" y="connsiteY0"/>
+              </a:cxn>
+              <a:cxn ang="0">
+                <a:pos x="connsiteX1" y="connsiteY1"/>
+              </a:cxn>
+              <a:cxn ang="0">
+                <a:pos x="connsiteX2" y="connsiteY2"/>
+              </a:cxn>
+              <a:cxn ang="0">
+                <a:pos x="connsiteX3" y="connsiteY3"/>
+              </a:cxn>
+            </a:cxnLst>
+            <a:rect l="l" t="t" r="r" b="b"/>
+            <a:pathLst>
+              <a:path w="11218661" h="6858000">
+                <a:moveTo>
+                  <a:pt x="0" y="0"/>
+                </a:moveTo>
+                <a:lnTo>
+                  <a:pt x="8042507" y="0"/>
+                </a:lnTo>
+                <a:lnTo>
+                  <a:pt x="11218661" y="6858000"/>
+                </a:lnTo>
+                <a:lnTo>
+                  <a:pt x="0" y="6858000"/>
+                </a:lnTo>
+                <a:close/>
+              </a:path>
+            </a:pathLst>
+          </a:custGeom>
+          <a:solidFill>
+            <a:schemeClr val="tx1">
+              <a:lumMod val="85000"/>
+              <a:lumOff val="15000"/>
+              <a:alpha val="70000"/>
+            </a:schemeClr>
+          </a:solidFill>
+          <a:ln>
+            <a:noFill/>
+          </a:ln>
+        </p:spPr>
+        <p:style>
+          <a:lnRef idx="2">
+            <a:schemeClr val="accent1">
+              <a:shade val="50000"/>
+            </a:schemeClr>
+          </a:lnRef>
+          <a:fillRef idx="1">
+            <a:schemeClr val="accent1"/>
+          </a:fillRef>
+          <a:effectRef idx="0">
+            <a:schemeClr val="accent1"/>
+          </a:effectRef>
+          <a:fontRef idx="minor">
+            <a:schemeClr val="lt1"/>
+          </a:fontRef>
+        </p:style>
+        <p:txBody>
+          <a:bodyPr wrap="square" rtlCol="0" anchor="ctr">
+            <a:noAutofit/>
+          </a:bodyPr>
+          <a:lstStyle/>
+          <a:p>
+            <a:pPr algn="ctr"/>
+            <a:endParaRPr lang="en-US"/>
+          </a:p>
+        </p:txBody>
+      </p:sp>
+      <p:sp>
+        <p:nvSpPr>
+          <p:cNvPr id="15" name="Freeform 26"/>
+          <p:cNvSpPr>
+            <a:spLocks noGrp="1" noRot="1" noChangeAspect="1" noMove="1" noResize="1" noEditPoints="1" noAdjustHandles="1" noChangeArrowheads="1" noChangeShapeType="1" noTextEdit="1"/>
+          </p:cNvSpPr>
+          <p:nvPr>
+            <p:extLst>
+              <p:ext uri="{386F3935-93C4-4BCD-93E2-E3B085C9AB24}">
+                <p16:designElem xmlns:p16="http://schemas.microsoft.com/office/powerpoint/2015/main" val="1"/>
+              </p:ext>
+            </p:extLst>
+          </p:nvPr>
+        </p:nvSpPr>
+        <p:spPr>
+          <a:xfrm flipH="1" flipV="1">
+            <a:off x="1407030" y="0"/>
+            <a:ext cx="10771752" cy="6858000"/>
+          </a:xfrm>
+          <a:custGeom>
+            <a:avLst/>
+            <a:gdLst>
+              <a:gd name="connsiteX0" fmla="*/ 0 w 10771752"/>
+              <a:gd name="connsiteY0" fmla="*/ 0 h 6858000"/>
+              <a:gd name="connsiteX1" fmla="*/ 7595598 w 10771752"/>
+              <a:gd name="connsiteY1" fmla="*/ 0 h 6858000"/>
+              <a:gd name="connsiteX2" fmla="*/ 10771752 w 10771752"/>
+              <a:gd name="connsiteY2" fmla="*/ 6858000 h 6858000"/>
+              <a:gd name="connsiteX3" fmla="*/ 0 w 10771752"/>
+              <a:gd name="connsiteY3" fmla="*/ 6858000 h 6858000"/>
+            </a:gdLst>
+            <a:ahLst/>
+            <a:cxnLst>
+              <a:cxn ang="0">
+                <a:pos x="connsiteX0" y="connsiteY0"/>
+              </a:cxn>
+              <a:cxn ang="0">
+                <a:pos x="connsiteX1" y="connsiteY1"/>
+              </a:cxn>
+              <a:cxn ang="0">
+                <a:pos x="connsiteX2" y="connsiteY2"/>
+              </a:cxn>
+              <a:cxn ang="0">
+                <a:pos x="connsiteX3" y="connsiteY3"/>
+              </a:cxn>
+            </a:cxnLst>
+            <a:rect l="l" t="t" r="r" b="b"/>
+            <a:pathLst>
+              <a:path w="10771752" h="6858000">
+                <a:moveTo>
+                  <a:pt x="0" y="0"/>
+                </a:moveTo>
+                <a:lnTo>
+                  <a:pt x="7595598" y="0"/>
+                </a:lnTo>
+                <a:lnTo>
+                  <a:pt x="10771752" y="6858000"/>
+                </a:lnTo>
+                <a:lnTo>
+                  <a:pt x="0" y="6858000"/>
+                </a:lnTo>
+                <a:close/>
+              </a:path>
+            </a:pathLst>
+          </a:custGeom>
+          <a:solidFill>
+            <a:schemeClr val="tx1">
+              <a:lumMod val="85000"/>
+              <a:lumOff val="15000"/>
+            </a:schemeClr>
+          </a:solidFill>
+          <a:ln>
+            <a:noFill/>
+          </a:ln>
+        </p:spPr>
+        <p:style>
+          <a:lnRef idx="2">
+            <a:schemeClr val="accent1">
+              <a:shade val="50000"/>
+            </a:schemeClr>
+          </a:lnRef>
+          <a:fillRef idx="1">
+            <a:schemeClr val="accent1"/>
+          </a:fillRef>
+          <a:effectRef idx="0">
+            <a:schemeClr val="accent1"/>
+          </a:effectRef>
+          <a:fontRef idx="minor">
+            <a:schemeClr val="lt1"/>
+          </a:fontRef>
+        </p:style>
+        <p:txBody>
+          <a:bodyPr wrap="square" rtlCol="0" anchor="ctr">
+            <a:noAutofit/>
+          </a:bodyPr>
+          <a:lstStyle/>
+          <a:p>
+            <a:pPr algn="ctr"/>
+            <a:endParaRPr lang="en-US"/>
+          </a:p>
+        </p:txBody>
+      </p:sp>
       <p:pic>
         <p:nvPicPr>
-          <p:cNvPr id="4" name="Picture 3" descr="depositphotos_5410014-3d-human-with-red-stop-sign"/>
+          <p:cNvPr id="3" name="Picture 2"/>
           <p:cNvPicPr>
             <a:picLocks noChangeAspect="1"/>
           </p:cNvPicPr>
           <p:nvPr/>
         </p:nvPicPr>
-        <p:blipFill rotWithShape="1">
+        <p:blipFill>
           <a:blip r:embed="rId2">
             <a:extLst>
               <a:ext uri="{28A0092B-C50C-407E-A947-70E740481C1C}">
@@ -10325,23 +10178,23 @@
               </a:ext>
             </a:extLst>
           </a:blip>
-          <a:srcRect r="-3" b="5786"/>
-          <a:stretch/>
+          <a:stretch>
+            <a:fillRect/>
+          </a:stretch>
         </p:blipFill>
         <p:spPr>
           <a:xfrm>
-            <a:off x="6090613" y="640082"/>
-            <a:ext cx="5461724" cy="5577837"/>
+            <a:off x="626042" y="642988"/>
+            <a:ext cx="3133992" cy="5571543"/>
           </a:xfrm>
           <a:prstGeom prst="rect">
             <a:avLst/>
           </a:prstGeom>
-          <a:effectLst/>
         </p:spPr>
       </p:pic>
       <p:sp>
         <p:nvSpPr>
-          <p:cNvPr id="2" name="Title 1"/>
+          <p:cNvPr id="2" name="标题 1"/>
           <p:cNvSpPr>
             <a:spLocks noGrp="1"/>
           </p:cNvSpPr>
@@ -10351,50 +10204,8 @@
         </p:nvSpPr>
         <p:spPr>
           <a:xfrm>
-            <a:off x="648929" y="629266"/>
-            <a:ext cx="5127031" cy="1676603"/>
-          </a:xfrm>
-        </p:spPr>
-        <p:txBody>
-          <a:bodyPr>
-            <a:normAutofit fontScale="90000"/>
-          </a:bodyPr>
-          <a:lstStyle/>
-          <a:p>
-            <a:pPr>
-              <a:lnSpc>
-                <a:spcPct val="70000"/>
-              </a:lnSpc>
-            </a:pPr>
-            <a:r>
-              <a:rPr lang="en-US" sz="3700" dirty="0">
-                <a:solidFill>
-                  <a:srgbClr val="FF0000"/>
-                </a:solidFill>
-              </a:rPr>
-              <a:t>STOP! </a:t>
-            </a:r>
-            <a:r>
-              <a:rPr lang="en-US" sz="3700" dirty="0"/>
-              <a:t>Configure The Customer Record In The Database So The Account Can Receive Email</a:t>
-            </a:r>
-          </a:p>
-        </p:txBody>
-      </p:sp>
-      <p:sp>
-        <p:nvSpPr>
-          <p:cNvPr id="3" name="Content Placeholder 2"/>
-          <p:cNvSpPr>
-            <a:spLocks noGrp="1"/>
-          </p:cNvSpPr>
-          <p:nvPr>
-            <p:ph idx="1"/>
-          </p:nvPr>
-        </p:nvSpPr>
-        <p:spPr>
-          <a:xfrm>
-            <a:off x="648930" y="2438400"/>
-            <a:ext cx="5127029" cy="3785419"/>
+            <a:off x="4384039" y="365125"/>
+            <a:ext cx="7164493" cy="1325563"/>
           </a:xfrm>
         </p:spPr>
         <p:txBody>
@@ -10403,60 +10214,81 @@
           </a:bodyPr>
           <a:lstStyle/>
           <a:p>
-            <a:pPr>
-              <a:lnSpc>
-                <a:spcPct val="80000"/>
-              </a:lnSpc>
-            </a:pPr>
-            <a:r>
-              <a:rPr lang="en-US" dirty="0"/>
-              <a:t>The first time you sign in with a new customer account you must update the customer account in the database so they can receive email.  </a:t>
-            </a:r>
-          </a:p>
-          <a:p>
-            <a:pPr>
-              <a:lnSpc>
-                <a:spcPct val="80000"/>
-              </a:lnSpc>
-            </a:pPr>
-            <a:r>
-              <a:rPr lang="en-US" dirty="0"/>
-              <a:t>This is a one time operation.</a:t>
-            </a:r>
-          </a:p>
-          <a:p>
-            <a:pPr>
-              <a:lnSpc>
-                <a:spcPct val="80000"/>
-              </a:lnSpc>
-            </a:pPr>
-            <a:r>
-              <a:rPr lang="en-US" dirty="0"/>
-              <a:t>See the </a:t>
-            </a:r>
-            <a:r>
-              <a:rPr lang="en-US" b="1" dirty="0"/>
-              <a:t>Create Customer User Accounts </a:t>
-            </a:r>
-            <a:r>
-              <a:rPr lang="en-US" dirty="0"/>
-              <a:t>section in the </a:t>
-            </a:r>
-            <a:r>
-              <a:rPr lang="en-US" b="1" dirty="0"/>
-              <a:t>Src/README.md</a:t>
-            </a:r>
-            <a:r>
-              <a:rPr lang="en-US" dirty="0"/>
-              <a:t> file to learn how to do this.</a:t>
-            </a:r>
+            <a:r>
+              <a:rPr lang="en-US" altLang="zh-CN">
+                <a:solidFill>
+                  <a:schemeClr val="bg1"/>
+                </a:solidFill>
+              </a:rPr>
+              <a:t>Select Vehicle</a:t>
+            </a:r>
+            <a:endParaRPr lang="zh-CN" altLang="en-US">
+              <a:solidFill>
+                <a:schemeClr val="bg1"/>
+              </a:solidFill>
+            </a:endParaRPr>
+          </a:p>
+        </p:txBody>
+      </p:sp>
+      <p:sp>
+        <p:nvSpPr>
+          <p:cNvPr id="8" name="Content Placeholder 7"/>
+          <p:cNvSpPr>
+            <a:spLocks noGrp="1"/>
+          </p:cNvSpPr>
+          <p:nvPr>
+            <p:ph idx="1"/>
+          </p:nvPr>
+        </p:nvSpPr>
+        <p:spPr>
+          <a:xfrm>
+            <a:off x="4387515" y="2022601"/>
+            <a:ext cx="7161017" cy="4154361"/>
+          </a:xfrm>
+        </p:spPr>
+        <p:txBody>
+          <a:bodyPr>
+            <a:normAutofit/>
+          </a:bodyPr>
+          <a:lstStyle/>
+          <a:p>
+            <a:r>
+              <a:rPr lang="en-US" altLang="zh-CN" sz="2000">
+                <a:solidFill>
+                  <a:schemeClr val="bg1"/>
+                </a:solidFill>
+              </a:rPr>
+              <a:t>Select a vehicle.</a:t>
+            </a:r>
+          </a:p>
+          <a:p>
+            <a:r>
+              <a:rPr lang="en-US" altLang="zh-CN" sz="2000">
+                <a:solidFill>
+                  <a:schemeClr val="bg1"/>
+                </a:solidFill>
+              </a:rPr>
+              <a:t>Click the next icon.</a:t>
+            </a:r>
+            <a:endParaRPr lang="zh-CN" altLang="en-US" sz="2000">
+              <a:solidFill>
+                <a:schemeClr val="bg1"/>
+              </a:solidFill>
+            </a:endParaRPr>
+          </a:p>
+          <a:p>
+            <a:endParaRPr lang="en-US" sz="2000">
+              <a:solidFill>
+                <a:schemeClr val="bg1"/>
+              </a:solidFill>
+            </a:endParaRPr>
           </a:p>
         </p:txBody>
       </p:sp>
     </p:spTree>
     <p:extLst>
       <p:ext uri="{BB962C8B-B14F-4D97-AF65-F5344CB8AC3E}">
-        <p14:creationId xmlns:p14="http://schemas.microsoft.com/office/powerpoint/2010/main" val="3146984168"/>
+        <p14:creationId xmlns:p14="http://schemas.microsoft.com/office/powerpoint/2010/main" val="2814904541"/>
       </p:ext>
     </p:extLst>
   </p:cSld>
@@ -10485,7 +10317,7 @@
       </p:grpSpPr>
       <p:sp>
         <p:nvSpPr>
-          <p:cNvPr id="14" name="Freeform 28"/>
+          <p:cNvPr id="37" name="Rectangle 36"/>
           <p:cNvSpPr>
             <a:spLocks noGrp="1" noRot="1" noChangeAspect="1" noMove="1" noResize="1" noEditPoints="1" noAdjustHandles="1" noChangeArrowheads="1" noChangeShapeType="1" noTextEdit="1"/>
           </p:cNvSpPr>
@@ -10497,66 +10329,58 @@
             </p:extLst>
           </p:nvPr>
         </p:nvSpPr>
-        <p:spPr>
-          <a:xfrm flipH="1" flipV="1">
-            <a:off x="960120" y="0"/>
-            <a:ext cx="11218661" cy="6858000"/>
-          </a:xfrm>
-          <a:custGeom>
+        <p:spPr bwMode="white">
+          <a:xfrm>
+            <a:off x="0" y="0"/>
+            <a:ext cx="12192000" cy="6858000"/>
+          </a:xfrm>
+          <a:prstGeom prst="rect">
             <a:avLst/>
-            <a:gdLst>
-              <a:gd name="connsiteX0" fmla="*/ 0 w 11218661"/>
-              <a:gd name="connsiteY0" fmla="*/ 0 h 6858000"/>
-              <a:gd name="connsiteX1" fmla="*/ 8042507 w 11218661"/>
-              <a:gd name="connsiteY1" fmla="*/ 0 h 6858000"/>
-              <a:gd name="connsiteX2" fmla="*/ 11218661 w 11218661"/>
-              <a:gd name="connsiteY2" fmla="*/ 6858000 h 6858000"/>
-              <a:gd name="connsiteX3" fmla="*/ 0 w 11218661"/>
-              <a:gd name="connsiteY3" fmla="*/ 6858000 h 6858000"/>
-            </a:gdLst>
-            <a:ahLst/>
-            <a:cxnLst>
-              <a:cxn ang="0">
-                <a:pos x="connsiteX0" y="connsiteY0"/>
-              </a:cxn>
-              <a:cxn ang="0">
-                <a:pos x="connsiteX1" y="connsiteY1"/>
-              </a:cxn>
-              <a:cxn ang="0">
-                <a:pos x="connsiteX2" y="connsiteY2"/>
-              </a:cxn>
-              <a:cxn ang="0">
-                <a:pos x="connsiteX3" y="connsiteY3"/>
-              </a:cxn>
-            </a:cxnLst>
-            <a:rect l="l" t="t" r="r" b="b"/>
-            <a:pathLst>
-              <a:path w="11218661" h="6858000">
-                <a:moveTo>
-                  <a:pt x="0" y="0"/>
-                </a:moveTo>
-                <a:lnTo>
-                  <a:pt x="8042507" y="0"/>
-                </a:lnTo>
-                <a:lnTo>
-                  <a:pt x="11218661" y="6858000"/>
-                </a:lnTo>
-                <a:lnTo>
-                  <a:pt x="0" y="6858000"/>
-                </a:lnTo>
-                <a:close/>
-              </a:path>
-            </a:pathLst>
-          </a:custGeom>
+          </a:prstGeom>
           <a:solidFill>
-            <a:schemeClr val="tx1">
-              <a:lumMod val="85000"/>
-              <a:lumOff val="15000"/>
-              <a:alpha val="70000"/>
-            </a:schemeClr>
+            <a:schemeClr val="bg1"/>
           </a:solidFill>
           <a:ln>
             <a:noFill/>
+          </a:ln>
+          <a:effectLst/>
+        </p:spPr>
+      </p:sp>
+      <p:sp>
+        <p:nvSpPr>
+          <p:cNvPr id="38" name="Rectangle 37"/>
+          <p:cNvSpPr>
+            <a:spLocks noGrp="1" noRot="1" noChangeAspect="1" noMove="1" noResize="1" noEditPoints="1" noAdjustHandles="1" noChangeArrowheads="1" noChangeShapeType="1" noTextEdit="1"/>
+          </p:cNvSpPr>
+          <p:nvPr>
+            <p:extLst>
+              <p:ext uri="{386F3935-93C4-4BCD-93E2-E3B085C9AB24}">
+                <p16:designElem xmlns:p16="http://schemas.microsoft.com/office/powerpoint/2015/main" val="1"/>
+              </p:ext>
+            </p:extLst>
+          </p:nvPr>
+        </p:nvSpPr>
+        <p:spPr bwMode="ltGray">
+          <a:xfrm>
+            <a:off x="378068" y="4633546"/>
+            <a:ext cx="11438793" cy="1844256"/>
+          </a:xfrm>
+          <a:prstGeom prst="rect">
+            <a:avLst/>
+          </a:prstGeom>
+          <a:solidFill>
+            <a:schemeClr val="tx1">
+              <a:lumMod val="75000"/>
+              <a:lumOff val="25000"/>
+            </a:schemeClr>
+          </a:solidFill>
+          <a:ln w="127000" cap="sq" cmpd="thinThick">
+            <a:solidFill>
+              <a:schemeClr val="tx1">
+                <a:lumMod val="75000"/>
+                <a:lumOff val="25000"/>
+              </a:schemeClr>
+            </a:solidFill>
           </a:ln>
         </p:spPr>
         <p:style>
@@ -10576,9 +10400,7 @@
           </a:fontRef>
         </p:style>
         <p:txBody>
-          <a:bodyPr wrap="square" rtlCol="0" anchor="ctr">
-            <a:noAutofit/>
-          </a:bodyPr>
+          <a:bodyPr rtlCol="0" anchor="ctr"/>
           <a:lstStyle/>
           <a:p>
             <a:pPr algn="ctr"/>
@@ -10586,12 +10408,12 @@
           </a:p>
         </p:txBody>
       </p:sp>
-      <p:sp>
-        <p:nvSpPr>
-          <p:cNvPr id="15" name="Freeform 26"/>
-          <p:cNvSpPr>
-            <a:spLocks noGrp="1" noRot="1" noChangeAspect="1" noMove="1" noResize="1" noEditPoints="1" noAdjustHandles="1" noChangeArrowheads="1" noChangeShapeType="1" noTextEdit="1"/>
-          </p:cNvSpPr>
+      <p:cxnSp>
+        <p:nvCxnSpPr>
+          <p:cNvPr id="39" name="Straight Connector 38"/>
+          <p:cNvCxnSpPr>
+            <a:cxnSpLocks noGrp="1" noRot="1" noChangeAspect="1" noMove="1" noResize="1" noEditPoints="1" noAdjustHandles="1" noChangeArrowheads="1" noChangeShapeType="1"/>
+          </p:cNvCxnSpPr>
           <p:nvPr>
             <p:extLst>
               <p:ext uri="{386F3935-93C4-4BCD-93E2-E3B085C9AB24}">
@@ -10599,105 +10421,94 @@
               </p:ext>
             </p:extLst>
           </p:nvPr>
-        </p:nvSpPr>
-        <p:spPr>
-          <a:xfrm flipH="1" flipV="1">
-            <a:off x="1407030" y="0"/>
-            <a:ext cx="10771752" cy="6858000"/>
-          </a:xfrm>
-          <a:custGeom>
+        </p:nvCxnSpPr>
+        <p:spPr>
+          <a:xfrm>
+            <a:off x="2209800" y="5738691"/>
+            <a:ext cx="7772400" cy="0"/>
+          </a:xfrm>
+          <a:prstGeom prst="line">
             <a:avLst/>
-            <a:gdLst>
-              <a:gd name="connsiteX0" fmla="*/ 0 w 10771752"/>
-              <a:gd name="connsiteY0" fmla="*/ 0 h 6858000"/>
-              <a:gd name="connsiteX1" fmla="*/ 7595598 w 10771752"/>
-              <a:gd name="connsiteY1" fmla="*/ 0 h 6858000"/>
-              <a:gd name="connsiteX2" fmla="*/ 10771752 w 10771752"/>
-              <a:gd name="connsiteY2" fmla="*/ 6858000 h 6858000"/>
-              <a:gd name="connsiteX3" fmla="*/ 0 w 10771752"/>
-              <a:gd name="connsiteY3" fmla="*/ 6858000 h 6858000"/>
-            </a:gdLst>
-            <a:ahLst/>
-            <a:cxnLst>
-              <a:cxn ang="0">
-                <a:pos x="connsiteX0" y="connsiteY0"/>
-              </a:cxn>
-              <a:cxn ang="0">
-                <a:pos x="connsiteX1" y="connsiteY1"/>
-              </a:cxn>
-              <a:cxn ang="0">
-                <a:pos x="connsiteX2" y="connsiteY2"/>
-              </a:cxn>
-              <a:cxn ang="0">
-                <a:pos x="connsiteX3" y="connsiteY3"/>
-              </a:cxn>
-            </a:cxnLst>
-            <a:rect l="l" t="t" r="r" b="b"/>
-            <a:pathLst>
-              <a:path w="10771752" h="6858000">
-                <a:moveTo>
-                  <a:pt x="0" y="0"/>
-                </a:moveTo>
-                <a:lnTo>
-                  <a:pt x="7595598" y="0"/>
-                </a:lnTo>
-                <a:lnTo>
-                  <a:pt x="10771752" y="6858000"/>
-                </a:lnTo>
-                <a:lnTo>
-                  <a:pt x="0" y="6858000"/>
-                </a:lnTo>
-                <a:close/>
-              </a:path>
-            </a:pathLst>
-          </a:custGeom>
-          <a:solidFill>
-            <a:schemeClr val="tx1">
-              <a:lumMod val="85000"/>
-              <a:lumOff val="15000"/>
-            </a:schemeClr>
-          </a:solidFill>
-          <a:ln>
-            <a:noFill/>
+          </a:prstGeom>
+          <a:ln w="22225">
+            <a:solidFill>
+              <a:schemeClr val="bg1">
+                <a:lumMod val="85000"/>
+              </a:schemeClr>
+            </a:solidFill>
           </a:ln>
         </p:spPr>
         <p:style>
-          <a:lnRef idx="2">
-            <a:schemeClr val="accent1">
-              <a:shade val="50000"/>
-            </a:schemeClr>
+          <a:lnRef idx="1">
+            <a:schemeClr val="accent1"/>
           </a:lnRef>
-          <a:fillRef idx="1">
+          <a:fillRef idx="0">
             <a:schemeClr val="accent1"/>
           </a:fillRef>
           <a:effectRef idx="0">
             <a:schemeClr val="accent1"/>
           </a:effectRef>
           <a:fontRef idx="minor">
-            <a:schemeClr val="lt1"/>
+            <a:schemeClr val="tx1"/>
           </a:fontRef>
         </p:style>
-        <p:txBody>
-          <a:bodyPr wrap="square" rtlCol="0" anchor="ctr">
-            <a:noAutofit/>
-          </a:bodyPr>
-          <a:lstStyle/>
-          <a:p>
-            <a:pPr algn="ctr"/>
-            <a:endParaRPr lang="en-US"/>
-          </a:p>
-        </p:txBody>
-      </p:sp>
+      </p:cxnSp>
+      <p:cxnSp>
+        <p:nvCxnSpPr>
+          <p:cNvPr id="40" name="Straight Connector 39"/>
+          <p:cNvCxnSpPr>
+            <a:cxnSpLocks noGrp="1" noRot="1" noChangeAspect="1" noMove="1" noResize="1" noEditPoints="1" noAdjustHandles="1" noChangeArrowheads="1" noChangeShapeType="1"/>
+          </p:cNvCxnSpPr>
+          <p:nvPr>
+            <p:extLst>
+              <p:ext uri="{386F3935-93C4-4BCD-93E2-E3B085C9AB24}">
+                <p16:designElem xmlns:p16="http://schemas.microsoft.com/office/powerpoint/2015/main" val="1"/>
+              </p:ext>
+            </p:extLst>
+          </p:nvPr>
+        </p:nvCxnSpPr>
+        <p:spPr>
+          <a:xfrm>
+            <a:off x="4065689" y="477749"/>
+            <a:ext cx="0" cy="3657600"/>
+          </a:xfrm>
+          <a:prstGeom prst="line">
+            <a:avLst/>
+          </a:prstGeom>
+          <a:ln w="101600" cmpd="dbl">
+            <a:solidFill>
+              <a:schemeClr val="tx1">
+                <a:lumMod val="65000"/>
+                <a:lumOff val="35000"/>
+              </a:schemeClr>
+            </a:solidFill>
+          </a:ln>
+        </p:spPr>
+        <p:style>
+          <a:lnRef idx="1">
+            <a:schemeClr val="accent1"/>
+          </a:lnRef>
+          <a:fillRef idx="0">
+            <a:schemeClr val="accent1"/>
+          </a:fillRef>
+          <a:effectRef idx="0">
+            <a:schemeClr val="accent1"/>
+          </a:effectRef>
+          <a:fontRef idx="minor">
+            <a:schemeClr val="tx1"/>
+          </a:fontRef>
+        </p:style>
+      </p:cxnSp>
       <p:pic>
         <p:nvPicPr>
-          <p:cNvPr id="3" name="Picture 2"/>
+          <p:cNvPr id="3" name="图片 2"/>
           <p:cNvPicPr>
             <a:picLocks noChangeAspect="1"/>
           </p:cNvPicPr>
           <p:nvPr/>
         </p:nvPicPr>
         <p:blipFill>
-          <a:blip r:embed="rId2">
+          <a:blip r:embed="rId2" cstate="print">
             <a:extLst>
               <a:ext uri="{28A0092B-C50C-407E-A947-70E740481C1C}">
                 <a14:useLocalDpi xmlns:a14="http://schemas.microsoft.com/office/drawing/2010/main" val="0"/>
@@ -10710,14 +10521,90 @@
         </p:blipFill>
         <p:spPr>
           <a:xfrm>
-            <a:off x="626042" y="642988"/>
-            <a:ext cx="3133992" cy="5571543"/>
+            <a:off x="4979750" y="304368"/>
+            <a:ext cx="2248670" cy="3997637"/>
           </a:xfrm>
           <a:prstGeom prst="rect">
             <a:avLst/>
           </a:prstGeom>
         </p:spPr>
       </p:pic>
+      <p:cxnSp>
+        <p:nvCxnSpPr>
+          <p:cNvPr id="41" name="Straight Connector 40"/>
+          <p:cNvCxnSpPr>
+            <a:cxnSpLocks noGrp="1" noRot="1" noChangeAspect="1" noMove="1" noResize="1" noEditPoints="1" noAdjustHandles="1" noChangeArrowheads="1" noChangeShapeType="1"/>
+          </p:cNvCxnSpPr>
+          <p:nvPr>
+            <p:extLst>
+              <p:ext uri="{386F3935-93C4-4BCD-93E2-E3B085C9AB24}">
+                <p16:designElem xmlns:p16="http://schemas.microsoft.com/office/powerpoint/2015/main" val="1"/>
+              </p:ext>
+            </p:extLst>
+          </p:nvPr>
+        </p:nvCxnSpPr>
+        <p:spPr>
+          <a:xfrm>
+            <a:off x="8129685" y="477749"/>
+            <a:ext cx="0" cy="3657600"/>
+          </a:xfrm>
+          <a:prstGeom prst="line">
+            <a:avLst/>
+          </a:prstGeom>
+          <a:ln w="101600" cmpd="dbl">
+            <a:solidFill>
+              <a:schemeClr val="tx1">
+                <a:lumMod val="65000"/>
+                <a:lumOff val="35000"/>
+              </a:schemeClr>
+            </a:solidFill>
+          </a:ln>
+        </p:spPr>
+        <p:style>
+          <a:lnRef idx="1">
+            <a:schemeClr val="accent1"/>
+          </a:lnRef>
+          <a:fillRef idx="0">
+            <a:schemeClr val="accent1"/>
+          </a:fillRef>
+          <a:effectRef idx="0">
+            <a:schemeClr val="accent1"/>
+          </a:effectRef>
+          <a:fontRef idx="minor">
+            <a:schemeClr val="tx1"/>
+          </a:fontRef>
+        </p:style>
+      </p:cxnSp>
+      <p:pic>
+        <p:nvPicPr>
+          <p:cNvPr id="4" name="Picture 3"/>
+          <p:cNvPicPr>
+            <a:picLocks noChangeAspect="1"/>
+          </p:cNvPicPr>
+          <p:nvPr/>
+        </p:nvPicPr>
+        <p:blipFill>
+          <a:blip r:embed="rId3" cstate="print">
+            <a:extLst>
+              <a:ext uri="{28A0092B-C50C-407E-A947-70E740481C1C}">
+                <a14:useLocalDpi xmlns:a14="http://schemas.microsoft.com/office/drawing/2010/main" val="0"/>
+              </a:ext>
+            </a:extLst>
+          </a:blip>
+          <a:stretch>
+            <a:fillRect/>
+          </a:stretch>
+        </p:blipFill>
+        <p:spPr>
+          <a:xfrm>
+            <a:off x="902959" y="307729"/>
+            <a:ext cx="2248670" cy="3997637"/>
+          </a:xfrm>
+          <a:prstGeom prst="rect">
+            <a:avLst/>
+          </a:prstGeom>
+        </p:spPr>
+      </p:pic>
       <p:sp>
         <p:nvSpPr>
           <p:cNvPr id="2" name="标题 1"/>
@@ -10730,91 +10617,112 @@
         </p:nvSpPr>
         <p:spPr>
           <a:xfrm>
-            <a:off x="4384039" y="365125"/>
-            <a:ext cx="7164493" cy="1325563"/>
-          </a:xfrm>
-        </p:spPr>
-        <p:txBody>
-          <a:bodyPr>
+            <a:off x="527538" y="4723076"/>
+            <a:ext cx="11139854" cy="938254"/>
+          </a:xfrm>
+        </p:spPr>
+        <p:txBody>
+          <a:bodyPr vert="horz" lIns="91440" tIns="45720" rIns="91440" bIns="45720" rtlCol="0" anchor="b">
             <a:normAutofit/>
           </a:bodyPr>
           <a:lstStyle/>
           <a:p>
-            <a:r>
-              <a:rPr lang="en-US" altLang="zh-CN">
+            <a:pPr algn="ctr">
+              <a:lnSpc>
+                <a:spcPct val="70000"/>
+              </a:lnSpc>
+            </a:pPr>
+            <a:r>
+              <a:rPr lang="en-US" altLang="zh-CN" sz="2600" dirty="0">
                 <a:solidFill>
                   <a:schemeClr val="bg1"/>
                 </a:solidFill>
               </a:rPr>
-              <a:t>Select Vehicle</a:t>
-            </a:r>
-            <a:endParaRPr lang="zh-CN" altLang="en-US">
-              <a:solidFill>
-                <a:schemeClr val="bg1"/>
-              </a:solidFill>
-            </a:endParaRPr>
-          </a:p>
-        </p:txBody>
-      </p:sp>
-      <p:sp>
-        <p:nvSpPr>
-          <p:cNvPr id="8" name="Content Placeholder 7"/>
-          <p:cNvSpPr>
-            <a:spLocks noGrp="1"/>
-          </p:cNvSpPr>
-          <p:nvPr>
-            <p:ph idx="1"/>
-          </p:nvPr>
-        </p:nvSpPr>
-        <p:spPr>
-          <a:xfrm>
-            <a:off x="4387515" y="2022601"/>
-            <a:ext cx="7161017" cy="4154361"/>
-          </a:xfrm>
-        </p:spPr>
-        <p:txBody>
-          <a:bodyPr>
-            <a:normAutofit/>
-          </a:bodyPr>
-          <a:lstStyle/>
-          <a:p>
-            <a:r>
-              <a:rPr lang="en-US" altLang="zh-CN" sz="2000">
+              <a:t>Click OK.</a:t>
+            </a:r>
+            <a:br>
+              <a:rPr lang="en-US" altLang="zh-CN" sz="2600" dirty="0">
                 <a:solidFill>
                   <a:schemeClr val="bg1"/>
                 </a:solidFill>
               </a:rPr>
-              <a:t>Select a vehicle.</a:t>
-            </a:r>
-          </a:p>
-          <a:p>
-            <a:r>
-              <a:rPr lang="en-US" altLang="zh-CN" sz="2000">
+            </a:br>
+            <a:r>
+              <a:rPr lang="en-US" altLang="zh-CN" sz="2600" dirty="0">
+                <a:solidFill>
+                  <a:schemeClr val="bg1"/>
+                </a:solidFill>
+              </a:rPr>
+              <a:t>Click the camera button and select a 2</a:t>
+            </a:r>
+            <a:r>
+              <a:rPr lang="en-US" altLang="zh-CN" sz="2600" baseline="30000" dirty="0">
+                <a:solidFill>
+                  <a:schemeClr val="bg1"/>
+                </a:solidFill>
+              </a:rPr>
+              <a:t>nd</a:t>
+            </a:r>
+            <a:r>
+              <a:rPr lang="en-US" altLang="zh-CN" sz="2600" dirty="0">
+                <a:solidFill>
+                  <a:schemeClr val="bg1"/>
+                </a:solidFill>
+              </a:rPr>
+              <a:t> party license plate.</a:t>
+            </a:r>
+            <a:br>
+              <a:rPr lang="en-US" altLang="zh-CN" sz="2600" dirty="0">
+                <a:solidFill>
+                  <a:schemeClr val="bg1"/>
+                </a:solidFill>
+              </a:rPr>
+            </a:br>
+            <a:r>
+              <a:rPr lang="en-US" altLang="zh-CN" sz="2600" dirty="0">
                 <a:solidFill>
                   <a:schemeClr val="bg1"/>
                 </a:solidFill>
               </a:rPr>
               <a:t>Click the next icon.</a:t>
             </a:r>
-            <a:endParaRPr lang="zh-CN" altLang="en-US" sz="2000">
-              <a:solidFill>
-                <a:schemeClr val="bg1"/>
-              </a:solidFill>
-            </a:endParaRPr>
-          </a:p>
-          <a:p>
-            <a:endParaRPr lang="en-US" sz="2000">
-              <a:solidFill>
-                <a:schemeClr val="bg1"/>
-              </a:solidFill>
-            </a:endParaRPr>
-          </a:p>
-        </p:txBody>
-      </p:sp>
+          </a:p>
+        </p:txBody>
+      </p:sp>
+      <p:pic>
+        <p:nvPicPr>
+          <p:cNvPr id="7" name="Picture 6"/>
+          <p:cNvPicPr>
+            <a:picLocks noChangeAspect="1"/>
+          </p:cNvPicPr>
+          <p:nvPr/>
+        </p:nvPicPr>
+        <p:blipFill>
+          <a:blip r:embed="rId4" cstate="print">
+            <a:extLst>
+              <a:ext uri="{28A0092B-C50C-407E-A947-70E740481C1C}">
+                <a14:useLocalDpi xmlns:a14="http://schemas.microsoft.com/office/drawing/2010/main" val="0"/>
+              </a:ext>
+            </a:extLst>
+          </a:blip>
+          <a:stretch>
+            <a:fillRect/>
+          </a:stretch>
+        </p:blipFill>
+        <p:spPr>
+          <a:xfrm>
+            <a:off x="9038451" y="304368"/>
+            <a:ext cx="2244783" cy="3994276"/>
+          </a:xfrm>
+          <a:prstGeom prst="rect">
+            <a:avLst/>
+          </a:prstGeom>
+        </p:spPr>
+      </p:pic>
     </p:spTree>
     <p:extLst>
       <p:ext uri="{BB962C8B-B14F-4D97-AF65-F5344CB8AC3E}">
-        <p14:creationId xmlns:p14="http://schemas.microsoft.com/office/powerpoint/2010/main" val="2814904541"/>
+        <p14:creationId xmlns:p14="http://schemas.microsoft.com/office/powerpoint/2010/main" val="3058560254"/>
       </p:ext>
     </p:extLst>
   </p:cSld>
@@ -10843,7 +10751,7 @@
       </p:grpSpPr>
       <p:sp>
         <p:nvSpPr>
-          <p:cNvPr id="37" name="Rectangle 36"/>
+          <p:cNvPr id="8" name="Rectangle 7"/>
           <p:cNvSpPr>
             <a:spLocks noGrp="1" noRot="1" noChangeAspect="1" noMove="1" noResize="1" noEditPoints="1" noAdjustHandles="1" noChangeArrowheads="1" noChangeShapeType="1" noTextEdit="1"/>
           </p:cNvSpPr>
@@ -10874,7 +10782,7 @@
       </p:sp>
       <p:sp>
         <p:nvSpPr>
-          <p:cNvPr id="38" name="Rectangle 37"/>
+          <p:cNvPr id="9" name="Rectangle 8"/>
           <p:cNvSpPr>
             <a:spLocks noGrp="1" noRot="1" noChangeAspect="1" noMove="1" noResize="1" noEditPoints="1" noAdjustHandles="1" noChangeArrowheads="1" noChangeShapeType="1" noTextEdit="1"/>
           </p:cNvSpPr>
@@ -10936,7 +10844,7 @@
       </p:sp>
       <p:cxnSp>
         <p:nvCxnSpPr>
-          <p:cNvPr id="39" name="Straight Connector 38"/>
+          <p:cNvPr id="10" name="Straight Connector 9"/>
           <p:cNvCxnSpPr>
             <a:cxnSpLocks noGrp="1" noRot="1" noChangeAspect="1" noMove="1" noResize="1" noEditPoints="1" noAdjustHandles="1" noChangeArrowheads="1" noChangeShapeType="1"/>
           </p:cNvCxnSpPr>
@@ -10981,7 +10889,7 @@
       </p:cxnSp>
       <p:cxnSp>
         <p:nvCxnSpPr>
-          <p:cNvPr id="40" name="Straight Connector 39"/>
+          <p:cNvPr id="11" name="Straight Connector 10"/>
           <p:cNvCxnSpPr>
             <a:cxnSpLocks noGrp="1" noRot="1" noChangeAspect="1" noMove="1" noResize="1" noEditPoints="1" noAdjustHandles="1" noChangeArrowheads="1" noChangeShapeType="1"/>
           </p:cNvCxnSpPr>
@@ -10995,7 +10903,7 @@
         </p:nvCxnSpPr>
         <p:spPr>
           <a:xfrm>
-            <a:off x="4065689" y="477749"/>
+            <a:off x="6096000" y="477749"/>
             <a:ext cx="0" cy="3657600"/>
           </a:xfrm>
           <a:prstGeom prst="line">
@@ -11027,7 +10935,7 @@
       </p:cxnSp>
       <p:pic>
         <p:nvPicPr>
-          <p:cNvPr id="3" name="图片 2"/>
+          <p:cNvPr id="5" name="图片 4"/>
           <p:cNvPicPr>
             <a:picLocks noChangeAspect="1"/>
           </p:cNvPicPr>
@@ -11047,7 +10955,7 @@
         </p:blipFill>
         <p:spPr>
           <a:xfrm>
-            <a:off x="4979750" y="304368"/>
+            <a:off x="1923663" y="307731"/>
             <a:ext cx="2248670" cy="3997637"/>
           </a:xfrm>
           <a:prstGeom prst="rect">
@@ -11055,55 +10963,85 @@
           </a:prstGeom>
         </p:spPr>
       </p:pic>
-      <p:cxnSp>
-        <p:nvCxnSpPr>
-          <p:cNvPr id="41" name="Straight Connector 40"/>
-          <p:cNvCxnSpPr>
-            <a:cxnSpLocks noGrp="1" noRot="1" noChangeAspect="1" noMove="1" noResize="1" noEditPoints="1" noAdjustHandles="1" noChangeArrowheads="1" noChangeShapeType="1"/>
-          </p:cNvCxnSpPr>
-          <p:nvPr>
-            <p:extLst>
-              <p:ext uri="{386F3935-93C4-4BCD-93E2-E3B085C9AB24}">
-                <p16:designElem xmlns:p16="http://schemas.microsoft.com/office/powerpoint/2015/main" val="1"/>
-              </p:ext>
-            </p:extLst>
-          </p:nvPr>
-        </p:nvCxnSpPr>
-        <p:spPr>
-          <a:xfrm>
-            <a:off x="8129685" y="477749"/>
-            <a:ext cx="0" cy="3657600"/>
-          </a:xfrm>
-          <a:prstGeom prst="line">
-            <a:avLst/>
-          </a:prstGeom>
-          <a:ln w="101600" cmpd="dbl">
-            <a:solidFill>
-              <a:schemeClr val="tx1">
-                <a:lumMod val="65000"/>
-                <a:lumOff val="35000"/>
-              </a:schemeClr>
-            </a:solidFill>
-          </a:ln>
-        </p:spPr>
-        <p:style>
-          <a:lnRef idx="1">
-            <a:schemeClr val="accent1"/>
-          </a:lnRef>
-          <a:fillRef idx="0">
-            <a:schemeClr val="accent1"/>
-          </a:fillRef>
-          <a:effectRef idx="0">
-            <a:schemeClr val="accent1"/>
-          </a:effectRef>
-          <a:fontRef idx="minor">
-            <a:schemeClr val="tx1"/>
-          </a:fontRef>
-        </p:style>
-      </p:cxnSp>
+      <p:sp>
+        <p:nvSpPr>
+          <p:cNvPr id="2" name="标题 1"/>
+          <p:cNvSpPr>
+            <a:spLocks noGrp="1"/>
+          </p:cNvSpPr>
+          <p:nvPr>
+            <p:ph type="title"/>
+          </p:nvPr>
+        </p:nvSpPr>
+        <p:spPr>
+          <a:xfrm>
+            <a:off x="527538" y="4756638"/>
+            <a:ext cx="11139854" cy="930447"/>
+          </a:xfrm>
+        </p:spPr>
+        <p:txBody>
+          <a:bodyPr vert="horz" lIns="91440" tIns="45720" rIns="91440" bIns="45720" rtlCol="0" anchor="b">
+            <a:normAutofit/>
+          </a:bodyPr>
+          <a:lstStyle/>
+          <a:p>
+            <a:pPr algn="ctr">
+              <a:lnSpc>
+                <a:spcPct val="70000"/>
+              </a:lnSpc>
+            </a:pPr>
+            <a:r>
+              <a:rPr lang="en-US" altLang="zh-CN" sz="2600" dirty="0">
+                <a:solidFill>
+                  <a:schemeClr val="bg1"/>
+                </a:solidFill>
+              </a:rPr>
+              <a:t>Click the camera button and select the 2</a:t>
+            </a:r>
+            <a:r>
+              <a:rPr lang="en-US" altLang="zh-CN" sz="2600" baseline="30000" dirty="0">
+                <a:solidFill>
+                  <a:schemeClr val="bg1"/>
+                </a:solidFill>
+              </a:rPr>
+              <a:t>nd</a:t>
+            </a:r>
+            <a:r>
+              <a:rPr lang="en-US" altLang="zh-CN" sz="2600" dirty="0">
+                <a:solidFill>
+                  <a:schemeClr val="bg1"/>
+                </a:solidFill>
+              </a:rPr>
+              <a:t> party insurance card. </a:t>
+            </a:r>
+            <a:br>
+              <a:rPr lang="en-US" altLang="zh-CN" sz="2600" dirty="0">
+                <a:solidFill>
+                  <a:schemeClr val="bg1"/>
+                </a:solidFill>
+              </a:rPr>
+            </a:br>
+            <a:br>
+              <a:rPr lang="en-US" altLang="zh-CN" sz="2600" dirty="0">
+                <a:solidFill>
+                  <a:schemeClr val="bg1"/>
+                </a:solidFill>
+              </a:rPr>
+            </a:br>
+            <a:r>
+              <a:rPr lang="en-US" altLang="zh-CN" sz="2600" dirty="0">
+                <a:solidFill>
+                  <a:schemeClr val="bg1"/>
+                </a:solidFill>
+              </a:rPr>
+              <a:t>Click the next icon.</a:t>
+            </a:r>
+          </a:p>
+        </p:txBody>
+      </p:sp>
       <p:pic>
         <p:nvPicPr>
-          <p:cNvPr id="4" name="Picture 3"/>
+          <p:cNvPr id="3" name="Picture 2"/>
           <p:cNvPicPr>
             <a:picLocks noChangeAspect="1"/>
           </p:cNvPicPr>
@@ -11123,122 +11061,8 @@
         </p:blipFill>
         <p:spPr>
           <a:xfrm>
-            <a:off x="902959" y="307729"/>
-            <a:ext cx="2248670" cy="3997637"/>
-          </a:xfrm>
-          <a:prstGeom prst="rect">
-            <a:avLst/>
-          </a:prstGeom>
-        </p:spPr>
-      </p:pic>
-      <p:sp>
-        <p:nvSpPr>
-          <p:cNvPr id="2" name="标题 1"/>
-          <p:cNvSpPr>
-            <a:spLocks noGrp="1"/>
-          </p:cNvSpPr>
-          <p:nvPr>
-            <p:ph type="title"/>
-          </p:nvPr>
-        </p:nvSpPr>
-        <p:spPr>
-          <a:xfrm>
-            <a:off x="527538" y="4723076"/>
-            <a:ext cx="11139854" cy="938254"/>
-          </a:xfrm>
-        </p:spPr>
-        <p:txBody>
-          <a:bodyPr vert="horz" lIns="91440" tIns="45720" rIns="91440" bIns="45720" rtlCol="0" anchor="b">
-            <a:normAutofit/>
-          </a:bodyPr>
-          <a:lstStyle/>
-          <a:p>
-            <a:pPr algn="ctr">
-              <a:lnSpc>
-                <a:spcPct val="70000"/>
-              </a:lnSpc>
-            </a:pPr>
-            <a:r>
-              <a:rPr lang="en-US" altLang="zh-CN" sz="2600" dirty="0">
-                <a:solidFill>
-                  <a:schemeClr val="bg1"/>
-                </a:solidFill>
-              </a:rPr>
-              <a:t>Click OK.</a:t>
-            </a:r>
-            <a:br>
-              <a:rPr lang="en-US" altLang="zh-CN" sz="2600" dirty="0">
-                <a:solidFill>
-                  <a:schemeClr val="bg1"/>
-                </a:solidFill>
-              </a:rPr>
-            </a:br>
-            <a:r>
-              <a:rPr lang="en-US" altLang="zh-CN" sz="2600" dirty="0">
-                <a:solidFill>
-                  <a:schemeClr val="bg1"/>
-                </a:solidFill>
-              </a:rPr>
-              <a:t>Click the camera button and select a 2</a:t>
-            </a:r>
-            <a:r>
-              <a:rPr lang="en-US" altLang="zh-CN" sz="2600" baseline="30000" dirty="0">
-                <a:solidFill>
-                  <a:schemeClr val="bg1"/>
-                </a:solidFill>
-              </a:rPr>
-              <a:t>nd</a:t>
-            </a:r>
-            <a:r>
-              <a:rPr lang="en-US" altLang="zh-CN" sz="2600" dirty="0">
-                <a:solidFill>
-                  <a:schemeClr val="bg1"/>
-                </a:solidFill>
-              </a:rPr>
-              <a:t> party license plate.</a:t>
-            </a:r>
-            <a:br>
-              <a:rPr lang="en-US" altLang="zh-CN" sz="2600" dirty="0">
-                <a:solidFill>
-                  <a:schemeClr val="bg1"/>
-                </a:solidFill>
-              </a:rPr>
-            </a:br>
-            <a:r>
-              <a:rPr lang="en-US" altLang="zh-CN" sz="2600" dirty="0">
-                <a:solidFill>
-                  <a:schemeClr val="bg1"/>
-                </a:solidFill>
-              </a:rPr>
-              <a:t>Click the next icon.</a:t>
-            </a:r>
-          </a:p>
-        </p:txBody>
-      </p:sp>
-      <p:pic>
-        <p:nvPicPr>
-          <p:cNvPr id="7" name="Picture 6"/>
-          <p:cNvPicPr>
-            <a:picLocks noChangeAspect="1"/>
-          </p:cNvPicPr>
-          <p:nvPr/>
-        </p:nvPicPr>
-        <p:blipFill>
-          <a:blip r:embed="rId4" cstate="print">
-            <a:extLst>
-              <a:ext uri="{28A0092B-C50C-407E-A947-70E740481C1C}">
-                <a14:useLocalDpi xmlns:a14="http://schemas.microsoft.com/office/drawing/2010/main" val="0"/>
-              </a:ext>
-            </a:extLst>
-          </a:blip>
-          <a:stretch>
-            <a:fillRect/>
-          </a:stretch>
-        </p:blipFill>
-        <p:spPr>
-          <a:xfrm>
-            <a:off x="9038451" y="304368"/>
-            <a:ext cx="2244783" cy="3994276"/>
+            <a:off x="8018776" y="301010"/>
+            <a:ext cx="2250449" cy="4004358"/>
           </a:xfrm>
           <a:prstGeom prst="rect">
             <a:avLst/>
@@ -11248,7 +11072,7 @@
     </p:spTree>
     <p:extLst>
       <p:ext uri="{BB962C8B-B14F-4D97-AF65-F5344CB8AC3E}">
-        <p14:creationId xmlns:p14="http://schemas.microsoft.com/office/powerpoint/2010/main" val="3058560254"/>
+        <p14:creationId xmlns:p14="http://schemas.microsoft.com/office/powerpoint/2010/main" val="1338658586"/>
       </p:ext>
     </p:extLst>
   </p:cSld>

--- a/Src/Demo Script.pptx
+++ b/Src/Demo Script.pptx
@@ -25,8 +25,9 @@
     <p:sldId id="268" r:id="rId19"/>
     <p:sldId id="282" r:id="rId20"/>
     <p:sldId id="285" r:id="rId21"/>
-    <p:sldId id="286" r:id="rId22"/>
-    <p:sldId id="281" r:id="rId23"/>
+    <p:sldId id="289" r:id="rId22"/>
+    <p:sldId id="286" r:id="rId23"/>
+    <p:sldId id="281" r:id="rId24"/>
   </p:sldIdLst>
   <p:sldSz cx="12192000" cy="6858000"/>
   <p:notesSz cx="6858000" cy="9144000"/>
@@ -170,6 +171,15 @@
             <p14:sldId id="268"/>
             <p14:sldId id="282"/>
             <p14:sldId id="285"/>
+          </p14:sldIdLst>
+        </p14:section>
+        <p14:section name="Push Notifications" id="{6ACAE1F1-20B6-4EFC-A518-C0EB96AEF863}">
+          <p14:sldIdLst>
+            <p14:sldId id="289"/>
+          </p14:sldIdLst>
+        </p14:section>
+        <p14:section name="Web App" id="{8F24DE4F-DF22-41D6-AD05-9FA9078CCB97}">
+          <p14:sldIdLst>
             <p14:sldId id="286"/>
           </p14:sldIdLst>
         </p14:section>
@@ -316,7 +326,7 @@
           <a:p>
             <a:fld id="{49CF1097-5897-4723-9833-9D245DB06627}" type="datetimeFigureOut">
               <a:rPr lang="zh-CN" altLang="en-US" smtClean="0"/>
-              <a:t>2016/10/5</a:t>
+              <a:t>2016/10/27</a:t>
             </a:fld>
             <a:endParaRPr lang="zh-CN" altLang="en-US"/>
           </a:p>
@@ -484,7 +494,7 @@
           <a:p>
             <a:fld id="{49CF1097-5897-4723-9833-9D245DB06627}" type="datetimeFigureOut">
               <a:rPr lang="zh-CN" altLang="en-US" smtClean="0"/>
-              <a:t>2016/10/5</a:t>
+              <a:t>2016/10/27</a:t>
             </a:fld>
             <a:endParaRPr lang="zh-CN" altLang="en-US"/>
           </a:p>
@@ -662,7 +672,7 @@
           <a:p>
             <a:fld id="{49CF1097-5897-4723-9833-9D245DB06627}" type="datetimeFigureOut">
               <a:rPr lang="zh-CN" altLang="en-US" smtClean="0"/>
-              <a:t>2016/10/5</a:t>
+              <a:t>2016/10/27</a:t>
             </a:fld>
             <a:endParaRPr lang="zh-CN" altLang="en-US"/>
           </a:p>
@@ -830,7 +840,7 @@
           <a:p>
             <a:fld id="{49CF1097-5897-4723-9833-9D245DB06627}" type="datetimeFigureOut">
               <a:rPr lang="zh-CN" altLang="en-US" smtClean="0"/>
-              <a:t>2016/10/5</a:t>
+              <a:t>2016/10/27</a:t>
             </a:fld>
             <a:endParaRPr lang="zh-CN" altLang="en-US"/>
           </a:p>
@@ -1075,7 +1085,7 @@
           <a:p>
             <a:fld id="{49CF1097-5897-4723-9833-9D245DB06627}" type="datetimeFigureOut">
               <a:rPr lang="zh-CN" altLang="en-US" smtClean="0"/>
-              <a:t>2016/10/5</a:t>
+              <a:t>2016/10/27</a:t>
             </a:fld>
             <a:endParaRPr lang="zh-CN" altLang="en-US"/>
           </a:p>
@@ -1304,7 +1314,7 @@
           <a:p>
             <a:fld id="{49CF1097-5897-4723-9833-9D245DB06627}" type="datetimeFigureOut">
               <a:rPr lang="zh-CN" altLang="en-US" smtClean="0"/>
-              <a:t>2016/10/5</a:t>
+              <a:t>2016/10/27</a:t>
             </a:fld>
             <a:endParaRPr lang="zh-CN" altLang="en-US"/>
           </a:p>
@@ -1668,7 +1678,7 @@
           <a:p>
             <a:fld id="{49CF1097-5897-4723-9833-9D245DB06627}" type="datetimeFigureOut">
               <a:rPr lang="zh-CN" altLang="en-US" smtClean="0"/>
-              <a:t>2016/10/5</a:t>
+              <a:t>2016/10/27</a:t>
             </a:fld>
             <a:endParaRPr lang="zh-CN" altLang="en-US"/>
           </a:p>
@@ -1785,7 +1795,7 @@
           <a:p>
             <a:fld id="{49CF1097-5897-4723-9833-9D245DB06627}" type="datetimeFigureOut">
               <a:rPr lang="zh-CN" altLang="en-US" smtClean="0"/>
-              <a:t>2016/10/5</a:t>
+              <a:t>2016/10/27</a:t>
             </a:fld>
             <a:endParaRPr lang="zh-CN" altLang="en-US"/>
           </a:p>
@@ -1880,7 +1890,7 @@
           <a:p>
             <a:fld id="{49CF1097-5897-4723-9833-9D245DB06627}" type="datetimeFigureOut">
               <a:rPr lang="zh-CN" altLang="en-US" smtClean="0"/>
-              <a:t>2016/10/5</a:t>
+              <a:t>2016/10/27</a:t>
             </a:fld>
             <a:endParaRPr lang="zh-CN" altLang="en-US"/>
           </a:p>
@@ -2155,7 +2165,7 @@
           <a:p>
             <a:fld id="{49CF1097-5897-4723-9833-9D245DB06627}" type="datetimeFigureOut">
               <a:rPr lang="zh-CN" altLang="en-US" smtClean="0"/>
-              <a:t>2016/10/5</a:t>
+              <a:t>2016/10/27</a:t>
             </a:fld>
             <a:endParaRPr lang="zh-CN" altLang="en-US"/>
           </a:p>
@@ -2407,7 +2417,7 @@
           <a:p>
             <a:fld id="{49CF1097-5897-4723-9833-9D245DB06627}" type="datetimeFigureOut">
               <a:rPr lang="zh-CN" altLang="en-US" smtClean="0"/>
-              <a:t>2016/10/5</a:t>
+              <a:t>2016/10/27</a:t>
             </a:fld>
             <a:endParaRPr lang="zh-CN" altLang="en-US"/>
           </a:p>
@@ -2618,7 +2628,7 @@
           <a:p>
             <a:fld id="{49CF1097-5897-4723-9833-9D245DB06627}" type="datetimeFigureOut">
               <a:rPr lang="zh-CN" altLang="en-US" smtClean="0"/>
-              <a:t>2016/10/5</a:t>
+              <a:t>2016/10/27</a:t>
             </a:fld>
             <a:endParaRPr lang="zh-CN" altLang="en-US"/>
           </a:p>
@@ -7476,6 +7486,375 @@
       </p:grpSpPr>
       <p:sp>
         <p:nvSpPr>
+          <p:cNvPr id="6" name="Rectangle 5"/>
+          <p:cNvSpPr>
+            <a:spLocks noGrp="1" noRot="1" noChangeAspect="1" noMove="1" noResize="1" noEditPoints="1" noAdjustHandles="1" noChangeArrowheads="1" noChangeShapeType="1" noTextEdit="1"/>
+          </p:cNvSpPr>
+          <p:nvPr>
+            <p:extLst>
+              <p:ext uri="{386F3935-93C4-4BCD-93E2-E3B085C9AB24}">
+                <p16:designElem xmlns:p16="http://schemas.microsoft.com/office/powerpoint/2015/main" val="1"/>
+              </p:ext>
+            </p:extLst>
+          </p:nvPr>
+        </p:nvSpPr>
+        <p:spPr bwMode="white">
+          <a:xfrm>
+            <a:off x="0" y="0"/>
+            <a:ext cx="12192000" cy="6858000"/>
+          </a:xfrm>
+          <a:prstGeom prst="rect">
+            <a:avLst/>
+          </a:prstGeom>
+          <a:solidFill>
+            <a:schemeClr val="bg1"/>
+          </a:solidFill>
+          <a:ln>
+            <a:noFill/>
+          </a:ln>
+          <a:effectLst/>
+        </p:spPr>
+      </p:sp>
+      <p:sp>
+        <p:nvSpPr>
+          <p:cNvPr id="7" name="Rectangle 6"/>
+          <p:cNvSpPr>
+            <a:spLocks noGrp="1" noRot="1" noChangeAspect="1" noMove="1" noResize="1" noEditPoints="1" noAdjustHandles="1" noChangeArrowheads="1" noChangeShapeType="1" noTextEdit="1"/>
+          </p:cNvSpPr>
+          <p:nvPr>
+            <p:extLst>
+              <p:ext uri="{386F3935-93C4-4BCD-93E2-E3B085C9AB24}">
+                <p16:designElem xmlns:p16="http://schemas.microsoft.com/office/powerpoint/2015/main" val="1"/>
+              </p:ext>
+            </p:extLst>
+          </p:nvPr>
+        </p:nvSpPr>
+        <p:spPr bwMode="ltGray">
+          <a:xfrm>
+            <a:off x="378068" y="4633546"/>
+            <a:ext cx="11438793" cy="1844256"/>
+          </a:xfrm>
+          <a:prstGeom prst="rect">
+            <a:avLst/>
+          </a:prstGeom>
+          <a:solidFill>
+            <a:schemeClr val="tx1">
+              <a:lumMod val="75000"/>
+              <a:lumOff val="25000"/>
+            </a:schemeClr>
+          </a:solidFill>
+          <a:ln w="127000" cap="sq" cmpd="thinThick">
+            <a:solidFill>
+              <a:schemeClr val="tx1">
+                <a:lumMod val="75000"/>
+                <a:lumOff val="25000"/>
+              </a:schemeClr>
+            </a:solidFill>
+          </a:ln>
+        </p:spPr>
+        <p:style>
+          <a:lnRef idx="2">
+            <a:schemeClr val="accent1">
+              <a:shade val="50000"/>
+            </a:schemeClr>
+          </a:lnRef>
+          <a:fillRef idx="1">
+            <a:schemeClr val="accent1"/>
+          </a:fillRef>
+          <a:effectRef idx="0">
+            <a:schemeClr val="accent1"/>
+          </a:effectRef>
+          <a:fontRef idx="minor">
+            <a:schemeClr val="lt1"/>
+          </a:fontRef>
+        </p:style>
+        <p:txBody>
+          <a:bodyPr rtlCol="0" anchor="ctr"/>
+          <a:lstStyle/>
+          <a:p>
+            <a:pPr algn="ctr"/>
+            <a:endParaRPr lang="en-US"/>
+          </a:p>
+        </p:txBody>
+      </p:sp>
+      <p:cxnSp>
+        <p:nvCxnSpPr>
+          <p:cNvPr id="8" name="Straight Connector 7"/>
+          <p:cNvCxnSpPr>
+            <a:cxnSpLocks noGrp="1" noRot="1" noChangeAspect="1" noMove="1" noResize="1" noEditPoints="1" noAdjustHandles="1" noChangeArrowheads="1" noChangeShapeType="1"/>
+          </p:cNvCxnSpPr>
+          <p:nvPr>
+            <p:extLst>
+              <p:ext uri="{386F3935-93C4-4BCD-93E2-E3B085C9AB24}">
+                <p16:designElem xmlns:p16="http://schemas.microsoft.com/office/powerpoint/2015/main" val="1"/>
+              </p:ext>
+            </p:extLst>
+          </p:nvPr>
+        </p:nvCxnSpPr>
+        <p:spPr>
+          <a:xfrm>
+            <a:off x="2209800" y="5738691"/>
+            <a:ext cx="7772400" cy="0"/>
+          </a:xfrm>
+          <a:prstGeom prst="line">
+            <a:avLst/>
+          </a:prstGeom>
+          <a:ln w="22225">
+            <a:solidFill>
+              <a:schemeClr val="bg1">
+                <a:lumMod val="85000"/>
+              </a:schemeClr>
+            </a:solidFill>
+          </a:ln>
+        </p:spPr>
+        <p:style>
+          <a:lnRef idx="1">
+            <a:schemeClr val="accent1"/>
+          </a:lnRef>
+          <a:fillRef idx="0">
+            <a:schemeClr val="accent1"/>
+          </a:fillRef>
+          <a:effectRef idx="0">
+            <a:schemeClr val="accent1"/>
+          </a:effectRef>
+          <a:fontRef idx="minor">
+            <a:schemeClr val="tx1"/>
+          </a:fontRef>
+        </p:style>
+      </p:cxnSp>
+      <p:cxnSp>
+        <p:nvCxnSpPr>
+          <p:cNvPr id="9" name="Straight Connector 8"/>
+          <p:cNvCxnSpPr>
+            <a:cxnSpLocks noGrp="1" noRot="1" noChangeAspect="1" noMove="1" noResize="1" noEditPoints="1" noAdjustHandles="1" noChangeArrowheads="1" noChangeShapeType="1"/>
+          </p:cNvCxnSpPr>
+          <p:nvPr>
+            <p:extLst>
+              <p:ext uri="{386F3935-93C4-4BCD-93E2-E3B085C9AB24}">
+                <p16:designElem xmlns:p16="http://schemas.microsoft.com/office/powerpoint/2015/main" val="1"/>
+              </p:ext>
+            </p:extLst>
+          </p:nvPr>
+        </p:nvCxnSpPr>
+        <p:spPr>
+          <a:xfrm>
+            <a:off x="6096000" y="477749"/>
+            <a:ext cx="0" cy="3657600"/>
+          </a:xfrm>
+          <a:prstGeom prst="line">
+            <a:avLst/>
+          </a:prstGeom>
+          <a:ln w="101600" cmpd="dbl">
+            <a:solidFill>
+              <a:schemeClr val="tx1">
+                <a:lumMod val="65000"/>
+                <a:lumOff val="35000"/>
+              </a:schemeClr>
+            </a:solidFill>
+          </a:ln>
+        </p:spPr>
+        <p:style>
+          <a:lnRef idx="1">
+            <a:schemeClr val="accent1"/>
+          </a:lnRef>
+          <a:fillRef idx="0">
+            <a:schemeClr val="accent1"/>
+          </a:fillRef>
+          <a:effectRef idx="0">
+            <a:schemeClr val="accent1"/>
+          </a:effectRef>
+          <a:fontRef idx="minor">
+            <a:schemeClr val="tx1"/>
+          </a:fontRef>
+        </p:style>
+      </p:cxnSp>
+      <p:sp>
+        <p:nvSpPr>
+          <p:cNvPr id="2" name="标题 1"/>
+          <p:cNvSpPr>
+            <a:spLocks noGrp="1"/>
+          </p:cNvSpPr>
+          <p:nvPr>
+            <p:ph type="title"/>
+          </p:nvPr>
+        </p:nvSpPr>
+        <p:spPr>
+          <a:xfrm>
+            <a:off x="527538" y="4756638"/>
+            <a:ext cx="11139854" cy="930447"/>
+          </a:xfrm>
+        </p:spPr>
+        <p:txBody>
+          <a:bodyPr vert="horz" lIns="91440" tIns="45720" rIns="91440" bIns="45720" rtlCol="0" anchor="b">
+            <a:noAutofit/>
+          </a:bodyPr>
+          <a:lstStyle/>
+          <a:p>
+            <a:pPr algn="ctr"/>
+            <a:r>
+              <a:rPr lang="en-US" altLang="zh-CN" sz="2400" dirty="0">
+                <a:solidFill>
+                  <a:schemeClr val="bg1"/>
+                </a:solidFill>
+              </a:rPr>
+              <a:t>Open the mobile app and view the </a:t>
+            </a:r>
+            <a:r>
+              <a:rPr lang="en-US" altLang="zh-CN" sz="2400">
+                <a:solidFill>
+                  <a:schemeClr val="bg1"/>
+                </a:solidFill>
+              </a:rPr>
+              <a:t>push notification </a:t>
+            </a:r>
+            <a:endParaRPr lang="en-US" altLang="zh-CN" sz="2400" dirty="0">
+              <a:solidFill>
+                <a:schemeClr val="bg1"/>
+              </a:solidFill>
+            </a:endParaRPr>
+          </a:p>
+        </p:txBody>
+      </p:sp>
+      <p:pic>
+        <p:nvPicPr>
+          <p:cNvPr id="3" name="Picture 2"/>
+          <p:cNvPicPr>
+            <a:picLocks noChangeAspect="1"/>
+          </p:cNvPicPr>
+          <p:nvPr/>
+        </p:nvPicPr>
+        <p:blipFill>
+          <a:blip r:embed="rId2">
+            <a:extLst>
+              <a:ext uri="{28A0092B-C50C-407E-A947-70E740481C1C}">
+                <a14:useLocalDpi xmlns:a14="http://schemas.microsoft.com/office/drawing/2010/main" val="0"/>
+              </a:ext>
+            </a:extLst>
+          </a:blip>
+          <a:stretch>
+            <a:fillRect/>
+          </a:stretch>
+        </p:blipFill>
+        <p:spPr>
+          <a:xfrm>
+            <a:off x="1729011" y="476374"/>
+            <a:ext cx="2637978" cy="3754582"/>
+          </a:xfrm>
+          <a:prstGeom prst="rect">
+            <a:avLst/>
+          </a:prstGeom>
+        </p:spPr>
+      </p:pic>
+      <p:pic>
+        <p:nvPicPr>
+          <p:cNvPr id="14" name="Content Placeholder 3"/>
+          <p:cNvPicPr>
+            <a:picLocks noGrp="1" noChangeAspect="1"/>
+          </p:cNvPicPr>
+          <p:nvPr>
+            <p:ph idx="1"/>
+          </p:nvPr>
+        </p:nvPicPr>
+        <p:blipFill>
+          <a:blip r:embed="rId3" cstate="print">
+            <a:extLst>
+              <a:ext uri="{28A0092B-C50C-407E-A947-70E740481C1C}">
+                <a14:useLocalDpi xmlns:a14="http://schemas.microsoft.com/office/drawing/2010/main" val="0"/>
+              </a:ext>
+            </a:extLst>
+          </a:blip>
+          <a:stretch>
+            <a:fillRect/>
+          </a:stretch>
+        </p:blipFill>
+        <p:spPr>
+          <a:xfrm>
+            <a:off x="6502400" y="889471"/>
+            <a:ext cx="4865330" cy="1600237"/>
+          </a:xfrm>
+        </p:spPr>
+      </p:pic>
+      <p:sp>
+        <p:nvSpPr>
+          <p:cNvPr id="15" name="Title 1"/>
+          <p:cNvSpPr txBox="1">
+            <a:spLocks/>
+          </p:cNvSpPr>
+          <p:nvPr/>
+        </p:nvSpPr>
+        <p:spPr>
+          <a:xfrm>
+            <a:off x="6502400" y="3105726"/>
+            <a:ext cx="4865330" cy="911802"/>
+          </a:xfrm>
+          <a:prstGeom prst="rect">
+            <a:avLst/>
+          </a:prstGeom>
+        </p:spPr>
+        <p:txBody>
+          <a:bodyPr vert="horz" lIns="91440" tIns="45720" rIns="91440" bIns="45720" rtlCol="0" anchor="ctr">
+            <a:normAutofit fontScale="85000" lnSpcReduction="20000"/>
+          </a:bodyPr>
+          <a:lstStyle>
+            <a:lvl1pPr algn="l" defTabSz="914400" rtl="0" eaLnBrk="1" latinLnBrk="0" hangingPunct="1">
+              <a:lnSpc>
+                <a:spcPct val="90000"/>
+              </a:lnSpc>
+              <a:spcBef>
+                <a:spcPct val="0"/>
+              </a:spcBef>
+              <a:buNone/>
+              <a:defRPr sz="4400" kern="1200">
+                <a:solidFill>
+                  <a:schemeClr val="tx1"/>
+                </a:solidFill>
+                <a:latin typeface="+mj-lt"/>
+                <a:ea typeface="+mj-ea"/>
+                <a:cs typeface="+mj-cs"/>
+              </a:defRPr>
+            </a:lvl1pPr>
+          </a:lstStyle>
+          <a:p>
+            <a:pPr algn="ctr"/>
+            <a:r>
+              <a:rPr lang="en-US" dirty="0"/>
+              <a:t>This example is shown in the Android simulator.</a:t>
+            </a:r>
+          </a:p>
+        </p:txBody>
+      </p:sp>
+    </p:spTree>
+    <p:extLst>
+      <p:ext uri="{BB962C8B-B14F-4D97-AF65-F5344CB8AC3E}">
+        <p14:creationId xmlns:p14="http://schemas.microsoft.com/office/powerpoint/2010/main" val="77665135"/>
+      </p:ext>
+    </p:extLst>
+  </p:cSld>
+  <p:clrMapOvr>
+    <a:masterClrMapping/>
+  </p:clrMapOvr>
+</p:sld>
+</file>
+
+<file path=ppt/slides/slide22.xml><?xml version="1.0" encoding="utf-8"?>
+<p:sld xmlns:a="http://schemas.openxmlformats.org/drawingml/2006/main" xmlns:r="http://schemas.openxmlformats.org/officeDocument/2006/relationships" xmlns:p="http://schemas.openxmlformats.org/presentationml/2006/main">
+  <p:cSld>
+    <p:spTree>
+      <p:nvGrpSpPr>
+        <p:cNvPr id="1" name=""/>
+        <p:cNvGrpSpPr/>
+        <p:nvPr/>
+      </p:nvGrpSpPr>
+      <p:grpSpPr>
+        <a:xfrm>
+          <a:off x="0" y="0"/>
+          <a:ext cx="0" cy="0"/>
+          <a:chOff x="0" y="0"/>
+          <a:chExt cx="0" cy="0"/>
+        </a:xfrm>
+      </p:grpSpPr>
+      <p:sp>
+        <p:nvSpPr>
           <p:cNvPr id="8" name="Freeform 12"/>
           <p:cNvSpPr>
             <a:spLocks noGrp="1" noRot="1" noChangeAspect="1" noMove="1" noResize="1" noEditPoints="1" noAdjustHandles="1" noChangeArrowheads="1" noChangeShapeType="1" noTextEdit="1"/>
@@ -7871,7 +8250,7 @@
 </p:sld>
 </file>
 
-<file path=ppt/slides/slide22.xml><?xml version="1.0" encoding="utf-8"?>
+<file path=ppt/slides/slide23.xml><?xml version="1.0" encoding="utf-8"?>
 <p:sld xmlns:a="http://schemas.openxmlformats.org/drawingml/2006/main" xmlns:r="http://schemas.openxmlformats.org/officeDocument/2006/relationships" xmlns:p="http://schemas.openxmlformats.org/presentationml/2006/main">
   <p:cSld>
     <p:spTree>
